--- a/SPACE GYM PROJECT.pptx
+++ b/SPACE GYM PROJECT.pptx
@@ -1,39 +1,39 @@
 
 <file path=ppt/presentation.xml><?xml version="1.0" encoding="utf-8"?>
-<p:presentation xmlns:a="http://schemas.openxmlformats.org/drawingml/2006/main" xmlns:r="http://schemas.openxmlformats.org/officeDocument/2006/relationships" xmlns:mc="http://schemas.openxmlformats.org/markup-compatibility/2006" xmlns:mv="urn:schemas-microsoft-com:mac:vml" xmlns:p="http://schemas.openxmlformats.org/presentationml/2006/main" xmlns:c="http://schemas.openxmlformats.org/drawingml/2006/chart" xmlns:dgm="http://schemas.openxmlformats.org/drawingml/2006/diagram" xmlns:o="urn:schemas-microsoft-com:office:office" xmlns:v="urn:schemas-microsoft-com:vml" xmlns:pvml="urn:schemas-microsoft-com:office:powerpoint" xmlns:com="http://schemas.openxmlformats.org/drawingml/2006/compatibility" xmlns:p14="http://schemas.microsoft.com/office/powerpoint/2010/main" xmlns:p15="http://schemas.microsoft.com/office/powerpoint/2012/main" xmlns:ahyp="http://schemas.microsoft.com/office/drawing/2018/hyperlinkcolor" autoCompressPictures="0" strictFirstAndLastChars="0" saveSubsetFonts="1">
+<p:presentation xmlns:a="http://schemas.openxmlformats.org/drawingml/2006/main" xmlns:r="http://schemas.openxmlformats.org/officeDocument/2006/relationships" xmlns:p="http://schemas.openxmlformats.org/presentationml/2006/main" strictFirstAndLastChars="0" saveSubsetFonts="1" autoCompressPictures="0">
   <p:sldMasterIdLst>
-    <p:sldMasterId id="2147483659" r:id="rId4"/>
+    <p:sldMasterId id="2147483659" r:id="rId1"/>
   </p:sldMasterIdLst>
   <p:notesMasterIdLst>
-    <p:notesMasterId r:id="rId5"/>
+    <p:notesMasterId r:id="rId23"/>
   </p:notesMasterIdLst>
   <p:sldIdLst>
-    <p:sldId id="256" r:id="rId6"/>
-    <p:sldId id="257" r:id="rId7"/>
-    <p:sldId id="258" r:id="rId8"/>
-    <p:sldId id="259" r:id="rId9"/>
-    <p:sldId id="260" r:id="rId10"/>
-    <p:sldId id="261" r:id="rId11"/>
-    <p:sldId id="262" r:id="rId12"/>
-    <p:sldId id="263" r:id="rId13"/>
-    <p:sldId id="264" r:id="rId14"/>
-    <p:sldId id="265" r:id="rId15"/>
-    <p:sldId id="266" r:id="rId16"/>
-    <p:sldId id="267" r:id="rId17"/>
-    <p:sldId id="268" r:id="rId18"/>
-    <p:sldId id="269" r:id="rId19"/>
-    <p:sldId id="270" r:id="rId20"/>
-    <p:sldId id="271" r:id="rId21"/>
-    <p:sldId id="272" r:id="rId22"/>
-    <p:sldId id="273" r:id="rId23"/>
-    <p:sldId id="274" r:id="rId24"/>
-    <p:sldId id="275" r:id="rId25"/>
-    <p:sldId id="276" r:id="rId26"/>
+    <p:sldId id="256" r:id="rId2"/>
+    <p:sldId id="257" r:id="rId3"/>
+    <p:sldId id="258" r:id="rId4"/>
+    <p:sldId id="259" r:id="rId5"/>
+    <p:sldId id="260" r:id="rId6"/>
+    <p:sldId id="261" r:id="rId7"/>
+    <p:sldId id="262" r:id="rId8"/>
+    <p:sldId id="263" r:id="rId9"/>
+    <p:sldId id="264" r:id="rId10"/>
+    <p:sldId id="265" r:id="rId11"/>
+    <p:sldId id="266" r:id="rId12"/>
+    <p:sldId id="267" r:id="rId13"/>
+    <p:sldId id="268" r:id="rId14"/>
+    <p:sldId id="269" r:id="rId15"/>
+    <p:sldId id="270" r:id="rId16"/>
+    <p:sldId id="271" r:id="rId17"/>
+    <p:sldId id="272" r:id="rId18"/>
+    <p:sldId id="273" r:id="rId19"/>
+    <p:sldId id="274" r:id="rId20"/>
+    <p:sldId id="275" r:id="rId21"/>
+    <p:sldId id="276" r:id="rId22"/>
   </p:sldIdLst>
-  <p:sldSz cy="5143500" cx="9144000"/>
+  <p:sldSz cx="9144000" cy="5143500" type="screen16x9"/>
   <p:notesSz cx="6858000" cy="9144000"/>
   <p:defaultTextStyle>
-    <a:defPPr lvl="0" marR="0" rtl="0" algn="l">
+    <a:defPPr marR="0" lvl="0" algn="l" rtl="0">
       <a:lnSpc>
         <a:spcPct val="100000"/>
       </a:lnSpc>
@@ -44,7 +44,7 @@
         <a:spcPts val="0"/>
       </a:spcAft>
     </a:defPPr>
-    <a:lvl1pPr lvl="0" marR="0" rtl="0" algn="l">
+    <a:lvl1pPr marR="0" lvl="0" algn="l" rtl="0">
       <a:lnSpc>
         <a:spcPct val="100000"/>
       </a:lnSpc>
@@ -58,7 +58,7 @@
         <a:srgbClr val="000000"/>
       </a:buClr>
       <a:buFont typeface="Arial"/>
-      <a:defRPr b="0" i="0" sz="1400" u="none" cap="none" strike="noStrike">
+      <a:defRPr sz="1400" b="0" i="0" u="none" strike="noStrike" cap="none">
         <a:solidFill>
           <a:srgbClr val="000000"/>
         </a:solidFill>
@@ -68,7 +68,7 @@
         <a:sym typeface="Arial"/>
       </a:defRPr>
     </a:lvl1pPr>
-    <a:lvl2pPr lvl="1" marR="0" rtl="0" algn="l">
+    <a:lvl2pPr marR="0" lvl="1" algn="l" rtl="0">
       <a:lnSpc>
         <a:spcPct val="100000"/>
       </a:lnSpc>
@@ -82,7 +82,7 @@
         <a:srgbClr val="000000"/>
       </a:buClr>
       <a:buFont typeface="Arial"/>
-      <a:defRPr b="0" i="0" sz="1400" u="none" cap="none" strike="noStrike">
+      <a:defRPr sz="1400" b="0" i="0" u="none" strike="noStrike" cap="none">
         <a:solidFill>
           <a:srgbClr val="000000"/>
         </a:solidFill>
@@ -92,7 +92,7 @@
         <a:sym typeface="Arial"/>
       </a:defRPr>
     </a:lvl2pPr>
-    <a:lvl3pPr lvl="2" marR="0" rtl="0" algn="l">
+    <a:lvl3pPr marR="0" lvl="2" algn="l" rtl="0">
       <a:lnSpc>
         <a:spcPct val="100000"/>
       </a:lnSpc>
@@ -106,7 +106,7 @@
         <a:srgbClr val="000000"/>
       </a:buClr>
       <a:buFont typeface="Arial"/>
-      <a:defRPr b="0" i="0" sz="1400" u="none" cap="none" strike="noStrike">
+      <a:defRPr sz="1400" b="0" i="0" u="none" strike="noStrike" cap="none">
         <a:solidFill>
           <a:srgbClr val="000000"/>
         </a:solidFill>
@@ -116,7 +116,7 @@
         <a:sym typeface="Arial"/>
       </a:defRPr>
     </a:lvl3pPr>
-    <a:lvl4pPr lvl="3" marR="0" rtl="0" algn="l">
+    <a:lvl4pPr marR="0" lvl="3" algn="l" rtl="0">
       <a:lnSpc>
         <a:spcPct val="100000"/>
       </a:lnSpc>
@@ -130,7 +130,7 @@
         <a:srgbClr val="000000"/>
       </a:buClr>
       <a:buFont typeface="Arial"/>
-      <a:defRPr b="0" i="0" sz="1400" u="none" cap="none" strike="noStrike">
+      <a:defRPr sz="1400" b="0" i="0" u="none" strike="noStrike" cap="none">
         <a:solidFill>
           <a:srgbClr val="000000"/>
         </a:solidFill>
@@ -140,7 +140,7 @@
         <a:sym typeface="Arial"/>
       </a:defRPr>
     </a:lvl4pPr>
-    <a:lvl5pPr lvl="4" marR="0" rtl="0" algn="l">
+    <a:lvl5pPr marR="0" lvl="4" algn="l" rtl="0">
       <a:lnSpc>
         <a:spcPct val="100000"/>
       </a:lnSpc>
@@ -154,7 +154,7 @@
         <a:srgbClr val="000000"/>
       </a:buClr>
       <a:buFont typeface="Arial"/>
-      <a:defRPr b="0" i="0" sz="1400" u="none" cap="none" strike="noStrike">
+      <a:defRPr sz="1400" b="0" i="0" u="none" strike="noStrike" cap="none">
         <a:solidFill>
           <a:srgbClr val="000000"/>
         </a:solidFill>
@@ -164,7 +164,7 @@
         <a:sym typeface="Arial"/>
       </a:defRPr>
     </a:lvl5pPr>
-    <a:lvl6pPr lvl="5" marR="0" rtl="0" algn="l">
+    <a:lvl6pPr marR="0" lvl="5" algn="l" rtl="0">
       <a:lnSpc>
         <a:spcPct val="100000"/>
       </a:lnSpc>
@@ -178,7 +178,7 @@
         <a:srgbClr val="000000"/>
       </a:buClr>
       <a:buFont typeface="Arial"/>
-      <a:defRPr b="0" i="0" sz="1400" u="none" cap="none" strike="noStrike">
+      <a:defRPr sz="1400" b="0" i="0" u="none" strike="noStrike" cap="none">
         <a:solidFill>
           <a:srgbClr val="000000"/>
         </a:solidFill>
@@ -188,7 +188,7 @@
         <a:sym typeface="Arial"/>
       </a:defRPr>
     </a:lvl6pPr>
-    <a:lvl7pPr lvl="6" marR="0" rtl="0" algn="l">
+    <a:lvl7pPr marR="0" lvl="6" algn="l" rtl="0">
       <a:lnSpc>
         <a:spcPct val="100000"/>
       </a:lnSpc>
@@ -202,7 +202,7 @@
         <a:srgbClr val="000000"/>
       </a:buClr>
       <a:buFont typeface="Arial"/>
-      <a:defRPr b="0" i="0" sz="1400" u="none" cap="none" strike="noStrike">
+      <a:defRPr sz="1400" b="0" i="0" u="none" strike="noStrike" cap="none">
         <a:solidFill>
           <a:srgbClr val="000000"/>
         </a:solidFill>
@@ -212,7 +212,7 @@
         <a:sym typeface="Arial"/>
       </a:defRPr>
     </a:lvl7pPr>
-    <a:lvl8pPr lvl="7" marR="0" rtl="0" algn="l">
+    <a:lvl8pPr marR="0" lvl="7" algn="l" rtl="0">
       <a:lnSpc>
         <a:spcPct val="100000"/>
       </a:lnSpc>
@@ -226,7 +226,7 @@
         <a:srgbClr val="000000"/>
       </a:buClr>
       <a:buFont typeface="Arial"/>
-      <a:defRPr b="0" i="0" sz="1400" u="none" cap="none" strike="noStrike">
+      <a:defRPr sz="1400" b="0" i="0" u="none" strike="noStrike" cap="none">
         <a:solidFill>
           <a:srgbClr val="000000"/>
         </a:solidFill>
@@ -236,7 +236,7 @@
         <a:sym typeface="Arial"/>
       </a:defRPr>
     </a:lvl8pPr>
-    <a:lvl9pPr lvl="8" marR="0" rtl="0" algn="l">
+    <a:lvl9pPr marR="0" lvl="8" algn="l" rtl="0">
       <a:lnSpc>
         <a:spcPct val="100000"/>
       </a:lnSpc>
@@ -250,7 +250,7 @@
         <a:srgbClr val="000000"/>
       </a:buClr>
       <a:buFont typeface="Arial"/>
-      <a:defRPr b="0" i="0" sz="1400" u="none" cap="none" strike="noStrike">
+      <a:defRPr sz="1400" b="0" i="0" u="none" strike="noStrike" cap="none">
         <a:solidFill>
           <a:srgbClr val="000000"/>
         </a:solidFill>
@@ -263,7 +263,7 @@
   </p:defaultTextStyle>
   <p:extLst>
     <p:ext uri="{EFAFB233-063F-42B5-8137-9DF3F51BA10A}">
-      <p15:sldGuideLst>
+      <p15:sldGuideLst xmlns:p15="http://schemas.microsoft.com/office/powerpoint/2012/main">
         <p15:guide id="1" orient="horz" pos="1620">
           <p15:clr>
             <a:srgbClr val="747775"/>
@@ -281,11 +281,16 @@
 </file>
 
 <file path=ppt/notesMasters/notesMaster1.xml><?xml version="1.0" encoding="utf-8"?>
-<p:notesMaster xmlns:a="http://schemas.openxmlformats.org/drawingml/2006/main" xmlns:r="http://schemas.openxmlformats.org/officeDocument/2006/relationships" xmlns:mc="http://schemas.openxmlformats.org/markup-compatibility/2006" xmlns:mv="urn:schemas-microsoft-com:mac:vml" xmlns:p="http://schemas.openxmlformats.org/presentationml/2006/main" xmlns:c="http://schemas.openxmlformats.org/drawingml/2006/chart" xmlns:dgm="http://schemas.openxmlformats.org/drawingml/2006/diagram" xmlns:o="urn:schemas-microsoft-com:office:office" xmlns:v="urn:schemas-microsoft-com:vml" xmlns:pvml="urn:schemas-microsoft-com:office:powerpoint" xmlns:com="http://schemas.openxmlformats.org/drawingml/2006/compatibility" xmlns:p14="http://schemas.microsoft.com/office/powerpoint/2010/main" xmlns:p15="http://schemas.microsoft.com/office/powerpoint/2012/main" xmlns:ahyp="http://schemas.microsoft.com/office/drawing/2018/hyperlinkcolor">
+<p:notesMaster xmlns:a="http://schemas.openxmlformats.org/drawingml/2006/main" xmlns:r="http://schemas.openxmlformats.org/officeDocument/2006/relationships" xmlns:p="http://schemas.openxmlformats.org/presentationml/2006/main">
   <p:cSld>
+    <p:bg>
+      <p:bgRef idx="1001">
+        <a:schemeClr val="bg1"/>
+      </p:bgRef>
+    </p:bg>
     <p:spTree>
       <p:nvGrpSpPr>
-        <p:cNvPr id="2" name="Shape 2"/>
+        <p:cNvPr id="1" name="Shape 2"/>
         <p:cNvGrpSpPr/>
         <p:nvPr/>
       </p:nvGrpSpPr>
@@ -300,9 +305,11 @@
       <p:sp>
         <p:nvSpPr>
           <p:cNvPr id="3" name="Google Shape;3;n"/>
-          <p:cNvSpPr/>
+          <p:cNvSpPr>
+            <a:spLocks noGrp="1" noRot="1" noChangeAspect="1"/>
+          </p:cNvSpPr>
           <p:nvPr>
-            <p:ph idx="2" type="sldImg"/>
+            <p:ph type="sldImg" idx="2"/>
           </p:nvPr>
         </p:nvSpPr>
         <p:spPr>
@@ -311,9 +318,13 @@
             <a:ext cx="6096075" cy="3429000"/>
           </a:xfrm>
           <a:custGeom>
-            <a:rect b="b" l="l" r="r" t="t"/>
+            <a:avLst/>
+            <a:gdLst/>
+            <a:ahLst/>
+            <a:cxnLst/>
+            <a:rect l="l" t="t" r="r" b="b"/>
             <a:pathLst>
-              <a:path extrusionOk="0" h="120000" w="120000">
+              <a:path w="120000" h="120000" extrusionOk="0">
                 <a:moveTo>
                   <a:pt x="0" y="0"/>
                 </a:moveTo>
@@ -331,23 +342,25 @@
             </a:pathLst>
           </a:custGeom>
           <a:noFill/>
-          <a:ln cap="flat" cmpd="sng" w="9525">
+          <a:ln w="9525" cap="flat" cmpd="sng">
             <a:solidFill>
               <a:srgbClr val="000000"/>
             </a:solidFill>
             <a:prstDash val="solid"/>
             <a:round/>
-            <a:headEnd len="sm" w="sm" type="none"/>
-            <a:tailEnd len="sm" w="sm" type="none"/>
+            <a:headEnd type="none" w="sm" len="sm"/>
+            <a:tailEnd type="none" w="sm" len="sm"/>
           </a:ln>
         </p:spPr>
       </p:sp>
       <p:sp>
         <p:nvSpPr>
           <p:cNvPr id="4" name="Google Shape;4;n"/>
-          <p:cNvSpPr txBox="1"/>
+          <p:cNvSpPr txBox="1">
+            <a:spLocks noGrp="1"/>
+          </p:cNvSpPr>
           <p:nvPr>
-            <p:ph idx="1" type="body"/>
+            <p:ph type="body" idx="1"/>
           </p:nvPr>
         </p:nvSpPr>
         <p:spPr>
@@ -364,11 +377,11 @@
           </a:ln>
         </p:spPr>
         <p:txBody>
-          <a:bodyPr anchorCtr="0" anchor="t" bIns="91425" lIns="91425" spcFirstLastPara="1" rIns="91425" wrap="square" tIns="91425">
+          <a:bodyPr spcFirstLastPara="1" wrap="square" lIns="91425" tIns="91425" rIns="91425" bIns="91425" anchor="t" anchorCtr="0">
             <a:noAutofit/>
           </a:bodyPr>
           <a:lstStyle>
-            <a:lvl1pPr indent="-298450" lvl="0" marL="457200">
+            <a:lvl1pPr marL="457200" lvl="0" indent="-298450">
               <a:spcBef>
                 <a:spcPts val="0"/>
               </a:spcBef>
@@ -379,7 +392,7 @@
               <a:buChar char="●"/>
               <a:defRPr sz="1100"/>
             </a:lvl1pPr>
-            <a:lvl2pPr indent="-298450" lvl="1" marL="914400">
+            <a:lvl2pPr marL="914400" lvl="1" indent="-298450">
               <a:spcBef>
                 <a:spcPts val="0"/>
               </a:spcBef>
@@ -390,7 +403,7 @@
               <a:buChar char="○"/>
               <a:defRPr sz="1100"/>
             </a:lvl2pPr>
-            <a:lvl3pPr indent="-298450" lvl="2" marL="1371600">
+            <a:lvl3pPr marL="1371600" lvl="2" indent="-298450">
               <a:spcBef>
                 <a:spcPts val="0"/>
               </a:spcBef>
@@ -401,7 +414,7 @@
               <a:buChar char="■"/>
               <a:defRPr sz="1100"/>
             </a:lvl3pPr>
-            <a:lvl4pPr indent="-298450" lvl="3" marL="1828800">
+            <a:lvl4pPr marL="1828800" lvl="3" indent="-298450">
               <a:spcBef>
                 <a:spcPts val="0"/>
               </a:spcBef>
@@ -412,7 +425,7 @@
               <a:buChar char="●"/>
               <a:defRPr sz="1100"/>
             </a:lvl4pPr>
-            <a:lvl5pPr indent="-298450" lvl="4" marL="2286000">
+            <a:lvl5pPr marL="2286000" lvl="4" indent="-298450">
               <a:spcBef>
                 <a:spcPts val="0"/>
               </a:spcBef>
@@ -423,7 +436,7 @@
               <a:buChar char="○"/>
               <a:defRPr sz="1100"/>
             </a:lvl5pPr>
-            <a:lvl6pPr indent="-298450" lvl="5" marL="2743200">
+            <a:lvl6pPr marL="2743200" lvl="5" indent="-298450">
               <a:spcBef>
                 <a:spcPts val="0"/>
               </a:spcBef>
@@ -434,7 +447,7 @@
               <a:buChar char="■"/>
               <a:defRPr sz="1100"/>
             </a:lvl6pPr>
-            <a:lvl7pPr indent="-298450" lvl="6" marL="3200400">
+            <a:lvl7pPr marL="3200400" lvl="6" indent="-298450">
               <a:spcBef>
                 <a:spcPts val="0"/>
               </a:spcBef>
@@ -445,7 +458,7 @@
               <a:buChar char="●"/>
               <a:defRPr sz="1100"/>
             </a:lvl7pPr>
-            <a:lvl8pPr indent="-298450" lvl="7" marL="3657600">
+            <a:lvl8pPr marL="3657600" lvl="7" indent="-298450">
               <a:spcBef>
                 <a:spcPts val="0"/>
               </a:spcBef>
@@ -456,7 +469,7 @@
               <a:buChar char="○"/>
               <a:defRPr sz="1100"/>
             </a:lvl8pPr>
-            <a:lvl9pPr indent="-298450" lvl="8" marL="4114800">
+            <a:lvl9pPr marL="4114800" lvl="8" indent="-298450">
               <a:spcBef>
                 <a:spcPts val="0"/>
               </a:spcBef>
@@ -468,14 +481,16 @@
               <a:defRPr sz="1100"/>
             </a:lvl9pPr>
           </a:lstStyle>
-          <a:p/>
+          <a:p>
+            <a:endParaRPr/>
+          </a:p>
         </p:txBody>
       </p:sp>
     </p:spTree>
   </p:cSld>
-  <p:clrMap accent1="accent1" accent2="accent2" accent3="accent3" accent4="accent4" accent5="accent5" accent6="accent6" bg1="lt1" bg2="dk2" tx1="dk1" tx2="lt2" folHlink="folHlink" hlink="hlink"/>
+  <p:clrMap bg1="lt1" tx1="dk1" bg2="dk2" tx2="lt2" accent1="accent1" accent2="accent2" accent3="accent3" accent4="accent4" accent5="accent5" accent6="accent6" hlink="hlink" folHlink="folHlink"/>
   <p:notesStyle>
-    <a:defPPr lvl="0" marR="0" rtl="0" algn="l">
+    <a:defPPr marR="0" lvl="0" algn="l" rtl="0">
       <a:lnSpc>
         <a:spcPct val="100000"/>
       </a:lnSpc>
@@ -486,7 +501,7 @@
         <a:spcPts val="0"/>
       </a:spcAft>
     </a:defPPr>
-    <a:lvl1pPr lvl="0" marR="0" rtl="0" algn="l">
+    <a:lvl1pPr marR="0" lvl="0" algn="l" rtl="0">
       <a:lnSpc>
         <a:spcPct val="100000"/>
       </a:lnSpc>
@@ -500,7 +515,7 @@
         <a:srgbClr val="000000"/>
       </a:buClr>
       <a:buFont typeface="Arial"/>
-      <a:defRPr b="0" i="0" sz="1400" u="none" cap="none" strike="noStrike">
+      <a:defRPr sz="1400" b="0" i="0" u="none" strike="noStrike" cap="none">
         <a:solidFill>
           <a:srgbClr val="000000"/>
         </a:solidFill>
@@ -510,7 +525,7 @@
         <a:sym typeface="Arial"/>
       </a:defRPr>
     </a:lvl1pPr>
-    <a:lvl2pPr lvl="1" marR="0" rtl="0" algn="l">
+    <a:lvl2pPr marR="0" lvl="1" algn="l" rtl="0">
       <a:lnSpc>
         <a:spcPct val="100000"/>
       </a:lnSpc>
@@ -524,7 +539,7 @@
         <a:srgbClr val="000000"/>
       </a:buClr>
       <a:buFont typeface="Arial"/>
-      <a:defRPr b="0" i="0" sz="1400" u="none" cap="none" strike="noStrike">
+      <a:defRPr sz="1400" b="0" i="0" u="none" strike="noStrike" cap="none">
         <a:solidFill>
           <a:srgbClr val="000000"/>
         </a:solidFill>
@@ -534,7 +549,7 @@
         <a:sym typeface="Arial"/>
       </a:defRPr>
     </a:lvl2pPr>
-    <a:lvl3pPr lvl="2" marR="0" rtl="0" algn="l">
+    <a:lvl3pPr marR="0" lvl="2" algn="l" rtl="0">
       <a:lnSpc>
         <a:spcPct val="100000"/>
       </a:lnSpc>
@@ -548,7 +563,7 @@
         <a:srgbClr val="000000"/>
       </a:buClr>
       <a:buFont typeface="Arial"/>
-      <a:defRPr b="0" i="0" sz="1400" u="none" cap="none" strike="noStrike">
+      <a:defRPr sz="1400" b="0" i="0" u="none" strike="noStrike" cap="none">
         <a:solidFill>
           <a:srgbClr val="000000"/>
         </a:solidFill>
@@ -558,7 +573,7 @@
         <a:sym typeface="Arial"/>
       </a:defRPr>
     </a:lvl3pPr>
-    <a:lvl4pPr lvl="3" marR="0" rtl="0" algn="l">
+    <a:lvl4pPr marR="0" lvl="3" algn="l" rtl="0">
       <a:lnSpc>
         <a:spcPct val="100000"/>
       </a:lnSpc>
@@ -572,7 +587,7 @@
         <a:srgbClr val="000000"/>
       </a:buClr>
       <a:buFont typeface="Arial"/>
-      <a:defRPr b="0" i="0" sz="1400" u="none" cap="none" strike="noStrike">
+      <a:defRPr sz="1400" b="0" i="0" u="none" strike="noStrike" cap="none">
         <a:solidFill>
           <a:srgbClr val="000000"/>
         </a:solidFill>
@@ -582,7 +597,7 @@
         <a:sym typeface="Arial"/>
       </a:defRPr>
     </a:lvl4pPr>
-    <a:lvl5pPr lvl="4" marR="0" rtl="0" algn="l">
+    <a:lvl5pPr marR="0" lvl="4" algn="l" rtl="0">
       <a:lnSpc>
         <a:spcPct val="100000"/>
       </a:lnSpc>
@@ -596,7 +611,7 @@
         <a:srgbClr val="000000"/>
       </a:buClr>
       <a:buFont typeface="Arial"/>
-      <a:defRPr b="0" i="0" sz="1400" u="none" cap="none" strike="noStrike">
+      <a:defRPr sz="1400" b="0" i="0" u="none" strike="noStrike" cap="none">
         <a:solidFill>
           <a:srgbClr val="000000"/>
         </a:solidFill>
@@ -606,7 +621,7 @@
         <a:sym typeface="Arial"/>
       </a:defRPr>
     </a:lvl5pPr>
-    <a:lvl6pPr lvl="5" marR="0" rtl="0" algn="l">
+    <a:lvl6pPr marR="0" lvl="5" algn="l" rtl="0">
       <a:lnSpc>
         <a:spcPct val="100000"/>
       </a:lnSpc>
@@ -620,7 +635,7 @@
         <a:srgbClr val="000000"/>
       </a:buClr>
       <a:buFont typeface="Arial"/>
-      <a:defRPr b="0" i="0" sz="1400" u="none" cap="none" strike="noStrike">
+      <a:defRPr sz="1400" b="0" i="0" u="none" strike="noStrike" cap="none">
         <a:solidFill>
           <a:srgbClr val="000000"/>
         </a:solidFill>
@@ -630,7 +645,7 @@
         <a:sym typeface="Arial"/>
       </a:defRPr>
     </a:lvl6pPr>
-    <a:lvl7pPr lvl="6" marR="0" rtl="0" algn="l">
+    <a:lvl7pPr marR="0" lvl="6" algn="l" rtl="0">
       <a:lnSpc>
         <a:spcPct val="100000"/>
       </a:lnSpc>
@@ -644,7 +659,7 @@
         <a:srgbClr val="000000"/>
       </a:buClr>
       <a:buFont typeface="Arial"/>
-      <a:defRPr b="0" i="0" sz="1400" u="none" cap="none" strike="noStrike">
+      <a:defRPr sz="1400" b="0" i="0" u="none" strike="noStrike" cap="none">
         <a:solidFill>
           <a:srgbClr val="000000"/>
         </a:solidFill>
@@ -654,7 +669,7 @@
         <a:sym typeface="Arial"/>
       </a:defRPr>
     </a:lvl7pPr>
-    <a:lvl8pPr lvl="7" marR="0" rtl="0" algn="l">
+    <a:lvl8pPr marR="0" lvl="7" algn="l" rtl="0">
       <a:lnSpc>
         <a:spcPct val="100000"/>
       </a:lnSpc>
@@ -668,7 +683,7 @@
         <a:srgbClr val="000000"/>
       </a:buClr>
       <a:buFont typeface="Arial"/>
-      <a:defRPr b="0" i="0" sz="1400" u="none" cap="none" strike="noStrike">
+      <a:defRPr sz="1400" b="0" i="0" u="none" strike="noStrike" cap="none">
         <a:solidFill>
           <a:srgbClr val="000000"/>
         </a:solidFill>
@@ -678,7 +693,7 @@
         <a:sym typeface="Arial"/>
       </a:defRPr>
     </a:lvl8pPr>
-    <a:lvl9pPr lvl="8" marR="0" rtl="0" algn="l">
+    <a:lvl9pPr marR="0" lvl="8" algn="l" rtl="0">
       <a:lnSpc>
         <a:spcPct val="100000"/>
       </a:lnSpc>
@@ -692,7 +707,7 @@
         <a:srgbClr val="000000"/>
       </a:buClr>
       <a:buFont typeface="Arial"/>
-      <a:defRPr b="0" i="0" sz="1400" u="none" cap="none" strike="noStrike">
+      <a:defRPr sz="1400" b="0" i="0" u="none" strike="noStrike" cap="none">
         <a:solidFill>
           <a:srgbClr val="000000"/>
         </a:solidFill>
@@ -707,11 +722,11 @@
 </file>
 
 <file path=ppt/notesSlides/notesSlide1.xml><?xml version="1.0" encoding="utf-8"?>
-<p:notes xmlns:a="http://schemas.openxmlformats.org/drawingml/2006/main" xmlns:r="http://schemas.openxmlformats.org/officeDocument/2006/relationships" xmlns:mc="http://schemas.openxmlformats.org/markup-compatibility/2006" xmlns:mv="urn:schemas-microsoft-com:mac:vml" xmlns:p="http://schemas.openxmlformats.org/presentationml/2006/main" xmlns:c="http://schemas.openxmlformats.org/drawingml/2006/chart" xmlns:dgm="http://schemas.openxmlformats.org/drawingml/2006/diagram" xmlns:o="urn:schemas-microsoft-com:office:office" xmlns:v="urn:schemas-microsoft-com:vml" xmlns:pvml="urn:schemas-microsoft-com:office:powerpoint" xmlns:com="http://schemas.openxmlformats.org/drawingml/2006/compatibility" xmlns:p14="http://schemas.microsoft.com/office/powerpoint/2010/main" xmlns:p15="http://schemas.microsoft.com/office/powerpoint/2012/main" xmlns:ahyp="http://schemas.microsoft.com/office/drawing/2018/hyperlinkcolor" showMasterPhAnim="0" showMasterSp="0">
+<p:notes xmlns:a="http://schemas.openxmlformats.org/drawingml/2006/main" xmlns:r="http://schemas.openxmlformats.org/officeDocument/2006/relationships" xmlns:p="http://schemas.openxmlformats.org/presentationml/2006/main" showMasterSp="0" showMasterPhAnim="0">
   <p:cSld>
     <p:spTree>
       <p:nvGrpSpPr>
-        <p:cNvPr id="50" name="Shape 50"/>
+        <p:cNvPr id="1" name="Shape 50"/>
         <p:cNvGrpSpPr/>
         <p:nvPr/>
       </p:nvGrpSpPr>
@@ -726,20 +741,26 @@
       <p:sp>
         <p:nvSpPr>
           <p:cNvPr id="51" name="Google Shape;51;p:notes"/>
-          <p:cNvSpPr/>
+          <p:cNvSpPr>
+            <a:spLocks noGrp="1" noRot="1" noChangeAspect="1"/>
+          </p:cNvSpPr>
           <p:nvPr>
-            <p:ph idx="2" type="sldImg"/>
+            <p:ph type="sldImg" idx="2"/>
           </p:nvPr>
         </p:nvSpPr>
         <p:spPr>
           <a:xfrm>
-            <a:off x="381300" y="685800"/>
-            <a:ext cx="6096075" cy="3429000"/>
+            <a:off x="381000" y="685800"/>
+            <a:ext cx="6096000" cy="3429000"/>
           </a:xfrm>
           <a:custGeom>
-            <a:rect b="b" l="l" r="r" t="t"/>
+            <a:avLst/>
+            <a:gdLst/>
+            <a:ahLst/>
+            <a:cxnLst/>
+            <a:rect l="l" t="t" r="r" b="b"/>
             <a:pathLst>
-              <a:path extrusionOk="0" h="120000" w="120000">
+              <a:path w="120000" h="120000" extrusionOk="0">
                 <a:moveTo>
                   <a:pt x="0" y="0"/>
                 </a:moveTo>
@@ -761,9 +782,11 @@
       <p:sp>
         <p:nvSpPr>
           <p:cNvPr id="52" name="Google Shape;52;p:notes"/>
-          <p:cNvSpPr txBox="1"/>
+          <p:cNvSpPr txBox="1">
+            <a:spLocks noGrp="1"/>
+          </p:cNvSpPr>
           <p:nvPr>
-            <p:ph idx="1" type="body"/>
+            <p:ph type="body" idx="1"/>
           </p:nvPr>
         </p:nvSpPr>
         <p:spPr>
@@ -776,23 +799,20 @@
           </a:prstGeom>
         </p:spPr>
         <p:txBody>
-          <a:bodyPr anchorCtr="0" anchor="t" bIns="91425" lIns="91425" spcFirstLastPara="1" rIns="91425" wrap="square" tIns="91425">
+          <a:bodyPr spcFirstLastPara="1" wrap="square" lIns="91425" tIns="91425" rIns="91425" bIns="91425" anchor="t" anchorCtr="0">
             <a:noAutofit/>
           </a:bodyPr>
           <a:lstStyle/>
           <a:p>
-            <a:pPr indent="0" lvl="0" marL="0" rtl="0" algn="l">
-              <a:spcBef>
-                <a:spcPts val="0"/>
-              </a:spcBef>
-              <a:spcAft>
-                <a:spcPts val="0"/>
-              </a:spcAft>
-              <a:buNone/>
-            </a:pPr>
-            <a:r>
-              <a:t/>
-            </a:r>
+            <a:pPr marL="0" lvl="0" indent="0" algn="l" rtl="0">
+              <a:spcBef>
+                <a:spcPts val="0"/>
+              </a:spcBef>
+              <a:spcAft>
+                <a:spcPts val="0"/>
+              </a:spcAft>
+              <a:buNone/>
+            </a:pPr>
             <a:endParaRPr/>
           </a:p>
         </p:txBody>
@@ -806,11 +826,11 @@
 </file>
 
 <file path=ppt/notesSlides/notesSlide10.xml><?xml version="1.0" encoding="utf-8"?>
-<p:notes xmlns:a="http://schemas.openxmlformats.org/drawingml/2006/main" xmlns:r="http://schemas.openxmlformats.org/officeDocument/2006/relationships" xmlns:mc="http://schemas.openxmlformats.org/markup-compatibility/2006" xmlns:mv="urn:schemas-microsoft-com:mac:vml" xmlns:p="http://schemas.openxmlformats.org/presentationml/2006/main" xmlns:c="http://schemas.openxmlformats.org/drawingml/2006/chart" xmlns:dgm="http://schemas.openxmlformats.org/drawingml/2006/diagram" xmlns:o="urn:schemas-microsoft-com:office:office" xmlns:v="urn:schemas-microsoft-com:vml" xmlns:pvml="urn:schemas-microsoft-com:office:powerpoint" xmlns:com="http://schemas.openxmlformats.org/drawingml/2006/compatibility" xmlns:p14="http://schemas.microsoft.com/office/powerpoint/2010/main" xmlns:p15="http://schemas.microsoft.com/office/powerpoint/2012/main" xmlns:ahyp="http://schemas.microsoft.com/office/drawing/2018/hyperlinkcolor" showMasterPhAnim="0" showMasterSp="0">
+<p:notes xmlns:a="http://schemas.openxmlformats.org/drawingml/2006/main" xmlns:r="http://schemas.openxmlformats.org/officeDocument/2006/relationships" xmlns:p="http://schemas.openxmlformats.org/presentationml/2006/main" showMasterSp="0" showMasterPhAnim="0">
   <p:cSld>
     <p:spTree>
       <p:nvGrpSpPr>
-        <p:cNvPr id="112" name="Shape 112"/>
+        <p:cNvPr id="1" name="Shape 112"/>
         <p:cNvGrpSpPr/>
         <p:nvPr/>
       </p:nvGrpSpPr>
@@ -825,20 +845,26 @@
       <p:sp>
         <p:nvSpPr>
           <p:cNvPr id="113" name="Google Shape;113;g303a4e77f19_1_0:notes"/>
-          <p:cNvSpPr/>
+          <p:cNvSpPr>
+            <a:spLocks noGrp="1" noRot="1" noChangeAspect="1"/>
+          </p:cNvSpPr>
           <p:nvPr>
-            <p:ph idx="2" type="sldImg"/>
+            <p:ph type="sldImg" idx="2"/>
           </p:nvPr>
         </p:nvSpPr>
         <p:spPr>
           <a:xfrm>
-            <a:off x="381300" y="685800"/>
+            <a:off x="381000" y="685800"/>
             <a:ext cx="6096000" cy="3429000"/>
           </a:xfrm>
           <a:custGeom>
-            <a:rect b="b" l="l" r="r" t="t"/>
+            <a:avLst/>
+            <a:gdLst/>
+            <a:ahLst/>
+            <a:cxnLst/>
+            <a:rect l="l" t="t" r="r" b="b"/>
             <a:pathLst>
-              <a:path extrusionOk="0" h="120000" w="120000">
+              <a:path w="120000" h="120000" extrusionOk="0">
                 <a:moveTo>
                   <a:pt x="0" y="0"/>
                 </a:moveTo>
@@ -860,9 +886,11 @@
       <p:sp>
         <p:nvSpPr>
           <p:cNvPr id="114" name="Google Shape;114;g303a4e77f19_1_0:notes"/>
-          <p:cNvSpPr txBox="1"/>
+          <p:cNvSpPr txBox="1">
+            <a:spLocks noGrp="1"/>
+          </p:cNvSpPr>
           <p:nvPr>
-            <p:ph idx="1" type="body"/>
+            <p:ph type="body" idx="1"/>
           </p:nvPr>
         </p:nvSpPr>
         <p:spPr>
@@ -875,23 +903,20 @@
           </a:prstGeom>
         </p:spPr>
         <p:txBody>
-          <a:bodyPr anchorCtr="0" anchor="t" bIns="91425" lIns="91425" spcFirstLastPara="1" rIns="91425" wrap="square" tIns="91425">
+          <a:bodyPr spcFirstLastPara="1" wrap="square" lIns="91425" tIns="91425" rIns="91425" bIns="91425" anchor="t" anchorCtr="0">
             <a:noAutofit/>
           </a:bodyPr>
           <a:lstStyle/>
           <a:p>
-            <a:pPr indent="0" lvl="0" marL="0" rtl="0" algn="l">
-              <a:spcBef>
-                <a:spcPts val="0"/>
-              </a:spcBef>
-              <a:spcAft>
-                <a:spcPts val="0"/>
-              </a:spcAft>
-              <a:buNone/>
-            </a:pPr>
-            <a:r>
-              <a:t/>
-            </a:r>
+            <a:pPr marL="0" lvl="0" indent="0" algn="l" rtl="0">
+              <a:spcBef>
+                <a:spcPts val="0"/>
+              </a:spcBef>
+              <a:spcAft>
+                <a:spcPts val="0"/>
+              </a:spcAft>
+              <a:buNone/>
+            </a:pPr>
             <a:endParaRPr/>
           </a:p>
         </p:txBody>
@@ -905,11 +930,11 @@
 </file>
 
 <file path=ppt/notesSlides/notesSlide11.xml><?xml version="1.0" encoding="utf-8"?>
-<p:notes xmlns:a="http://schemas.openxmlformats.org/drawingml/2006/main" xmlns:r="http://schemas.openxmlformats.org/officeDocument/2006/relationships" xmlns:mc="http://schemas.openxmlformats.org/markup-compatibility/2006" xmlns:mv="urn:schemas-microsoft-com:mac:vml" xmlns:p="http://schemas.openxmlformats.org/presentationml/2006/main" xmlns:c="http://schemas.openxmlformats.org/drawingml/2006/chart" xmlns:dgm="http://schemas.openxmlformats.org/drawingml/2006/diagram" xmlns:o="urn:schemas-microsoft-com:office:office" xmlns:v="urn:schemas-microsoft-com:vml" xmlns:pvml="urn:schemas-microsoft-com:office:powerpoint" xmlns:com="http://schemas.openxmlformats.org/drawingml/2006/compatibility" xmlns:p14="http://schemas.microsoft.com/office/powerpoint/2010/main" xmlns:p15="http://schemas.microsoft.com/office/powerpoint/2012/main" xmlns:ahyp="http://schemas.microsoft.com/office/drawing/2018/hyperlinkcolor" showMasterPhAnim="0" showMasterSp="0">
+<p:notes xmlns:a="http://schemas.openxmlformats.org/drawingml/2006/main" xmlns:r="http://schemas.openxmlformats.org/officeDocument/2006/relationships" xmlns:p="http://schemas.openxmlformats.org/presentationml/2006/main" showMasterSp="0" showMasterPhAnim="0">
   <p:cSld>
     <p:spTree>
       <p:nvGrpSpPr>
-        <p:cNvPr id="119" name="Shape 119"/>
+        <p:cNvPr id="1" name="Shape 119"/>
         <p:cNvGrpSpPr/>
         <p:nvPr/>
       </p:nvGrpSpPr>
@@ -924,20 +949,26 @@
       <p:sp>
         <p:nvSpPr>
           <p:cNvPr id="120" name="Google Shape;120;g303a4e77f19_1_12:notes"/>
-          <p:cNvSpPr/>
+          <p:cNvSpPr>
+            <a:spLocks noGrp="1" noRot="1" noChangeAspect="1"/>
+          </p:cNvSpPr>
           <p:nvPr>
-            <p:ph idx="2" type="sldImg"/>
+            <p:ph type="sldImg" idx="2"/>
           </p:nvPr>
         </p:nvSpPr>
         <p:spPr>
           <a:xfrm>
-            <a:off x="381300" y="685800"/>
+            <a:off x="381000" y="685800"/>
             <a:ext cx="6096000" cy="3429000"/>
           </a:xfrm>
           <a:custGeom>
-            <a:rect b="b" l="l" r="r" t="t"/>
+            <a:avLst/>
+            <a:gdLst/>
+            <a:ahLst/>
+            <a:cxnLst/>
+            <a:rect l="l" t="t" r="r" b="b"/>
             <a:pathLst>
-              <a:path extrusionOk="0" h="120000" w="120000">
+              <a:path w="120000" h="120000" extrusionOk="0">
                 <a:moveTo>
                   <a:pt x="0" y="0"/>
                 </a:moveTo>
@@ -959,9 +990,11 @@
       <p:sp>
         <p:nvSpPr>
           <p:cNvPr id="121" name="Google Shape;121;g303a4e77f19_1_12:notes"/>
-          <p:cNvSpPr txBox="1"/>
+          <p:cNvSpPr txBox="1">
+            <a:spLocks noGrp="1"/>
+          </p:cNvSpPr>
           <p:nvPr>
-            <p:ph idx="1" type="body"/>
+            <p:ph type="body" idx="1"/>
           </p:nvPr>
         </p:nvSpPr>
         <p:spPr>
@@ -974,23 +1007,20 @@
           </a:prstGeom>
         </p:spPr>
         <p:txBody>
-          <a:bodyPr anchorCtr="0" anchor="t" bIns="91425" lIns="91425" spcFirstLastPara="1" rIns="91425" wrap="square" tIns="91425">
+          <a:bodyPr spcFirstLastPara="1" wrap="square" lIns="91425" tIns="91425" rIns="91425" bIns="91425" anchor="t" anchorCtr="0">
             <a:noAutofit/>
           </a:bodyPr>
           <a:lstStyle/>
           <a:p>
-            <a:pPr indent="0" lvl="0" marL="0" rtl="0" algn="l">
-              <a:spcBef>
-                <a:spcPts val="0"/>
-              </a:spcBef>
-              <a:spcAft>
-                <a:spcPts val="0"/>
-              </a:spcAft>
-              <a:buNone/>
-            </a:pPr>
-            <a:r>
-              <a:t/>
-            </a:r>
+            <a:pPr marL="0" lvl="0" indent="0" algn="l" rtl="0">
+              <a:spcBef>
+                <a:spcPts val="0"/>
+              </a:spcBef>
+              <a:spcAft>
+                <a:spcPts val="0"/>
+              </a:spcAft>
+              <a:buNone/>
+            </a:pPr>
             <a:endParaRPr/>
           </a:p>
         </p:txBody>
@@ -1004,11 +1034,11 @@
 </file>
 
 <file path=ppt/notesSlides/notesSlide12.xml><?xml version="1.0" encoding="utf-8"?>
-<p:notes xmlns:a="http://schemas.openxmlformats.org/drawingml/2006/main" xmlns:r="http://schemas.openxmlformats.org/officeDocument/2006/relationships" xmlns:mc="http://schemas.openxmlformats.org/markup-compatibility/2006" xmlns:mv="urn:schemas-microsoft-com:mac:vml" xmlns:p="http://schemas.openxmlformats.org/presentationml/2006/main" xmlns:c="http://schemas.openxmlformats.org/drawingml/2006/chart" xmlns:dgm="http://schemas.openxmlformats.org/drawingml/2006/diagram" xmlns:o="urn:schemas-microsoft-com:office:office" xmlns:v="urn:schemas-microsoft-com:vml" xmlns:pvml="urn:schemas-microsoft-com:office:powerpoint" xmlns:com="http://schemas.openxmlformats.org/drawingml/2006/compatibility" xmlns:p14="http://schemas.microsoft.com/office/powerpoint/2010/main" xmlns:p15="http://schemas.microsoft.com/office/powerpoint/2012/main" xmlns:ahyp="http://schemas.microsoft.com/office/drawing/2018/hyperlinkcolor" showMasterPhAnim="0" showMasterSp="0">
+<p:notes xmlns:a="http://schemas.openxmlformats.org/drawingml/2006/main" xmlns:r="http://schemas.openxmlformats.org/officeDocument/2006/relationships" xmlns:p="http://schemas.openxmlformats.org/presentationml/2006/main" showMasterSp="0" showMasterPhAnim="0">
   <p:cSld>
     <p:spTree>
       <p:nvGrpSpPr>
-        <p:cNvPr id="125" name="Shape 125"/>
+        <p:cNvPr id="1" name="Shape 125"/>
         <p:cNvGrpSpPr/>
         <p:nvPr/>
       </p:nvGrpSpPr>
@@ -1023,20 +1053,26 @@
       <p:sp>
         <p:nvSpPr>
           <p:cNvPr id="126" name="Google Shape;126;g303a4e77f19_1_19:notes"/>
-          <p:cNvSpPr/>
+          <p:cNvSpPr>
+            <a:spLocks noGrp="1" noRot="1" noChangeAspect="1"/>
+          </p:cNvSpPr>
           <p:nvPr>
-            <p:ph idx="2" type="sldImg"/>
+            <p:ph type="sldImg" idx="2"/>
           </p:nvPr>
         </p:nvSpPr>
         <p:spPr>
           <a:xfrm>
-            <a:off x="381300" y="685800"/>
+            <a:off x="381000" y="685800"/>
             <a:ext cx="6096000" cy="3429000"/>
           </a:xfrm>
           <a:custGeom>
-            <a:rect b="b" l="l" r="r" t="t"/>
+            <a:avLst/>
+            <a:gdLst/>
+            <a:ahLst/>
+            <a:cxnLst/>
+            <a:rect l="l" t="t" r="r" b="b"/>
             <a:pathLst>
-              <a:path extrusionOk="0" h="120000" w="120000">
+              <a:path w="120000" h="120000" extrusionOk="0">
                 <a:moveTo>
                   <a:pt x="0" y="0"/>
                 </a:moveTo>
@@ -1058,9 +1094,11 @@
       <p:sp>
         <p:nvSpPr>
           <p:cNvPr id="127" name="Google Shape;127;g303a4e77f19_1_19:notes"/>
-          <p:cNvSpPr txBox="1"/>
+          <p:cNvSpPr txBox="1">
+            <a:spLocks noGrp="1"/>
+          </p:cNvSpPr>
           <p:nvPr>
-            <p:ph idx="1" type="body"/>
+            <p:ph type="body" idx="1"/>
           </p:nvPr>
         </p:nvSpPr>
         <p:spPr>
@@ -1073,23 +1111,20 @@
           </a:prstGeom>
         </p:spPr>
         <p:txBody>
-          <a:bodyPr anchorCtr="0" anchor="t" bIns="91425" lIns="91425" spcFirstLastPara="1" rIns="91425" wrap="square" tIns="91425">
+          <a:bodyPr spcFirstLastPara="1" wrap="square" lIns="91425" tIns="91425" rIns="91425" bIns="91425" anchor="t" anchorCtr="0">
             <a:noAutofit/>
           </a:bodyPr>
           <a:lstStyle/>
           <a:p>
-            <a:pPr indent="0" lvl="0" marL="0" rtl="0" algn="l">
-              <a:spcBef>
-                <a:spcPts val="0"/>
-              </a:spcBef>
-              <a:spcAft>
-                <a:spcPts val="0"/>
-              </a:spcAft>
-              <a:buNone/>
-            </a:pPr>
-            <a:r>
-              <a:t/>
-            </a:r>
+            <a:pPr marL="0" lvl="0" indent="0" algn="l" rtl="0">
+              <a:spcBef>
+                <a:spcPts val="0"/>
+              </a:spcBef>
+              <a:spcAft>
+                <a:spcPts val="0"/>
+              </a:spcAft>
+              <a:buNone/>
+            </a:pPr>
             <a:endParaRPr/>
           </a:p>
         </p:txBody>
@@ -1103,11 +1138,11 @@
 </file>
 
 <file path=ppt/notesSlides/notesSlide13.xml><?xml version="1.0" encoding="utf-8"?>
-<p:notes xmlns:a="http://schemas.openxmlformats.org/drawingml/2006/main" xmlns:r="http://schemas.openxmlformats.org/officeDocument/2006/relationships" xmlns:mc="http://schemas.openxmlformats.org/markup-compatibility/2006" xmlns:mv="urn:schemas-microsoft-com:mac:vml" xmlns:p="http://schemas.openxmlformats.org/presentationml/2006/main" xmlns:c="http://schemas.openxmlformats.org/drawingml/2006/chart" xmlns:dgm="http://schemas.openxmlformats.org/drawingml/2006/diagram" xmlns:o="urn:schemas-microsoft-com:office:office" xmlns:v="urn:schemas-microsoft-com:vml" xmlns:pvml="urn:schemas-microsoft-com:office:powerpoint" xmlns:com="http://schemas.openxmlformats.org/drawingml/2006/compatibility" xmlns:p14="http://schemas.microsoft.com/office/powerpoint/2010/main" xmlns:p15="http://schemas.microsoft.com/office/powerpoint/2012/main" xmlns:ahyp="http://schemas.microsoft.com/office/drawing/2018/hyperlinkcolor" showMasterPhAnim="0" showMasterSp="0">
+<p:notes xmlns:a="http://schemas.openxmlformats.org/drawingml/2006/main" xmlns:r="http://schemas.openxmlformats.org/officeDocument/2006/relationships" xmlns:p="http://schemas.openxmlformats.org/presentationml/2006/main" showMasterSp="0" showMasterPhAnim="0">
   <p:cSld>
     <p:spTree>
       <p:nvGrpSpPr>
-        <p:cNvPr id="131" name="Shape 131"/>
+        <p:cNvPr id="1" name="Shape 131"/>
         <p:cNvGrpSpPr/>
         <p:nvPr/>
       </p:nvGrpSpPr>
@@ -1122,20 +1157,26 @@
       <p:sp>
         <p:nvSpPr>
           <p:cNvPr id="132" name="Google Shape;132;g3116154325f_2_0:notes"/>
-          <p:cNvSpPr/>
+          <p:cNvSpPr>
+            <a:spLocks noGrp="1" noRot="1" noChangeAspect="1"/>
+          </p:cNvSpPr>
           <p:nvPr>
-            <p:ph idx="2" type="sldImg"/>
+            <p:ph type="sldImg" idx="2"/>
           </p:nvPr>
         </p:nvSpPr>
         <p:spPr>
           <a:xfrm>
-            <a:off x="381300" y="685800"/>
+            <a:off x="381000" y="685800"/>
             <a:ext cx="6096000" cy="3429000"/>
           </a:xfrm>
           <a:custGeom>
-            <a:rect b="b" l="l" r="r" t="t"/>
+            <a:avLst/>
+            <a:gdLst/>
+            <a:ahLst/>
+            <a:cxnLst/>
+            <a:rect l="l" t="t" r="r" b="b"/>
             <a:pathLst>
-              <a:path extrusionOk="0" h="120000" w="120000">
+              <a:path w="120000" h="120000" extrusionOk="0">
                 <a:moveTo>
                   <a:pt x="0" y="0"/>
                 </a:moveTo>
@@ -1157,9 +1198,11 @@
       <p:sp>
         <p:nvSpPr>
           <p:cNvPr id="133" name="Google Shape;133;g3116154325f_2_0:notes"/>
-          <p:cNvSpPr txBox="1"/>
+          <p:cNvSpPr txBox="1">
+            <a:spLocks noGrp="1"/>
+          </p:cNvSpPr>
           <p:nvPr>
-            <p:ph idx="1" type="body"/>
+            <p:ph type="body" idx="1"/>
           </p:nvPr>
         </p:nvSpPr>
         <p:spPr>
@@ -1172,23 +1215,20 @@
           </a:prstGeom>
         </p:spPr>
         <p:txBody>
-          <a:bodyPr anchorCtr="0" anchor="t" bIns="91425" lIns="91425" spcFirstLastPara="1" rIns="91425" wrap="square" tIns="91425">
+          <a:bodyPr spcFirstLastPara="1" wrap="square" lIns="91425" tIns="91425" rIns="91425" bIns="91425" anchor="t" anchorCtr="0">
             <a:noAutofit/>
           </a:bodyPr>
           <a:lstStyle/>
           <a:p>
-            <a:pPr indent="0" lvl="0" marL="0" rtl="0" algn="l">
-              <a:spcBef>
-                <a:spcPts val="0"/>
-              </a:spcBef>
-              <a:spcAft>
-                <a:spcPts val="0"/>
-              </a:spcAft>
-              <a:buNone/>
-            </a:pPr>
-            <a:r>
-              <a:t/>
-            </a:r>
+            <a:pPr marL="0" lvl="0" indent="0" algn="l" rtl="0">
+              <a:spcBef>
+                <a:spcPts val="0"/>
+              </a:spcBef>
+              <a:spcAft>
+                <a:spcPts val="0"/>
+              </a:spcAft>
+              <a:buNone/>
+            </a:pPr>
             <a:endParaRPr/>
           </a:p>
         </p:txBody>
@@ -1202,11 +1242,11 @@
 </file>
 
 <file path=ppt/notesSlides/notesSlide14.xml><?xml version="1.0" encoding="utf-8"?>
-<p:notes xmlns:a="http://schemas.openxmlformats.org/drawingml/2006/main" xmlns:r="http://schemas.openxmlformats.org/officeDocument/2006/relationships" xmlns:mc="http://schemas.openxmlformats.org/markup-compatibility/2006" xmlns:mv="urn:schemas-microsoft-com:mac:vml" xmlns:p="http://schemas.openxmlformats.org/presentationml/2006/main" xmlns:c="http://schemas.openxmlformats.org/drawingml/2006/chart" xmlns:dgm="http://schemas.openxmlformats.org/drawingml/2006/diagram" xmlns:o="urn:schemas-microsoft-com:office:office" xmlns:v="urn:schemas-microsoft-com:vml" xmlns:pvml="urn:schemas-microsoft-com:office:powerpoint" xmlns:com="http://schemas.openxmlformats.org/drawingml/2006/compatibility" xmlns:p14="http://schemas.microsoft.com/office/powerpoint/2010/main" xmlns:p15="http://schemas.microsoft.com/office/powerpoint/2012/main" xmlns:ahyp="http://schemas.microsoft.com/office/drawing/2018/hyperlinkcolor" showMasterPhAnim="0" showMasterSp="0">
+<p:notes xmlns:a="http://schemas.openxmlformats.org/drawingml/2006/main" xmlns:r="http://schemas.openxmlformats.org/officeDocument/2006/relationships" xmlns:p="http://schemas.openxmlformats.org/presentationml/2006/main" showMasterSp="0" showMasterPhAnim="0">
   <p:cSld>
     <p:spTree>
       <p:nvGrpSpPr>
-        <p:cNvPr id="137" name="Shape 137"/>
+        <p:cNvPr id="1" name="Shape 137"/>
         <p:cNvGrpSpPr/>
         <p:nvPr/>
       </p:nvGrpSpPr>
@@ -1221,20 +1261,26 @@
       <p:sp>
         <p:nvSpPr>
           <p:cNvPr id="138" name="Google Shape;138;g303a4e77f19_1_35:notes"/>
-          <p:cNvSpPr/>
+          <p:cNvSpPr>
+            <a:spLocks noGrp="1" noRot="1" noChangeAspect="1"/>
+          </p:cNvSpPr>
           <p:nvPr>
-            <p:ph idx="2" type="sldImg"/>
+            <p:ph type="sldImg" idx="2"/>
           </p:nvPr>
         </p:nvSpPr>
         <p:spPr>
           <a:xfrm>
-            <a:off x="381300" y="685800"/>
+            <a:off x="381000" y="685800"/>
             <a:ext cx="6096000" cy="3429000"/>
           </a:xfrm>
           <a:custGeom>
-            <a:rect b="b" l="l" r="r" t="t"/>
+            <a:avLst/>
+            <a:gdLst/>
+            <a:ahLst/>
+            <a:cxnLst/>
+            <a:rect l="l" t="t" r="r" b="b"/>
             <a:pathLst>
-              <a:path extrusionOk="0" h="120000" w="120000">
+              <a:path w="120000" h="120000" extrusionOk="0">
                 <a:moveTo>
                   <a:pt x="0" y="0"/>
                 </a:moveTo>
@@ -1256,9 +1302,11 @@
       <p:sp>
         <p:nvSpPr>
           <p:cNvPr id="139" name="Google Shape;139;g303a4e77f19_1_35:notes"/>
-          <p:cNvSpPr txBox="1"/>
+          <p:cNvSpPr txBox="1">
+            <a:spLocks noGrp="1"/>
+          </p:cNvSpPr>
           <p:nvPr>
-            <p:ph idx="1" type="body"/>
+            <p:ph type="body" idx="1"/>
           </p:nvPr>
         </p:nvSpPr>
         <p:spPr>
@@ -1271,23 +1319,20 @@
           </a:prstGeom>
         </p:spPr>
         <p:txBody>
-          <a:bodyPr anchorCtr="0" anchor="t" bIns="91425" lIns="91425" spcFirstLastPara="1" rIns="91425" wrap="square" tIns="91425">
+          <a:bodyPr spcFirstLastPara="1" wrap="square" lIns="91425" tIns="91425" rIns="91425" bIns="91425" anchor="t" anchorCtr="0">
             <a:noAutofit/>
           </a:bodyPr>
           <a:lstStyle/>
           <a:p>
-            <a:pPr indent="0" lvl="0" marL="0" rtl="0" algn="l">
-              <a:spcBef>
-                <a:spcPts val="0"/>
-              </a:spcBef>
-              <a:spcAft>
-                <a:spcPts val="0"/>
-              </a:spcAft>
-              <a:buNone/>
-            </a:pPr>
-            <a:r>
-              <a:t/>
-            </a:r>
+            <a:pPr marL="0" lvl="0" indent="0" algn="l" rtl="0">
+              <a:spcBef>
+                <a:spcPts val="0"/>
+              </a:spcBef>
+              <a:spcAft>
+                <a:spcPts val="0"/>
+              </a:spcAft>
+              <a:buNone/>
+            </a:pPr>
             <a:endParaRPr/>
           </a:p>
         </p:txBody>
@@ -1301,11 +1346,11 @@
 </file>
 
 <file path=ppt/notesSlides/notesSlide15.xml><?xml version="1.0" encoding="utf-8"?>
-<p:notes xmlns:a="http://schemas.openxmlformats.org/drawingml/2006/main" xmlns:r="http://schemas.openxmlformats.org/officeDocument/2006/relationships" xmlns:mc="http://schemas.openxmlformats.org/markup-compatibility/2006" xmlns:mv="urn:schemas-microsoft-com:mac:vml" xmlns:p="http://schemas.openxmlformats.org/presentationml/2006/main" xmlns:c="http://schemas.openxmlformats.org/drawingml/2006/chart" xmlns:dgm="http://schemas.openxmlformats.org/drawingml/2006/diagram" xmlns:o="urn:schemas-microsoft-com:office:office" xmlns:v="urn:schemas-microsoft-com:vml" xmlns:pvml="urn:schemas-microsoft-com:office:powerpoint" xmlns:com="http://schemas.openxmlformats.org/drawingml/2006/compatibility" xmlns:p14="http://schemas.microsoft.com/office/powerpoint/2010/main" xmlns:p15="http://schemas.microsoft.com/office/powerpoint/2012/main" xmlns:ahyp="http://schemas.microsoft.com/office/drawing/2018/hyperlinkcolor" showMasterPhAnim="0" showMasterSp="0">
+<p:notes xmlns:a="http://schemas.openxmlformats.org/drawingml/2006/main" xmlns:r="http://schemas.openxmlformats.org/officeDocument/2006/relationships" xmlns:p="http://schemas.openxmlformats.org/presentationml/2006/main" showMasterSp="0" showMasterPhAnim="0">
   <p:cSld>
     <p:spTree>
       <p:nvGrpSpPr>
-        <p:cNvPr id="143" name="Shape 143"/>
+        <p:cNvPr id="1" name="Shape 143"/>
         <p:cNvGrpSpPr/>
         <p:nvPr/>
       </p:nvGrpSpPr>
@@ -1320,20 +1365,26 @@
       <p:sp>
         <p:nvSpPr>
           <p:cNvPr id="144" name="Google Shape;144;g303a4e77f19_1_47:notes"/>
-          <p:cNvSpPr/>
+          <p:cNvSpPr>
+            <a:spLocks noGrp="1" noRot="1" noChangeAspect="1"/>
+          </p:cNvSpPr>
           <p:nvPr>
-            <p:ph idx="2" type="sldImg"/>
+            <p:ph type="sldImg" idx="2"/>
           </p:nvPr>
         </p:nvSpPr>
         <p:spPr>
           <a:xfrm>
-            <a:off x="381300" y="685800"/>
+            <a:off x="381000" y="685800"/>
             <a:ext cx="6096000" cy="3429000"/>
           </a:xfrm>
           <a:custGeom>
-            <a:rect b="b" l="l" r="r" t="t"/>
+            <a:avLst/>
+            <a:gdLst/>
+            <a:ahLst/>
+            <a:cxnLst/>
+            <a:rect l="l" t="t" r="r" b="b"/>
             <a:pathLst>
-              <a:path extrusionOk="0" h="120000" w="120000">
+              <a:path w="120000" h="120000" extrusionOk="0">
                 <a:moveTo>
                   <a:pt x="0" y="0"/>
                 </a:moveTo>
@@ -1355,9 +1406,11 @@
       <p:sp>
         <p:nvSpPr>
           <p:cNvPr id="145" name="Google Shape;145;g303a4e77f19_1_47:notes"/>
-          <p:cNvSpPr txBox="1"/>
+          <p:cNvSpPr txBox="1">
+            <a:spLocks noGrp="1"/>
+          </p:cNvSpPr>
           <p:nvPr>
-            <p:ph idx="1" type="body"/>
+            <p:ph type="body" idx="1"/>
           </p:nvPr>
         </p:nvSpPr>
         <p:spPr>
@@ -1370,23 +1423,20 @@
           </a:prstGeom>
         </p:spPr>
         <p:txBody>
-          <a:bodyPr anchorCtr="0" anchor="t" bIns="91425" lIns="91425" spcFirstLastPara="1" rIns="91425" wrap="square" tIns="91425">
+          <a:bodyPr spcFirstLastPara="1" wrap="square" lIns="91425" tIns="91425" rIns="91425" bIns="91425" anchor="t" anchorCtr="0">
             <a:noAutofit/>
           </a:bodyPr>
           <a:lstStyle/>
           <a:p>
-            <a:pPr indent="0" lvl="0" marL="0" rtl="0" algn="l">
-              <a:spcBef>
-                <a:spcPts val="0"/>
-              </a:spcBef>
-              <a:spcAft>
-                <a:spcPts val="0"/>
-              </a:spcAft>
-              <a:buNone/>
-            </a:pPr>
-            <a:r>
-              <a:t/>
-            </a:r>
+            <a:pPr marL="0" lvl="0" indent="0" algn="l" rtl="0">
+              <a:spcBef>
+                <a:spcPts val="0"/>
+              </a:spcBef>
+              <a:spcAft>
+                <a:spcPts val="0"/>
+              </a:spcAft>
+              <a:buNone/>
+            </a:pPr>
             <a:endParaRPr/>
           </a:p>
         </p:txBody>
@@ -1400,11 +1450,11 @@
 </file>
 
 <file path=ppt/notesSlides/notesSlide16.xml><?xml version="1.0" encoding="utf-8"?>
-<p:notes xmlns:a="http://schemas.openxmlformats.org/drawingml/2006/main" xmlns:r="http://schemas.openxmlformats.org/officeDocument/2006/relationships" xmlns:mc="http://schemas.openxmlformats.org/markup-compatibility/2006" xmlns:mv="urn:schemas-microsoft-com:mac:vml" xmlns:p="http://schemas.openxmlformats.org/presentationml/2006/main" xmlns:c="http://schemas.openxmlformats.org/drawingml/2006/chart" xmlns:dgm="http://schemas.openxmlformats.org/drawingml/2006/diagram" xmlns:o="urn:schemas-microsoft-com:office:office" xmlns:v="urn:schemas-microsoft-com:vml" xmlns:pvml="urn:schemas-microsoft-com:office:powerpoint" xmlns:com="http://schemas.openxmlformats.org/drawingml/2006/compatibility" xmlns:p14="http://schemas.microsoft.com/office/powerpoint/2010/main" xmlns:p15="http://schemas.microsoft.com/office/powerpoint/2012/main" xmlns:ahyp="http://schemas.microsoft.com/office/drawing/2018/hyperlinkcolor" showMasterPhAnim="0" showMasterSp="0">
+<p:notes xmlns:a="http://schemas.openxmlformats.org/drawingml/2006/main" xmlns:r="http://schemas.openxmlformats.org/officeDocument/2006/relationships" xmlns:p="http://schemas.openxmlformats.org/presentationml/2006/main" showMasterSp="0" showMasterPhAnim="0">
   <p:cSld>
     <p:spTree>
       <p:nvGrpSpPr>
-        <p:cNvPr id="149" name="Shape 149"/>
+        <p:cNvPr id="1" name="Shape 149"/>
         <p:cNvGrpSpPr/>
         <p:nvPr/>
       </p:nvGrpSpPr>
@@ -1419,20 +1469,26 @@
       <p:sp>
         <p:nvSpPr>
           <p:cNvPr id="150" name="Google Shape;150;g303a4e77f19_1_63:notes"/>
-          <p:cNvSpPr/>
+          <p:cNvSpPr>
+            <a:spLocks noGrp="1" noRot="1" noChangeAspect="1"/>
+          </p:cNvSpPr>
           <p:nvPr>
-            <p:ph idx="2" type="sldImg"/>
+            <p:ph type="sldImg" idx="2"/>
           </p:nvPr>
         </p:nvSpPr>
         <p:spPr>
           <a:xfrm>
-            <a:off x="381300" y="685800"/>
+            <a:off x="381000" y="685800"/>
             <a:ext cx="6096000" cy="3429000"/>
           </a:xfrm>
           <a:custGeom>
-            <a:rect b="b" l="l" r="r" t="t"/>
+            <a:avLst/>
+            <a:gdLst/>
+            <a:ahLst/>
+            <a:cxnLst/>
+            <a:rect l="l" t="t" r="r" b="b"/>
             <a:pathLst>
-              <a:path extrusionOk="0" h="120000" w="120000">
+              <a:path w="120000" h="120000" extrusionOk="0">
                 <a:moveTo>
                   <a:pt x="0" y="0"/>
                 </a:moveTo>
@@ -1454,9 +1510,11 @@
       <p:sp>
         <p:nvSpPr>
           <p:cNvPr id="151" name="Google Shape;151;g303a4e77f19_1_63:notes"/>
-          <p:cNvSpPr txBox="1"/>
+          <p:cNvSpPr txBox="1">
+            <a:spLocks noGrp="1"/>
+          </p:cNvSpPr>
           <p:nvPr>
-            <p:ph idx="1" type="body"/>
+            <p:ph type="body" idx="1"/>
           </p:nvPr>
         </p:nvSpPr>
         <p:spPr>
@@ -1469,23 +1527,20 @@
           </a:prstGeom>
         </p:spPr>
         <p:txBody>
-          <a:bodyPr anchorCtr="0" anchor="t" bIns="91425" lIns="91425" spcFirstLastPara="1" rIns="91425" wrap="square" tIns="91425">
+          <a:bodyPr spcFirstLastPara="1" wrap="square" lIns="91425" tIns="91425" rIns="91425" bIns="91425" anchor="t" anchorCtr="0">
             <a:noAutofit/>
           </a:bodyPr>
           <a:lstStyle/>
           <a:p>
-            <a:pPr indent="0" lvl="0" marL="0" rtl="0" algn="l">
-              <a:spcBef>
-                <a:spcPts val="0"/>
-              </a:spcBef>
-              <a:spcAft>
-                <a:spcPts val="0"/>
-              </a:spcAft>
-              <a:buNone/>
-            </a:pPr>
-            <a:r>
-              <a:t/>
-            </a:r>
+            <a:pPr marL="0" lvl="0" indent="0" algn="l" rtl="0">
+              <a:spcBef>
+                <a:spcPts val="0"/>
+              </a:spcBef>
+              <a:spcAft>
+                <a:spcPts val="0"/>
+              </a:spcAft>
+              <a:buNone/>
+            </a:pPr>
             <a:endParaRPr/>
           </a:p>
         </p:txBody>
@@ -1499,11 +1554,11 @@
 </file>
 
 <file path=ppt/notesSlides/notesSlide17.xml><?xml version="1.0" encoding="utf-8"?>
-<p:notes xmlns:a="http://schemas.openxmlformats.org/drawingml/2006/main" xmlns:r="http://schemas.openxmlformats.org/officeDocument/2006/relationships" xmlns:mc="http://schemas.openxmlformats.org/markup-compatibility/2006" xmlns:mv="urn:schemas-microsoft-com:mac:vml" xmlns:p="http://schemas.openxmlformats.org/presentationml/2006/main" xmlns:c="http://schemas.openxmlformats.org/drawingml/2006/chart" xmlns:dgm="http://schemas.openxmlformats.org/drawingml/2006/diagram" xmlns:o="urn:schemas-microsoft-com:office:office" xmlns:v="urn:schemas-microsoft-com:vml" xmlns:pvml="urn:schemas-microsoft-com:office:powerpoint" xmlns:com="http://schemas.openxmlformats.org/drawingml/2006/compatibility" xmlns:p14="http://schemas.microsoft.com/office/powerpoint/2010/main" xmlns:p15="http://schemas.microsoft.com/office/powerpoint/2012/main" xmlns:ahyp="http://schemas.microsoft.com/office/drawing/2018/hyperlinkcolor" showMasterPhAnim="0" showMasterSp="0">
+<p:notes xmlns:a="http://schemas.openxmlformats.org/drawingml/2006/main" xmlns:r="http://schemas.openxmlformats.org/officeDocument/2006/relationships" xmlns:p="http://schemas.openxmlformats.org/presentationml/2006/main" showMasterSp="0" showMasterPhAnim="0">
   <p:cSld>
     <p:spTree>
       <p:nvGrpSpPr>
-        <p:cNvPr id="155" name="Shape 155"/>
+        <p:cNvPr id="1" name="Shape 155"/>
         <p:cNvGrpSpPr/>
         <p:nvPr/>
       </p:nvGrpSpPr>
@@ -1518,20 +1573,26 @@
       <p:sp>
         <p:nvSpPr>
           <p:cNvPr id="156" name="Google Shape;156;g3116154325f_2_5:notes"/>
-          <p:cNvSpPr/>
+          <p:cNvSpPr>
+            <a:spLocks noGrp="1" noRot="1" noChangeAspect="1"/>
+          </p:cNvSpPr>
           <p:nvPr>
-            <p:ph idx="2" type="sldImg"/>
+            <p:ph type="sldImg" idx="2"/>
           </p:nvPr>
         </p:nvSpPr>
         <p:spPr>
           <a:xfrm>
-            <a:off x="381300" y="685800"/>
+            <a:off x="381000" y="685800"/>
             <a:ext cx="6096000" cy="3429000"/>
           </a:xfrm>
           <a:custGeom>
-            <a:rect b="b" l="l" r="r" t="t"/>
+            <a:avLst/>
+            <a:gdLst/>
+            <a:ahLst/>
+            <a:cxnLst/>
+            <a:rect l="l" t="t" r="r" b="b"/>
             <a:pathLst>
-              <a:path extrusionOk="0" h="120000" w="120000">
+              <a:path w="120000" h="120000" extrusionOk="0">
                 <a:moveTo>
                   <a:pt x="0" y="0"/>
                 </a:moveTo>
@@ -1553,9 +1614,11 @@
       <p:sp>
         <p:nvSpPr>
           <p:cNvPr id="157" name="Google Shape;157;g3116154325f_2_5:notes"/>
-          <p:cNvSpPr txBox="1"/>
+          <p:cNvSpPr txBox="1">
+            <a:spLocks noGrp="1"/>
+          </p:cNvSpPr>
           <p:nvPr>
-            <p:ph idx="1" type="body"/>
+            <p:ph type="body" idx="1"/>
           </p:nvPr>
         </p:nvSpPr>
         <p:spPr>
@@ -1568,23 +1631,20 @@
           </a:prstGeom>
         </p:spPr>
         <p:txBody>
-          <a:bodyPr anchorCtr="0" anchor="t" bIns="91425" lIns="91425" spcFirstLastPara="1" rIns="91425" wrap="square" tIns="91425">
+          <a:bodyPr spcFirstLastPara="1" wrap="square" lIns="91425" tIns="91425" rIns="91425" bIns="91425" anchor="t" anchorCtr="0">
             <a:noAutofit/>
           </a:bodyPr>
           <a:lstStyle/>
           <a:p>
-            <a:pPr indent="0" lvl="0" marL="0" rtl="0" algn="l">
-              <a:spcBef>
-                <a:spcPts val="0"/>
-              </a:spcBef>
-              <a:spcAft>
-                <a:spcPts val="0"/>
-              </a:spcAft>
-              <a:buNone/>
-            </a:pPr>
-            <a:r>
-              <a:t/>
-            </a:r>
+            <a:pPr marL="0" lvl="0" indent="0" algn="l" rtl="0">
+              <a:spcBef>
+                <a:spcPts val="0"/>
+              </a:spcBef>
+              <a:spcAft>
+                <a:spcPts val="0"/>
+              </a:spcAft>
+              <a:buNone/>
+            </a:pPr>
             <a:endParaRPr/>
           </a:p>
         </p:txBody>
@@ -1598,11 +1658,11 @@
 </file>
 
 <file path=ppt/notesSlides/notesSlide18.xml><?xml version="1.0" encoding="utf-8"?>
-<p:notes xmlns:a="http://schemas.openxmlformats.org/drawingml/2006/main" xmlns:r="http://schemas.openxmlformats.org/officeDocument/2006/relationships" xmlns:mc="http://schemas.openxmlformats.org/markup-compatibility/2006" xmlns:mv="urn:schemas-microsoft-com:mac:vml" xmlns:p="http://schemas.openxmlformats.org/presentationml/2006/main" xmlns:c="http://schemas.openxmlformats.org/drawingml/2006/chart" xmlns:dgm="http://schemas.openxmlformats.org/drawingml/2006/diagram" xmlns:o="urn:schemas-microsoft-com:office:office" xmlns:v="urn:schemas-microsoft-com:vml" xmlns:pvml="urn:schemas-microsoft-com:office:powerpoint" xmlns:com="http://schemas.openxmlformats.org/drawingml/2006/compatibility" xmlns:p14="http://schemas.microsoft.com/office/powerpoint/2010/main" xmlns:p15="http://schemas.microsoft.com/office/powerpoint/2012/main" xmlns:ahyp="http://schemas.microsoft.com/office/drawing/2018/hyperlinkcolor" showMasterPhAnim="0" showMasterSp="0">
+<p:notes xmlns:a="http://schemas.openxmlformats.org/drawingml/2006/main" xmlns:r="http://schemas.openxmlformats.org/officeDocument/2006/relationships" xmlns:p="http://schemas.openxmlformats.org/presentationml/2006/main" showMasterSp="0" showMasterPhAnim="0">
   <p:cSld>
     <p:spTree>
       <p:nvGrpSpPr>
-        <p:cNvPr id="161" name="Shape 161"/>
+        <p:cNvPr id="1" name="Shape 161"/>
         <p:cNvGrpSpPr/>
         <p:nvPr/>
       </p:nvGrpSpPr>
@@ -1617,20 +1677,26 @@
       <p:sp>
         <p:nvSpPr>
           <p:cNvPr id="162" name="Google Shape;162;g303a4e77f19_1_80:notes"/>
-          <p:cNvSpPr/>
+          <p:cNvSpPr>
+            <a:spLocks noGrp="1" noRot="1" noChangeAspect="1"/>
+          </p:cNvSpPr>
           <p:nvPr>
-            <p:ph idx="2" type="sldImg"/>
+            <p:ph type="sldImg" idx="2"/>
           </p:nvPr>
         </p:nvSpPr>
         <p:spPr>
           <a:xfrm>
-            <a:off x="381300" y="685800"/>
+            <a:off x="381000" y="685800"/>
             <a:ext cx="6096000" cy="3429000"/>
           </a:xfrm>
           <a:custGeom>
-            <a:rect b="b" l="l" r="r" t="t"/>
+            <a:avLst/>
+            <a:gdLst/>
+            <a:ahLst/>
+            <a:cxnLst/>
+            <a:rect l="l" t="t" r="r" b="b"/>
             <a:pathLst>
-              <a:path extrusionOk="0" h="120000" w="120000">
+              <a:path w="120000" h="120000" extrusionOk="0">
                 <a:moveTo>
                   <a:pt x="0" y="0"/>
                 </a:moveTo>
@@ -1652,9 +1718,11 @@
       <p:sp>
         <p:nvSpPr>
           <p:cNvPr id="163" name="Google Shape;163;g303a4e77f19_1_80:notes"/>
-          <p:cNvSpPr txBox="1"/>
+          <p:cNvSpPr txBox="1">
+            <a:spLocks noGrp="1"/>
+          </p:cNvSpPr>
           <p:nvPr>
-            <p:ph idx="1" type="body"/>
+            <p:ph type="body" idx="1"/>
           </p:nvPr>
         </p:nvSpPr>
         <p:spPr>
@@ -1667,23 +1735,20 @@
           </a:prstGeom>
         </p:spPr>
         <p:txBody>
-          <a:bodyPr anchorCtr="0" anchor="t" bIns="91425" lIns="91425" spcFirstLastPara="1" rIns="91425" wrap="square" tIns="91425">
+          <a:bodyPr spcFirstLastPara="1" wrap="square" lIns="91425" tIns="91425" rIns="91425" bIns="91425" anchor="t" anchorCtr="0">
             <a:noAutofit/>
           </a:bodyPr>
           <a:lstStyle/>
           <a:p>
-            <a:pPr indent="0" lvl="0" marL="0" rtl="0" algn="l">
-              <a:spcBef>
-                <a:spcPts val="0"/>
-              </a:spcBef>
-              <a:spcAft>
-                <a:spcPts val="0"/>
-              </a:spcAft>
-              <a:buNone/>
-            </a:pPr>
-            <a:r>
-              <a:t/>
-            </a:r>
+            <a:pPr marL="0" lvl="0" indent="0" algn="l" rtl="0">
+              <a:spcBef>
+                <a:spcPts val="0"/>
+              </a:spcBef>
+              <a:spcAft>
+                <a:spcPts val="0"/>
+              </a:spcAft>
+              <a:buNone/>
+            </a:pPr>
             <a:endParaRPr/>
           </a:p>
         </p:txBody>
@@ -1697,11 +1762,11 @@
 </file>
 
 <file path=ppt/notesSlides/notesSlide19.xml><?xml version="1.0" encoding="utf-8"?>
-<p:notes xmlns:a="http://schemas.openxmlformats.org/drawingml/2006/main" xmlns:r="http://schemas.openxmlformats.org/officeDocument/2006/relationships" xmlns:mc="http://schemas.openxmlformats.org/markup-compatibility/2006" xmlns:mv="urn:schemas-microsoft-com:mac:vml" xmlns:p="http://schemas.openxmlformats.org/presentationml/2006/main" xmlns:c="http://schemas.openxmlformats.org/drawingml/2006/chart" xmlns:dgm="http://schemas.openxmlformats.org/drawingml/2006/diagram" xmlns:o="urn:schemas-microsoft-com:office:office" xmlns:v="urn:schemas-microsoft-com:vml" xmlns:pvml="urn:schemas-microsoft-com:office:powerpoint" xmlns:com="http://schemas.openxmlformats.org/drawingml/2006/compatibility" xmlns:p14="http://schemas.microsoft.com/office/powerpoint/2010/main" xmlns:p15="http://schemas.microsoft.com/office/powerpoint/2012/main" xmlns:ahyp="http://schemas.microsoft.com/office/drawing/2018/hyperlinkcolor" showMasterPhAnim="0" showMasterSp="0">
+<p:notes xmlns:a="http://schemas.openxmlformats.org/drawingml/2006/main" xmlns:r="http://schemas.openxmlformats.org/officeDocument/2006/relationships" xmlns:p="http://schemas.openxmlformats.org/presentationml/2006/main" showMasterSp="0" showMasterPhAnim="0">
   <p:cSld>
     <p:spTree>
       <p:nvGrpSpPr>
-        <p:cNvPr id="168" name="Shape 168"/>
+        <p:cNvPr id="1" name="Shape 168"/>
         <p:cNvGrpSpPr/>
         <p:nvPr/>
       </p:nvGrpSpPr>
@@ -1716,20 +1781,26 @@
       <p:sp>
         <p:nvSpPr>
           <p:cNvPr id="169" name="Google Shape;169;g3116154325f_2_10:notes"/>
-          <p:cNvSpPr/>
+          <p:cNvSpPr>
+            <a:spLocks noGrp="1" noRot="1" noChangeAspect="1"/>
+          </p:cNvSpPr>
           <p:nvPr>
-            <p:ph idx="2" type="sldImg"/>
+            <p:ph type="sldImg" idx="2"/>
           </p:nvPr>
         </p:nvSpPr>
         <p:spPr>
           <a:xfrm>
-            <a:off x="381300" y="685800"/>
+            <a:off x="381000" y="685800"/>
             <a:ext cx="6096000" cy="3429000"/>
           </a:xfrm>
           <a:custGeom>
-            <a:rect b="b" l="l" r="r" t="t"/>
+            <a:avLst/>
+            <a:gdLst/>
+            <a:ahLst/>
+            <a:cxnLst/>
+            <a:rect l="l" t="t" r="r" b="b"/>
             <a:pathLst>
-              <a:path extrusionOk="0" h="120000" w="120000">
+              <a:path w="120000" h="120000" extrusionOk="0">
                 <a:moveTo>
                   <a:pt x="0" y="0"/>
                 </a:moveTo>
@@ -1751,9 +1822,11 @@
       <p:sp>
         <p:nvSpPr>
           <p:cNvPr id="170" name="Google Shape;170;g3116154325f_2_10:notes"/>
-          <p:cNvSpPr txBox="1"/>
+          <p:cNvSpPr txBox="1">
+            <a:spLocks noGrp="1"/>
+          </p:cNvSpPr>
           <p:nvPr>
-            <p:ph idx="1" type="body"/>
+            <p:ph type="body" idx="1"/>
           </p:nvPr>
         </p:nvSpPr>
         <p:spPr>
@@ -1766,23 +1839,20 @@
           </a:prstGeom>
         </p:spPr>
         <p:txBody>
-          <a:bodyPr anchorCtr="0" anchor="t" bIns="91425" lIns="91425" spcFirstLastPara="1" rIns="91425" wrap="square" tIns="91425">
+          <a:bodyPr spcFirstLastPara="1" wrap="square" lIns="91425" tIns="91425" rIns="91425" bIns="91425" anchor="t" anchorCtr="0">
             <a:noAutofit/>
           </a:bodyPr>
           <a:lstStyle/>
           <a:p>
-            <a:pPr indent="0" lvl="0" marL="0" rtl="0" algn="l">
-              <a:spcBef>
-                <a:spcPts val="0"/>
-              </a:spcBef>
-              <a:spcAft>
-                <a:spcPts val="0"/>
-              </a:spcAft>
-              <a:buNone/>
-            </a:pPr>
-            <a:r>
-              <a:t/>
-            </a:r>
+            <a:pPr marL="0" lvl="0" indent="0" algn="l" rtl="0">
+              <a:spcBef>
+                <a:spcPts val="0"/>
+              </a:spcBef>
+              <a:spcAft>
+                <a:spcPts val="0"/>
+              </a:spcAft>
+              <a:buNone/>
+            </a:pPr>
             <a:endParaRPr/>
           </a:p>
         </p:txBody>
@@ -1796,11 +1866,11 @@
 </file>
 
 <file path=ppt/notesSlides/notesSlide2.xml><?xml version="1.0" encoding="utf-8"?>
-<p:notes xmlns:a="http://schemas.openxmlformats.org/drawingml/2006/main" xmlns:r="http://schemas.openxmlformats.org/officeDocument/2006/relationships" xmlns:mc="http://schemas.openxmlformats.org/markup-compatibility/2006" xmlns:mv="urn:schemas-microsoft-com:mac:vml" xmlns:p="http://schemas.openxmlformats.org/presentationml/2006/main" xmlns:c="http://schemas.openxmlformats.org/drawingml/2006/chart" xmlns:dgm="http://schemas.openxmlformats.org/drawingml/2006/diagram" xmlns:o="urn:schemas-microsoft-com:office:office" xmlns:v="urn:schemas-microsoft-com:vml" xmlns:pvml="urn:schemas-microsoft-com:office:powerpoint" xmlns:com="http://schemas.openxmlformats.org/drawingml/2006/compatibility" xmlns:p14="http://schemas.microsoft.com/office/powerpoint/2010/main" xmlns:p15="http://schemas.microsoft.com/office/powerpoint/2012/main" xmlns:ahyp="http://schemas.microsoft.com/office/drawing/2018/hyperlinkcolor" showMasterPhAnim="0" showMasterSp="0">
+<p:notes xmlns:a="http://schemas.openxmlformats.org/drawingml/2006/main" xmlns:r="http://schemas.openxmlformats.org/officeDocument/2006/relationships" xmlns:p="http://schemas.openxmlformats.org/presentationml/2006/main" showMasterSp="0" showMasterPhAnim="0">
   <p:cSld>
     <p:spTree>
       <p:nvGrpSpPr>
-        <p:cNvPr id="56" name="Shape 56"/>
+        <p:cNvPr id="1" name="Shape 56"/>
         <p:cNvGrpSpPr/>
         <p:nvPr/>
       </p:nvGrpSpPr>
@@ -1815,20 +1885,26 @@
       <p:sp>
         <p:nvSpPr>
           <p:cNvPr id="57" name="Google Shape;57;g303abc11c55_0_0:notes"/>
-          <p:cNvSpPr/>
+          <p:cNvSpPr>
+            <a:spLocks noGrp="1" noRot="1" noChangeAspect="1"/>
+          </p:cNvSpPr>
           <p:nvPr>
-            <p:ph idx="2" type="sldImg"/>
+            <p:ph type="sldImg" idx="2"/>
           </p:nvPr>
         </p:nvSpPr>
         <p:spPr>
           <a:xfrm>
-            <a:off x="381300" y="685800"/>
+            <a:off x="381000" y="685800"/>
             <a:ext cx="6096000" cy="3429000"/>
           </a:xfrm>
           <a:custGeom>
-            <a:rect b="b" l="l" r="r" t="t"/>
+            <a:avLst/>
+            <a:gdLst/>
+            <a:ahLst/>
+            <a:cxnLst/>
+            <a:rect l="l" t="t" r="r" b="b"/>
             <a:pathLst>
-              <a:path extrusionOk="0" h="120000" w="120000">
+              <a:path w="120000" h="120000" extrusionOk="0">
                 <a:moveTo>
                   <a:pt x="0" y="0"/>
                 </a:moveTo>
@@ -1850,9 +1926,11 @@
       <p:sp>
         <p:nvSpPr>
           <p:cNvPr id="58" name="Google Shape;58;g303abc11c55_0_0:notes"/>
-          <p:cNvSpPr txBox="1"/>
+          <p:cNvSpPr txBox="1">
+            <a:spLocks noGrp="1"/>
+          </p:cNvSpPr>
           <p:nvPr>
-            <p:ph idx="1" type="body"/>
+            <p:ph type="body" idx="1"/>
           </p:nvPr>
         </p:nvSpPr>
         <p:spPr>
@@ -1865,23 +1943,20 @@
           </a:prstGeom>
         </p:spPr>
         <p:txBody>
-          <a:bodyPr anchorCtr="0" anchor="t" bIns="91425" lIns="91425" spcFirstLastPara="1" rIns="91425" wrap="square" tIns="91425">
+          <a:bodyPr spcFirstLastPara="1" wrap="square" lIns="91425" tIns="91425" rIns="91425" bIns="91425" anchor="t" anchorCtr="0">
             <a:noAutofit/>
           </a:bodyPr>
           <a:lstStyle/>
           <a:p>
-            <a:pPr indent="0" lvl="0" marL="0" rtl="0" algn="l">
-              <a:spcBef>
-                <a:spcPts val="0"/>
-              </a:spcBef>
-              <a:spcAft>
-                <a:spcPts val="0"/>
-              </a:spcAft>
-              <a:buNone/>
-            </a:pPr>
-            <a:r>
-              <a:t/>
-            </a:r>
+            <a:pPr marL="0" lvl="0" indent="0" algn="l" rtl="0">
+              <a:spcBef>
+                <a:spcPts val="0"/>
+              </a:spcBef>
+              <a:spcAft>
+                <a:spcPts val="0"/>
+              </a:spcAft>
+              <a:buNone/>
+            </a:pPr>
             <a:endParaRPr/>
           </a:p>
         </p:txBody>
@@ -1895,11 +1970,11 @@
 </file>
 
 <file path=ppt/notesSlides/notesSlide20.xml><?xml version="1.0" encoding="utf-8"?>
-<p:notes xmlns:a="http://schemas.openxmlformats.org/drawingml/2006/main" xmlns:r="http://schemas.openxmlformats.org/officeDocument/2006/relationships" xmlns:mc="http://schemas.openxmlformats.org/markup-compatibility/2006" xmlns:mv="urn:schemas-microsoft-com:mac:vml" xmlns:p="http://schemas.openxmlformats.org/presentationml/2006/main" xmlns:c="http://schemas.openxmlformats.org/drawingml/2006/chart" xmlns:dgm="http://schemas.openxmlformats.org/drawingml/2006/diagram" xmlns:o="urn:schemas-microsoft-com:office:office" xmlns:v="urn:schemas-microsoft-com:vml" xmlns:pvml="urn:schemas-microsoft-com:office:powerpoint" xmlns:com="http://schemas.openxmlformats.org/drawingml/2006/compatibility" xmlns:p14="http://schemas.microsoft.com/office/powerpoint/2010/main" xmlns:p15="http://schemas.microsoft.com/office/powerpoint/2012/main" xmlns:ahyp="http://schemas.microsoft.com/office/drawing/2018/hyperlinkcolor" showMasterPhAnim="0" showMasterSp="0">
+<p:notes xmlns:a="http://schemas.openxmlformats.org/drawingml/2006/main" xmlns:r="http://schemas.openxmlformats.org/officeDocument/2006/relationships" xmlns:p="http://schemas.openxmlformats.org/presentationml/2006/main" showMasterSp="0" showMasterPhAnim="0">
   <p:cSld>
     <p:spTree>
       <p:nvGrpSpPr>
-        <p:cNvPr id="174" name="Shape 174"/>
+        <p:cNvPr id="1" name="Shape 174"/>
         <p:cNvGrpSpPr/>
         <p:nvPr/>
       </p:nvGrpSpPr>
@@ -1914,20 +1989,26 @@
       <p:sp>
         <p:nvSpPr>
           <p:cNvPr id="175" name="Google Shape;175;g303a4e77f19_1_86:notes"/>
-          <p:cNvSpPr/>
+          <p:cNvSpPr>
+            <a:spLocks noGrp="1" noRot="1" noChangeAspect="1"/>
+          </p:cNvSpPr>
           <p:nvPr>
-            <p:ph idx="2" type="sldImg"/>
+            <p:ph type="sldImg" idx="2"/>
           </p:nvPr>
         </p:nvSpPr>
         <p:spPr>
           <a:xfrm>
-            <a:off x="381300" y="685800"/>
+            <a:off x="381000" y="685800"/>
             <a:ext cx="6096000" cy="3429000"/>
           </a:xfrm>
           <a:custGeom>
-            <a:rect b="b" l="l" r="r" t="t"/>
+            <a:avLst/>
+            <a:gdLst/>
+            <a:ahLst/>
+            <a:cxnLst/>
+            <a:rect l="l" t="t" r="r" b="b"/>
             <a:pathLst>
-              <a:path extrusionOk="0" h="120000" w="120000">
+              <a:path w="120000" h="120000" extrusionOk="0">
                 <a:moveTo>
                   <a:pt x="0" y="0"/>
                 </a:moveTo>
@@ -1949,9 +2030,11 @@
       <p:sp>
         <p:nvSpPr>
           <p:cNvPr id="176" name="Google Shape;176;g303a4e77f19_1_86:notes"/>
-          <p:cNvSpPr txBox="1"/>
+          <p:cNvSpPr txBox="1">
+            <a:spLocks noGrp="1"/>
+          </p:cNvSpPr>
           <p:nvPr>
-            <p:ph idx="1" type="body"/>
+            <p:ph type="body" idx="1"/>
           </p:nvPr>
         </p:nvSpPr>
         <p:spPr>
@@ -1964,23 +2047,20 @@
           </a:prstGeom>
         </p:spPr>
         <p:txBody>
-          <a:bodyPr anchorCtr="0" anchor="t" bIns="91425" lIns="91425" spcFirstLastPara="1" rIns="91425" wrap="square" tIns="91425">
+          <a:bodyPr spcFirstLastPara="1" wrap="square" lIns="91425" tIns="91425" rIns="91425" bIns="91425" anchor="t" anchorCtr="0">
             <a:noAutofit/>
           </a:bodyPr>
           <a:lstStyle/>
           <a:p>
-            <a:pPr indent="0" lvl="0" marL="0" rtl="0" algn="l">
-              <a:spcBef>
-                <a:spcPts val="0"/>
-              </a:spcBef>
-              <a:spcAft>
-                <a:spcPts val="0"/>
-              </a:spcAft>
-              <a:buNone/>
-            </a:pPr>
-            <a:r>
-              <a:t/>
-            </a:r>
+            <a:pPr marL="0" lvl="0" indent="0" algn="l" rtl="0">
+              <a:spcBef>
+                <a:spcPts val="0"/>
+              </a:spcBef>
+              <a:spcAft>
+                <a:spcPts val="0"/>
+              </a:spcAft>
+              <a:buNone/>
+            </a:pPr>
             <a:endParaRPr/>
           </a:p>
         </p:txBody>
@@ -1994,11 +2074,11 @@
 </file>
 
 <file path=ppt/notesSlides/notesSlide21.xml><?xml version="1.0" encoding="utf-8"?>
-<p:notes xmlns:a="http://schemas.openxmlformats.org/drawingml/2006/main" xmlns:r="http://schemas.openxmlformats.org/officeDocument/2006/relationships" xmlns:mc="http://schemas.openxmlformats.org/markup-compatibility/2006" xmlns:mv="urn:schemas-microsoft-com:mac:vml" xmlns:p="http://schemas.openxmlformats.org/presentationml/2006/main" xmlns:c="http://schemas.openxmlformats.org/drawingml/2006/chart" xmlns:dgm="http://schemas.openxmlformats.org/drawingml/2006/diagram" xmlns:o="urn:schemas-microsoft-com:office:office" xmlns:v="urn:schemas-microsoft-com:vml" xmlns:pvml="urn:schemas-microsoft-com:office:powerpoint" xmlns:com="http://schemas.openxmlformats.org/drawingml/2006/compatibility" xmlns:p14="http://schemas.microsoft.com/office/powerpoint/2010/main" xmlns:p15="http://schemas.microsoft.com/office/powerpoint/2012/main" xmlns:ahyp="http://schemas.microsoft.com/office/drawing/2018/hyperlinkcolor" showMasterPhAnim="0" showMasterSp="0">
+<p:notes xmlns:a="http://schemas.openxmlformats.org/drawingml/2006/main" xmlns:r="http://schemas.openxmlformats.org/officeDocument/2006/relationships" xmlns:p="http://schemas.openxmlformats.org/presentationml/2006/main" showMasterSp="0" showMasterPhAnim="0">
   <p:cSld>
     <p:spTree>
       <p:nvGrpSpPr>
-        <p:cNvPr id="180" name="Shape 180"/>
+        <p:cNvPr id="1" name="Shape 180"/>
         <p:cNvGrpSpPr/>
         <p:nvPr/>
       </p:nvGrpSpPr>
@@ -2013,20 +2093,26 @@
       <p:sp>
         <p:nvSpPr>
           <p:cNvPr id="181" name="Google Shape;181;g303a4e77f19_1_91:notes"/>
-          <p:cNvSpPr/>
+          <p:cNvSpPr>
+            <a:spLocks noGrp="1" noRot="1" noChangeAspect="1"/>
+          </p:cNvSpPr>
           <p:nvPr>
-            <p:ph idx="2" type="sldImg"/>
+            <p:ph type="sldImg" idx="2"/>
           </p:nvPr>
         </p:nvSpPr>
         <p:spPr>
           <a:xfrm>
-            <a:off x="381300" y="685800"/>
+            <a:off x="381000" y="685800"/>
             <a:ext cx="6096000" cy="3429000"/>
           </a:xfrm>
           <a:custGeom>
-            <a:rect b="b" l="l" r="r" t="t"/>
+            <a:avLst/>
+            <a:gdLst/>
+            <a:ahLst/>
+            <a:cxnLst/>
+            <a:rect l="l" t="t" r="r" b="b"/>
             <a:pathLst>
-              <a:path extrusionOk="0" h="120000" w="120000">
+              <a:path w="120000" h="120000" extrusionOk="0">
                 <a:moveTo>
                   <a:pt x="0" y="0"/>
                 </a:moveTo>
@@ -2048,9 +2134,11 @@
       <p:sp>
         <p:nvSpPr>
           <p:cNvPr id="182" name="Google Shape;182;g303a4e77f19_1_91:notes"/>
-          <p:cNvSpPr txBox="1"/>
+          <p:cNvSpPr txBox="1">
+            <a:spLocks noGrp="1"/>
+          </p:cNvSpPr>
           <p:nvPr>
-            <p:ph idx="1" type="body"/>
+            <p:ph type="body" idx="1"/>
           </p:nvPr>
         </p:nvSpPr>
         <p:spPr>
@@ -2063,23 +2151,20 @@
           </a:prstGeom>
         </p:spPr>
         <p:txBody>
-          <a:bodyPr anchorCtr="0" anchor="t" bIns="91425" lIns="91425" spcFirstLastPara="1" rIns="91425" wrap="square" tIns="91425">
+          <a:bodyPr spcFirstLastPara="1" wrap="square" lIns="91425" tIns="91425" rIns="91425" bIns="91425" anchor="t" anchorCtr="0">
             <a:noAutofit/>
           </a:bodyPr>
           <a:lstStyle/>
           <a:p>
-            <a:pPr indent="0" lvl="0" marL="0" rtl="0" algn="l">
-              <a:spcBef>
-                <a:spcPts val="0"/>
-              </a:spcBef>
-              <a:spcAft>
-                <a:spcPts val="0"/>
-              </a:spcAft>
-              <a:buNone/>
-            </a:pPr>
-            <a:r>
-              <a:t/>
-            </a:r>
+            <a:pPr marL="0" lvl="0" indent="0" algn="l" rtl="0">
+              <a:spcBef>
+                <a:spcPts val="0"/>
+              </a:spcBef>
+              <a:spcAft>
+                <a:spcPts val="0"/>
+              </a:spcAft>
+              <a:buNone/>
+            </a:pPr>
             <a:endParaRPr/>
           </a:p>
         </p:txBody>
@@ -2093,11 +2178,11 @@
 </file>
 
 <file path=ppt/notesSlides/notesSlide3.xml><?xml version="1.0" encoding="utf-8"?>
-<p:notes xmlns:a="http://schemas.openxmlformats.org/drawingml/2006/main" xmlns:r="http://schemas.openxmlformats.org/officeDocument/2006/relationships" xmlns:mc="http://schemas.openxmlformats.org/markup-compatibility/2006" xmlns:mv="urn:schemas-microsoft-com:mac:vml" xmlns:p="http://schemas.openxmlformats.org/presentationml/2006/main" xmlns:c="http://schemas.openxmlformats.org/drawingml/2006/chart" xmlns:dgm="http://schemas.openxmlformats.org/drawingml/2006/diagram" xmlns:o="urn:schemas-microsoft-com:office:office" xmlns:v="urn:schemas-microsoft-com:vml" xmlns:pvml="urn:schemas-microsoft-com:office:powerpoint" xmlns:com="http://schemas.openxmlformats.org/drawingml/2006/compatibility" xmlns:p14="http://schemas.microsoft.com/office/powerpoint/2010/main" xmlns:p15="http://schemas.microsoft.com/office/powerpoint/2012/main" xmlns:ahyp="http://schemas.microsoft.com/office/drawing/2018/hyperlinkcolor" showMasterPhAnim="0" showMasterSp="0">
+<p:notes xmlns:a="http://schemas.openxmlformats.org/drawingml/2006/main" xmlns:r="http://schemas.openxmlformats.org/officeDocument/2006/relationships" xmlns:p="http://schemas.openxmlformats.org/presentationml/2006/main" showMasterSp="0" showMasterPhAnim="0">
   <p:cSld>
     <p:spTree>
       <p:nvGrpSpPr>
-        <p:cNvPr id="62" name="Shape 62"/>
+        <p:cNvPr id="1" name="Shape 62"/>
         <p:cNvGrpSpPr/>
         <p:nvPr/>
       </p:nvGrpSpPr>
@@ -2112,20 +2197,26 @@
       <p:sp>
         <p:nvSpPr>
           <p:cNvPr id="63" name="Google Shape;63;g3116154325f_0_0:notes"/>
-          <p:cNvSpPr/>
+          <p:cNvSpPr>
+            <a:spLocks noGrp="1" noRot="1" noChangeAspect="1"/>
+          </p:cNvSpPr>
           <p:nvPr>
-            <p:ph idx="2" type="sldImg"/>
+            <p:ph type="sldImg" idx="2"/>
           </p:nvPr>
         </p:nvSpPr>
         <p:spPr>
           <a:xfrm>
-            <a:off x="381300" y="685800"/>
+            <a:off x="381000" y="685800"/>
             <a:ext cx="6096000" cy="3429000"/>
           </a:xfrm>
           <a:custGeom>
-            <a:rect b="b" l="l" r="r" t="t"/>
+            <a:avLst/>
+            <a:gdLst/>
+            <a:ahLst/>
+            <a:cxnLst/>
+            <a:rect l="l" t="t" r="r" b="b"/>
             <a:pathLst>
-              <a:path extrusionOk="0" h="120000" w="120000">
+              <a:path w="120000" h="120000" extrusionOk="0">
                 <a:moveTo>
                   <a:pt x="0" y="0"/>
                 </a:moveTo>
@@ -2147,9 +2238,11 @@
       <p:sp>
         <p:nvSpPr>
           <p:cNvPr id="64" name="Google Shape;64;g3116154325f_0_0:notes"/>
-          <p:cNvSpPr txBox="1"/>
+          <p:cNvSpPr txBox="1">
+            <a:spLocks noGrp="1"/>
+          </p:cNvSpPr>
           <p:nvPr>
-            <p:ph idx="1" type="body"/>
+            <p:ph type="body" idx="1"/>
           </p:nvPr>
         </p:nvSpPr>
         <p:spPr>
@@ -2162,23 +2255,20 @@
           </a:prstGeom>
         </p:spPr>
         <p:txBody>
-          <a:bodyPr anchorCtr="0" anchor="t" bIns="91425" lIns="91425" spcFirstLastPara="1" rIns="91425" wrap="square" tIns="91425">
+          <a:bodyPr spcFirstLastPara="1" wrap="square" lIns="91425" tIns="91425" rIns="91425" bIns="91425" anchor="t" anchorCtr="0">
             <a:noAutofit/>
           </a:bodyPr>
           <a:lstStyle/>
           <a:p>
-            <a:pPr indent="0" lvl="0" marL="0" rtl="0" algn="l">
-              <a:spcBef>
-                <a:spcPts val="0"/>
-              </a:spcBef>
-              <a:spcAft>
-                <a:spcPts val="0"/>
-              </a:spcAft>
-              <a:buNone/>
-            </a:pPr>
-            <a:r>
-              <a:t/>
-            </a:r>
+            <a:pPr marL="0" lvl="0" indent="0" algn="l" rtl="0">
+              <a:spcBef>
+                <a:spcPts val="0"/>
+              </a:spcBef>
+              <a:spcAft>
+                <a:spcPts val="0"/>
+              </a:spcAft>
+              <a:buNone/>
+            </a:pPr>
             <a:endParaRPr/>
           </a:p>
         </p:txBody>
@@ -2192,11 +2282,11 @@
 </file>
 
 <file path=ppt/notesSlides/notesSlide4.xml><?xml version="1.0" encoding="utf-8"?>
-<p:notes xmlns:a="http://schemas.openxmlformats.org/drawingml/2006/main" xmlns:r="http://schemas.openxmlformats.org/officeDocument/2006/relationships" xmlns:mc="http://schemas.openxmlformats.org/markup-compatibility/2006" xmlns:mv="urn:schemas-microsoft-com:mac:vml" xmlns:p="http://schemas.openxmlformats.org/presentationml/2006/main" xmlns:c="http://schemas.openxmlformats.org/drawingml/2006/chart" xmlns:dgm="http://schemas.openxmlformats.org/drawingml/2006/diagram" xmlns:o="urn:schemas-microsoft-com:office:office" xmlns:v="urn:schemas-microsoft-com:vml" xmlns:pvml="urn:schemas-microsoft-com:office:powerpoint" xmlns:com="http://schemas.openxmlformats.org/drawingml/2006/compatibility" xmlns:p14="http://schemas.microsoft.com/office/powerpoint/2010/main" xmlns:p15="http://schemas.microsoft.com/office/powerpoint/2012/main" xmlns:ahyp="http://schemas.microsoft.com/office/drawing/2018/hyperlinkcolor" showMasterPhAnim="0" showMasterSp="0">
+<p:notes xmlns:a="http://schemas.openxmlformats.org/drawingml/2006/main" xmlns:r="http://schemas.openxmlformats.org/officeDocument/2006/relationships" xmlns:p="http://schemas.openxmlformats.org/presentationml/2006/main" showMasterSp="0" showMasterPhAnim="0">
   <p:cSld>
     <p:spTree>
       <p:nvGrpSpPr>
-        <p:cNvPr id="68" name="Shape 68"/>
+        <p:cNvPr id="1" name="Shape 68"/>
         <p:cNvGrpSpPr/>
         <p:nvPr/>
       </p:nvGrpSpPr>
@@ -2211,20 +2301,26 @@
       <p:sp>
         <p:nvSpPr>
           <p:cNvPr id="69" name="Google Shape;69;g3116154325f_0_5:notes"/>
-          <p:cNvSpPr/>
+          <p:cNvSpPr>
+            <a:spLocks noGrp="1" noRot="1" noChangeAspect="1"/>
+          </p:cNvSpPr>
           <p:nvPr>
-            <p:ph idx="2" type="sldImg"/>
+            <p:ph type="sldImg" idx="2"/>
           </p:nvPr>
         </p:nvSpPr>
         <p:spPr>
           <a:xfrm>
-            <a:off x="381300" y="685800"/>
+            <a:off x="381000" y="685800"/>
             <a:ext cx="6096000" cy="3429000"/>
           </a:xfrm>
           <a:custGeom>
-            <a:rect b="b" l="l" r="r" t="t"/>
+            <a:avLst/>
+            <a:gdLst/>
+            <a:ahLst/>
+            <a:cxnLst/>
+            <a:rect l="l" t="t" r="r" b="b"/>
             <a:pathLst>
-              <a:path extrusionOk="0" h="120000" w="120000">
+              <a:path w="120000" h="120000" extrusionOk="0">
                 <a:moveTo>
                   <a:pt x="0" y="0"/>
                 </a:moveTo>
@@ -2246,9 +2342,11 @@
       <p:sp>
         <p:nvSpPr>
           <p:cNvPr id="70" name="Google Shape;70;g3116154325f_0_5:notes"/>
-          <p:cNvSpPr txBox="1"/>
+          <p:cNvSpPr txBox="1">
+            <a:spLocks noGrp="1"/>
+          </p:cNvSpPr>
           <p:nvPr>
-            <p:ph idx="1" type="body"/>
+            <p:ph type="body" idx="1"/>
           </p:nvPr>
         </p:nvSpPr>
         <p:spPr>
@@ -2261,23 +2359,20 @@
           </a:prstGeom>
         </p:spPr>
         <p:txBody>
-          <a:bodyPr anchorCtr="0" anchor="t" bIns="91425" lIns="91425" spcFirstLastPara="1" rIns="91425" wrap="square" tIns="91425">
+          <a:bodyPr spcFirstLastPara="1" wrap="square" lIns="91425" tIns="91425" rIns="91425" bIns="91425" anchor="t" anchorCtr="0">
             <a:noAutofit/>
           </a:bodyPr>
           <a:lstStyle/>
           <a:p>
-            <a:pPr indent="0" lvl="0" marL="0" rtl="0" algn="l">
-              <a:spcBef>
-                <a:spcPts val="0"/>
-              </a:spcBef>
-              <a:spcAft>
-                <a:spcPts val="0"/>
-              </a:spcAft>
-              <a:buNone/>
-            </a:pPr>
-            <a:r>
-              <a:t/>
-            </a:r>
+            <a:pPr marL="0" lvl="0" indent="0" algn="l" rtl="0">
+              <a:spcBef>
+                <a:spcPts val="0"/>
+              </a:spcBef>
+              <a:spcAft>
+                <a:spcPts val="0"/>
+              </a:spcAft>
+              <a:buNone/>
+            </a:pPr>
             <a:endParaRPr/>
           </a:p>
         </p:txBody>
@@ -2291,11 +2386,11 @@
 </file>
 
 <file path=ppt/notesSlides/notesSlide5.xml><?xml version="1.0" encoding="utf-8"?>
-<p:notes xmlns:a="http://schemas.openxmlformats.org/drawingml/2006/main" xmlns:r="http://schemas.openxmlformats.org/officeDocument/2006/relationships" xmlns:mc="http://schemas.openxmlformats.org/markup-compatibility/2006" xmlns:mv="urn:schemas-microsoft-com:mac:vml" xmlns:p="http://schemas.openxmlformats.org/presentationml/2006/main" xmlns:c="http://schemas.openxmlformats.org/drawingml/2006/chart" xmlns:dgm="http://schemas.openxmlformats.org/drawingml/2006/diagram" xmlns:o="urn:schemas-microsoft-com:office:office" xmlns:v="urn:schemas-microsoft-com:vml" xmlns:pvml="urn:schemas-microsoft-com:office:powerpoint" xmlns:com="http://schemas.openxmlformats.org/drawingml/2006/compatibility" xmlns:p14="http://schemas.microsoft.com/office/powerpoint/2010/main" xmlns:p15="http://schemas.microsoft.com/office/powerpoint/2012/main" xmlns:ahyp="http://schemas.microsoft.com/office/drawing/2018/hyperlinkcolor" showMasterPhAnim="0" showMasterSp="0">
+<p:notes xmlns:a="http://schemas.openxmlformats.org/drawingml/2006/main" xmlns:r="http://schemas.openxmlformats.org/officeDocument/2006/relationships" xmlns:p="http://schemas.openxmlformats.org/presentationml/2006/main" showMasterSp="0" showMasterPhAnim="0">
   <p:cSld>
     <p:spTree>
       <p:nvGrpSpPr>
-        <p:cNvPr id="75" name="Shape 75"/>
+        <p:cNvPr id="1" name="Shape 75"/>
         <p:cNvGrpSpPr/>
         <p:nvPr/>
       </p:nvGrpSpPr>
@@ -2310,20 +2405,26 @@
       <p:sp>
         <p:nvSpPr>
           <p:cNvPr id="76" name="Google Shape;76;g3116154325f_0_10:notes"/>
-          <p:cNvSpPr/>
+          <p:cNvSpPr>
+            <a:spLocks noGrp="1" noRot="1" noChangeAspect="1"/>
+          </p:cNvSpPr>
           <p:nvPr>
-            <p:ph idx="2" type="sldImg"/>
+            <p:ph type="sldImg" idx="2"/>
           </p:nvPr>
         </p:nvSpPr>
         <p:spPr>
           <a:xfrm>
-            <a:off x="381300" y="685800"/>
+            <a:off x="381000" y="685800"/>
             <a:ext cx="6096000" cy="3429000"/>
           </a:xfrm>
           <a:custGeom>
-            <a:rect b="b" l="l" r="r" t="t"/>
+            <a:avLst/>
+            <a:gdLst/>
+            <a:ahLst/>
+            <a:cxnLst/>
+            <a:rect l="l" t="t" r="r" b="b"/>
             <a:pathLst>
-              <a:path extrusionOk="0" h="120000" w="120000">
+              <a:path w="120000" h="120000" extrusionOk="0">
                 <a:moveTo>
                   <a:pt x="0" y="0"/>
                 </a:moveTo>
@@ -2345,9 +2446,11 @@
       <p:sp>
         <p:nvSpPr>
           <p:cNvPr id="77" name="Google Shape;77;g3116154325f_0_10:notes"/>
-          <p:cNvSpPr txBox="1"/>
+          <p:cNvSpPr txBox="1">
+            <a:spLocks noGrp="1"/>
+          </p:cNvSpPr>
           <p:nvPr>
-            <p:ph idx="1" type="body"/>
+            <p:ph type="body" idx="1"/>
           </p:nvPr>
         </p:nvSpPr>
         <p:spPr>
@@ -2360,23 +2463,20 @@
           </a:prstGeom>
         </p:spPr>
         <p:txBody>
-          <a:bodyPr anchorCtr="0" anchor="t" bIns="91425" lIns="91425" spcFirstLastPara="1" rIns="91425" wrap="square" tIns="91425">
+          <a:bodyPr spcFirstLastPara="1" wrap="square" lIns="91425" tIns="91425" rIns="91425" bIns="91425" anchor="t" anchorCtr="0">
             <a:noAutofit/>
           </a:bodyPr>
           <a:lstStyle/>
           <a:p>
-            <a:pPr indent="0" lvl="0" marL="0" rtl="0" algn="l">
-              <a:spcBef>
-                <a:spcPts val="0"/>
-              </a:spcBef>
-              <a:spcAft>
-                <a:spcPts val="0"/>
-              </a:spcAft>
-              <a:buNone/>
-            </a:pPr>
-            <a:r>
-              <a:t/>
-            </a:r>
+            <a:pPr marL="0" lvl="0" indent="0" algn="l" rtl="0">
+              <a:spcBef>
+                <a:spcPts val="0"/>
+              </a:spcBef>
+              <a:spcAft>
+                <a:spcPts val="0"/>
+              </a:spcAft>
+              <a:buNone/>
+            </a:pPr>
             <a:endParaRPr/>
           </a:p>
         </p:txBody>
@@ -2390,11 +2490,11 @@
 </file>
 
 <file path=ppt/notesSlides/notesSlide6.xml><?xml version="1.0" encoding="utf-8"?>
-<p:notes xmlns:a="http://schemas.openxmlformats.org/drawingml/2006/main" xmlns:r="http://schemas.openxmlformats.org/officeDocument/2006/relationships" xmlns:mc="http://schemas.openxmlformats.org/markup-compatibility/2006" xmlns:mv="urn:schemas-microsoft-com:mac:vml" xmlns:p="http://schemas.openxmlformats.org/presentationml/2006/main" xmlns:c="http://schemas.openxmlformats.org/drawingml/2006/chart" xmlns:dgm="http://schemas.openxmlformats.org/drawingml/2006/diagram" xmlns:o="urn:schemas-microsoft-com:office:office" xmlns:v="urn:schemas-microsoft-com:vml" xmlns:pvml="urn:schemas-microsoft-com:office:powerpoint" xmlns:com="http://schemas.openxmlformats.org/drawingml/2006/compatibility" xmlns:p14="http://schemas.microsoft.com/office/powerpoint/2010/main" xmlns:p15="http://schemas.microsoft.com/office/powerpoint/2012/main" xmlns:ahyp="http://schemas.microsoft.com/office/drawing/2018/hyperlinkcolor" showMasterPhAnim="0" showMasterSp="0">
+<p:notes xmlns:a="http://schemas.openxmlformats.org/drawingml/2006/main" xmlns:r="http://schemas.openxmlformats.org/officeDocument/2006/relationships" xmlns:p="http://schemas.openxmlformats.org/presentationml/2006/main" showMasterSp="0" showMasterPhAnim="0">
   <p:cSld>
     <p:spTree>
       <p:nvGrpSpPr>
-        <p:cNvPr id="85" name="Shape 85"/>
+        <p:cNvPr id="1" name="Shape 85"/>
         <p:cNvGrpSpPr/>
         <p:nvPr/>
       </p:nvGrpSpPr>
@@ -2409,20 +2509,26 @@
       <p:sp>
         <p:nvSpPr>
           <p:cNvPr id="86" name="Google Shape;86;g303a4e77f19_2_6:notes"/>
-          <p:cNvSpPr/>
+          <p:cNvSpPr>
+            <a:spLocks noGrp="1" noRot="1" noChangeAspect="1"/>
+          </p:cNvSpPr>
           <p:nvPr>
-            <p:ph idx="2" type="sldImg"/>
+            <p:ph type="sldImg" idx="2"/>
           </p:nvPr>
         </p:nvSpPr>
         <p:spPr>
           <a:xfrm>
-            <a:off x="381300" y="685800"/>
+            <a:off x="381000" y="685800"/>
             <a:ext cx="6096000" cy="3429000"/>
           </a:xfrm>
           <a:custGeom>
-            <a:rect b="b" l="l" r="r" t="t"/>
+            <a:avLst/>
+            <a:gdLst/>
+            <a:ahLst/>
+            <a:cxnLst/>
+            <a:rect l="l" t="t" r="r" b="b"/>
             <a:pathLst>
-              <a:path extrusionOk="0" h="120000" w="120000">
+              <a:path w="120000" h="120000" extrusionOk="0">
                 <a:moveTo>
                   <a:pt x="0" y="0"/>
                 </a:moveTo>
@@ -2444,9 +2550,11 @@
       <p:sp>
         <p:nvSpPr>
           <p:cNvPr id="87" name="Google Shape;87;g303a4e77f19_2_6:notes"/>
-          <p:cNvSpPr txBox="1"/>
+          <p:cNvSpPr txBox="1">
+            <a:spLocks noGrp="1"/>
+          </p:cNvSpPr>
           <p:nvPr>
-            <p:ph idx="1" type="body"/>
+            <p:ph type="body" idx="1"/>
           </p:nvPr>
         </p:nvSpPr>
         <p:spPr>
@@ -2459,23 +2567,20 @@
           </a:prstGeom>
         </p:spPr>
         <p:txBody>
-          <a:bodyPr anchorCtr="0" anchor="t" bIns="91425" lIns="91425" spcFirstLastPara="1" rIns="91425" wrap="square" tIns="91425">
+          <a:bodyPr spcFirstLastPara="1" wrap="square" lIns="91425" tIns="91425" rIns="91425" bIns="91425" anchor="t" anchorCtr="0">
             <a:noAutofit/>
           </a:bodyPr>
           <a:lstStyle/>
           <a:p>
-            <a:pPr indent="0" lvl="0" marL="0" rtl="0" algn="l">
-              <a:spcBef>
-                <a:spcPts val="0"/>
-              </a:spcBef>
-              <a:spcAft>
-                <a:spcPts val="0"/>
-              </a:spcAft>
-              <a:buNone/>
-            </a:pPr>
-            <a:r>
-              <a:t/>
-            </a:r>
+            <a:pPr marL="0" lvl="0" indent="0" algn="l" rtl="0">
+              <a:spcBef>
+                <a:spcPts val="0"/>
+              </a:spcBef>
+              <a:spcAft>
+                <a:spcPts val="0"/>
+              </a:spcAft>
+              <a:buNone/>
+            </a:pPr>
             <a:endParaRPr/>
           </a:p>
         </p:txBody>
@@ -2489,11 +2594,11 @@
 </file>
 
 <file path=ppt/notesSlides/notesSlide7.xml><?xml version="1.0" encoding="utf-8"?>
-<p:notes xmlns:a="http://schemas.openxmlformats.org/drawingml/2006/main" xmlns:r="http://schemas.openxmlformats.org/officeDocument/2006/relationships" xmlns:mc="http://schemas.openxmlformats.org/markup-compatibility/2006" xmlns:mv="urn:schemas-microsoft-com:mac:vml" xmlns:p="http://schemas.openxmlformats.org/presentationml/2006/main" xmlns:c="http://schemas.openxmlformats.org/drawingml/2006/chart" xmlns:dgm="http://schemas.openxmlformats.org/drawingml/2006/diagram" xmlns:o="urn:schemas-microsoft-com:office:office" xmlns:v="urn:schemas-microsoft-com:vml" xmlns:pvml="urn:schemas-microsoft-com:office:powerpoint" xmlns:com="http://schemas.openxmlformats.org/drawingml/2006/compatibility" xmlns:p14="http://schemas.microsoft.com/office/powerpoint/2010/main" xmlns:p15="http://schemas.microsoft.com/office/powerpoint/2012/main" xmlns:ahyp="http://schemas.microsoft.com/office/drawing/2018/hyperlinkcolor" showMasterPhAnim="0" showMasterSp="0">
+<p:notes xmlns:a="http://schemas.openxmlformats.org/drawingml/2006/main" xmlns:r="http://schemas.openxmlformats.org/officeDocument/2006/relationships" xmlns:p="http://schemas.openxmlformats.org/presentationml/2006/main" showMasterSp="0" showMasterPhAnim="0">
   <p:cSld>
     <p:spTree>
       <p:nvGrpSpPr>
-        <p:cNvPr id="93" name="Shape 93"/>
+        <p:cNvPr id="1" name="Shape 93"/>
         <p:cNvGrpSpPr/>
         <p:nvPr/>
       </p:nvGrpSpPr>
@@ -2508,20 +2613,26 @@
       <p:sp>
         <p:nvSpPr>
           <p:cNvPr id="94" name="Google Shape;94;g303a4e77f19_1_27:notes"/>
-          <p:cNvSpPr/>
+          <p:cNvSpPr>
+            <a:spLocks noGrp="1" noRot="1" noChangeAspect="1"/>
+          </p:cNvSpPr>
           <p:nvPr>
-            <p:ph idx="2" type="sldImg"/>
+            <p:ph type="sldImg" idx="2"/>
           </p:nvPr>
         </p:nvSpPr>
         <p:spPr>
           <a:xfrm>
-            <a:off x="381300" y="685800"/>
+            <a:off x="381000" y="685800"/>
             <a:ext cx="6096000" cy="3429000"/>
           </a:xfrm>
           <a:custGeom>
-            <a:rect b="b" l="l" r="r" t="t"/>
+            <a:avLst/>
+            <a:gdLst/>
+            <a:ahLst/>
+            <a:cxnLst/>
+            <a:rect l="l" t="t" r="r" b="b"/>
             <a:pathLst>
-              <a:path extrusionOk="0" h="120000" w="120000">
+              <a:path w="120000" h="120000" extrusionOk="0">
                 <a:moveTo>
                   <a:pt x="0" y="0"/>
                 </a:moveTo>
@@ -2543,9 +2654,11 @@
       <p:sp>
         <p:nvSpPr>
           <p:cNvPr id="95" name="Google Shape;95;g303a4e77f19_1_27:notes"/>
-          <p:cNvSpPr txBox="1"/>
+          <p:cNvSpPr txBox="1">
+            <a:spLocks noGrp="1"/>
+          </p:cNvSpPr>
           <p:nvPr>
-            <p:ph idx="1" type="body"/>
+            <p:ph type="body" idx="1"/>
           </p:nvPr>
         </p:nvSpPr>
         <p:spPr>
@@ -2558,23 +2671,20 @@
           </a:prstGeom>
         </p:spPr>
         <p:txBody>
-          <a:bodyPr anchorCtr="0" anchor="t" bIns="91425" lIns="91425" spcFirstLastPara="1" rIns="91425" wrap="square" tIns="91425">
+          <a:bodyPr spcFirstLastPara="1" wrap="square" lIns="91425" tIns="91425" rIns="91425" bIns="91425" anchor="t" anchorCtr="0">
             <a:noAutofit/>
           </a:bodyPr>
           <a:lstStyle/>
           <a:p>
-            <a:pPr indent="0" lvl="0" marL="0" rtl="0" algn="l">
-              <a:spcBef>
-                <a:spcPts val="0"/>
-              </a:spcBef>
-              <a:spcAft>
-                <a:spcPts val="0"/>
-              </a:spcAft>
-              <a:buNone/>
-            </a:pPr>
-            <a:r>
-              <a:t/>
-            </a:r>
+            <a:pPr marL="0" lvl="0" indent="0" algn="l" rtl="0">
+              <a:spcBef>
+                <a:spcPts val="0"/>
+              </a:spcBef>
+              <a:spcAft>
+                <a:spcPts val="0"/>
+              </a:spcAft>
+              <a:buNone/>
+            </a:pPr>
             <a:endParaRPr/>
           </a:p>
         </p:txBody>
@@ -2588,11 +2698,11 @@
 </file>
 
 <file path=ppt/notesSlides/notesSlide8.xml><?xml version="1.0" encoding="utf-8"?>
-<p:notes xmlns:a="http://schemas.openxmlformats.org/drawingml/2006/main" xmlns:r="http://schemas.openxmlformats.org/officeDocument/2006/relationships" xmlns:mc="http://schemas.openxmlformats.org/markup-compatibility/2006" xmlns:mv="urn:schemas-microsoft-com:mac:vml" xmlns:p="http://schemas.openxmlformats.org/presentationml/2006/main" xmlns:c="http://schemas.openxmlformats.org/drawingml/2006/chart" xmlns:dgm="http://schemas.openxmlformats.org/drawingml/2006/diagram" xmlns:o="urn:schemas-microsoft-com:office:office" xmlns:v="urn:schemas-microsoft-com:vml" xmlns:pvml="urn:schemas-microsoft-com:office:powerpoint" xmlns:com="http://schemas.openxmlformats.org/drawingml/2006/compatibility" xmlns:p14="http://schemas.microsoft.com/office/powerpoint/2010/main" xmlns:p15="http://schemas.microsoft.com/office/powerpoint/2012/main" xmlns:ahyp="http://schemas.microsoft.com/office/drawing/2018/hyperlinkcolor" showMasterPhAnim="0" showMasterSp="0">
+<p:notes xmlns:a="http://schemas.openxmlformats.org/drawingml/2006/main" xmlns:r="http://schemas.openxmlformats.org/officeDocument/2006/relationships" xmlns:p="http://schemas.openxmlformats.org/presentationml/2006/main" showMasterSp="0" showMasterPhAnim="0">
   <p:cSld>
     <p:spTree>
       <p:nvGrpSpPr>
-        <p:cNvPr id="99" name="Shape 99"/>
+        <p:cNvPr id="1" name="Shape 99"/>
         <p:cNvGrpSpPr/>
         <p:nvPr/>
       </p:nvGrpSpPr>
@@ -2607,20 +2717,26 @@
       <p:sp>
         <p:nvSpPr>
           <p:cNvPr id="100" name="Google Shape;100;g3116154325f_0_15:notes"/>
-          <p:cNvSpPr/>
+          <p:cNvSpPr>
+            <a:spLocks noGrp="1" noRot="1" noChangeAspect="1"/>
+          </p:cNvSpPr>
           <p:nvPr>
-            <p:ph idx="2" type="sldImg"/>
+            <p:ph type="sldImg" idx="2"/>
           </p:nvPr>
         </p:nvSpPr>
         <p:spPr>
           <a:xfrm>
-            <a:off x="381300" y="685800"/>
+            <a:off x="381000" y="685800"/>
             <a:ext cx="6096000" cy="3429000"/>
           </a:xfrm>
           <a:custGeom>
-            <a:rect b="b" l="l" r="r" t="t"/>
+            <a:avLst/>
+            <a:gdLst/>
+            <a:ahLst/>
+            <a:cxnLst/>
+            <a:rect l="l" t="t" r="r" b="b"/>
             <a:pathLst>
-              <a:path extrusionOk="0" h="120000" w="120000">
+              <a:path w="120000" h="120000" extrusionOk="0">
                 <a:moveTo>
                   <a:pt x="0" y="0"/>
                 </a:moveTo>
@@ -2642,9 +2758,11 @@
       <p:sp>
         <p:nvSpPr>
           <p:cNvPr id="101" name="Google Shape;101;g3116154325f_0_15:notes"/>
-          <p:cNvSpPr txBox="1"/>
+          <p:cNvSpPr txBox="1">
+            <a:spLocks noGrp="1"/>
+          </p:cNvSpPr>
           <p:nvPr>
-            <p:ph idx="1" type="body"/>
+            <p:ph type="body" idx="1"/>
           </p:nvPr>
         </p:nvSpPr>
         <p:spPr>
@@ -2657,23 +2775,20 @@
           </a:prstGeom>
         </p:spPr>
         <p:txBody>
-          <a:bodyPr anchorCtr="0" anchor="t" bIns="91425" lIns="91425" spcFirstLastPara="1" rIns="91425" wrap="square" tIns="91425">
+          <a:bodyPr spcFirstLastPara="1" wrap="square" lIns="91425" tIns="91425" rIns="91425" bIns="91425" anchor="t" anchorCtr="0">
             <a:noAutofit/>
           </a:bodyPr>
           <a:lstStyle/>
           <a:p>
-            <a:pPr indent="0" lvl="0" marL="0" rtl="0" algn="l">
-              <a:spcBef>
-                <a:spcPts val="0"/>
-              </a:spcBef>
-              <a:spcAft>
-                <a:spcPts val="0"/>
-              </a:spcAft>
-              <a:buNone/>
-            </a:pPr>
-            <a:r>
-              <a:t/>
-            </a:r>
+            <a:pPr marL="0" lvl="0" indent="0" algn="l" rtl="0">
+              <a:spcBef>
+                <a:spcPts val="0"/>
+              </a:spcBef>
+              <a:spcAft>
+                <a:spcPts val="0"/>
+              </a:spcAft>
+              <a:buNone/>
+            </a:pPr>
             <a:endParaRPr/>
           </a:p>
         </p:txBody>
@@ -2687,11 +2802,11 @@
 </file>
 
 <file path=ppt/notesSlides/notesSlide9.xml><?xml version="1.0" encoding="utf-8"?>
-<p:notes xmlns:a="http://schemas.openxmlformats.org/drawingml/2006/main" xmlns:r="http://schemas.openxmlformats.org/officeDocument/2006/relationships" xmlns:mc="http://schemas.openxmlformats.org/markup-compatibility/2006" xmlns:mv="urn:schemas-microsoft-com:mac:vml" xmlns:p="http://schemas.openxmlformats.org/presentationml/2006/main" xmlns:c="http://schemas.openxmlformats.org/drawingml/2006/chart" xmlns:dgm="http://schemas.openxmlformats.org/drawingml/2006/diagram" xmlns:o="urn:schemas-microsoft-com:office:office" xmlns:v="urn:schemas-microsoft-com:vml" xmlns:pvml="urn:schemas-microsoft-com:office:powerpoint" xmlns:com="http://schemas.openxmlformats.org/drawingml/2006/compatibility" xmlns:p14="http://schemas.microsoft.com/office/powerpoint/2010/main" xmlns:p15="http://schemas.microsoft.com/office/powerpoint/2012/main" xmlns:ahyp="http://schemas.microsoft.com/office/drawing/2018/hyperlinkcolor" showMasterPhAnim="0" showMasterSp="0">
+<p:notes xmlns:a="http://schemas.openxmlformats.org/drawingml/2006/main" xmlns:r="http://schemas.openxmlformats.org/officeDocument/2006/relationships" xmlns:p="http://schemas.openxmlformats.org/presentationml/2006/main" showMasterSp="0" showMasterPhAnim="0">
   <p:cSld>
     <p:spTree>
       <p:nvGrpSpPr>
-        <p:cNvPr id="106" name="Shape 106"/>
+        <p:cNvPr id="1" name="Shape 106"/>
         <p:cNvGrpSpPr/>
         <p:nvPr/>
       </p:nvGrpSpPr>
@@ -2706,20 +2821,26 @@
       <p:sp>
         <p:nvSpPr>
           <p:cNvPr id="107" name="Google Shape;107;g3116154325f_0_20:notes"/>
-          <p:cNvSpPr/>
+          <p:cNvSpPr>
+            <a:spLocks noGrp="1" noRot="1" noChangeAspect="1"/>
+          </p:cNvSpPr>
           <p:nvPr>
-            <p:ph idx="2" type="sldImg"/>
+            <p:ph type="sldImg" idx="2"/>
           </p:nvPr>
         </p:nvSpPr>
         <p:spPr>
           <a:xfrm>
-            <a:off x="381300" y="685800"/>
+            <a:off x="381000" y="685800"/>
             <a:ext cx="6096000" cy="3429000"/>
           </a:xfrm>
           <a:custGeom>
-            <a:rect b="b" l="l" r="r" t="t"/>
+            <a:avLst/>
+            <a:gdLst/>
+            <a:ahLst/>
+            <a:cxnLst/>
+            <a:rect l="l" t="t" r="r" b="b"/>
             <a:pathLst>
-              <a:path extrusionOk="0" h="120000" w="120000">
+              <a:path w="120000" h="120000" extrusionOk="0">
                 <a:moveTo>
                   <a:pt x="0" y="0"/>
                 </a:moveTo>
@@ -2741,9 +2862,11 @@
       <p:sp>
         <p:nvSpPr>
           <p:cNvPr id="108" name="Google Shape;108;g3116154325f_0_20:notes"/>
-          <p:cNvSpPr txBox="1"/>
+          <p:cNvSpPr txBox="1">
+            <a:spLocks noGrp="1"/>
+          </p:cNvSpPr>
           <p:nvPr>
-            <p:ph idx="1" type="body"/>
+            <p:ph type="body" idx="1"/>
           </p:nvPr>
         </p:nvSpPr>
         <p:spPr>
@@ -2756,23 +2879,20 @@
           </a:prstGeom>
         </p:spPr>
         <p:txBody>
-          <a:bodyPr anchorCtr="0" anchor="t" bIns="91425" lIns="91425" spcFirstLastPara="1" rIns="91425" wrap="square" tIns="91425">
+          <a:bodyPr spcFirstLastPara="1" wrap="square" lIns="91425" tIns="91425" rIns="91425" bIns="91425" anchor="t" anchorCtr="0">
             <a:noAutofit/>
           </a:bodyPr>
           <a:lstStyle/>
           <a:p>
-            <a:pPr indent="0" lvl="0" marL="0" rtl="0" algn="l">
-              <a:spcBef>
-                <a:spcPts val="0"/>
-              </a:spcBef>
-              <a:spcAft>
-                <a:spcPts val="0"/>
-              </a:spcAft>
-              <a:buNone/>
-            </a:pPr>
-            <a:r>
-              <a:t/>
-            </a:r>
+            <a:pPr marL="0" lvl="0" indent="0" algn="l" rtl="0">
+              <a:spcBef>
+                <a:spcPts val="0"/>
+              </a:spcBef>
+              <a:spcAft>
+                <a:spcPts val="0"/>
+              </a:spcAft>
+              <a:buNone/>
+            </a:pPr>
             <a:endParaRPr/>
           </a:p>
         </p:txBody>
@@ -2786,11 +2906,11 @@
 </file>
 
 <file path=ppt/slideLayouts/slideLayout1.xml><?xml version="1.0" encoding="utf-8"?>
-<p:sldLayout xmlns:a="http://schemas.openxmlformats.org/drawingml/2006/main" xmlns:r="http://schemas.openxmlformats.org/officeDocument/2006/relationships" xmlns:mc="http://schemas.openxmlformats.org/markup-compatibility/2006" xmlns:mv="urn:schemas-microsoft-com:mac:vml" xmlns:p="http://schemas.openxmlformats.org/presentationml/2006/main" xmlns:c="http://schemas.openxmlformats.org/drawingml/2006/chart" xmlns:dgm="http://schemas.openxmlformats.org/drawingml/2006/diagram" xmlns:o="urn:schemas-microsoft-com:office:office" xmlns:v="urn:schemas-microsoft-com:vml" xmlns:pvml="urn:schemas-microsoft-com:office:powerpoint" xmlns:com="http://schemas.openxmlformats.org/drawingml/2006/compatibility" xmlns:p14="http://schemas.microsoft.com/office/powerpoint/2010/main" xmlns:p15="http://schemas.microsoft.com/office/powerpoint/2012/main" xmlns:ahyp="http://schemas.microsoft.com/office/drawing/2018/hyperlinkcolor" matchingName="Title slide" type="title">
+<p:sldLayout xmlns:a="http://schemas.openxmlformats.org/drawingml/2006/main" xmlns:r="http://schemas.openxmlformats.org/officeDocument/2006/relationships" xmlns:p="http://schemas.openxmlformats.org/presentationml/2006/main" matchingName="Title slide" type="title">
   <p:cSld name="TITLE">
     <p:spTree>
       <p:nvGrpSpPr>
-        <p:cNvPr id="9" name="Shape 9"/>
+        <p:cNvPr id="1" name="Shape 9"/>
         <p:cNvGrpSpPr/>
         <p:nvPr/>
       </p:nvGrpSpPr>
@@ -2805,7 +2925,9 @@
       <p:sp>
         <p:nvSpPr>
           <p:cNvPr id="10" name="Google Shape;10;p2"/>
-          <p:cNvSpPr txBox="1"/>
+          <p:cNvSpPr txBox="1">
+            <a:spLocks noGrp="1"/>
+          </p:cNvSpPr>
           <p:nvPr>
             <p:ph type="ctrTitle"/>
           </p:nvPr>
@@ -2820,7 +2942,7 @@
           </a:prstGeom>
         </p:spPr>
         <p:txBody>
-          <a:bodyPr anchorCtr="0" anchor="b" bIns="91425" lIns="91425" spcFirstLastPara="1" rIns="91425" wrap="square" tIns="91425">
+          <a:bodyPr spcFirstLastPara="1" wrap="square" lIns="91425" tIns="91425" rIns="91425" bIns="91425" anchor="b" anchorCtr="0">
             <a:normAutofit/>
           </a:bodyPr>
           <a:lstStyle>
@@ -2924,15 +3046,19 @@
               <a:defRPr sz="5200"/>
             </a:lvl9pPr>
           </a:lstStyle>
-          <a:p/>
+          <a:p>
+            <a:endParaRPr/>
+          </a:p>
         </p:txBody>
       </p:sp>
       <p:sp>
         <p:nvSpPr>
           <p:cNvPr id="11" name="Google Shape;11;p2"/>
-          <p:cNvSpPr txBox="1"/>
+          <p:cNvSpPr txBox="1">
+            <a:spLocks noGrp="1"/>
+          </p:cNvSpPr>
           <p:nvPr>
-            <p:ph idx="1" type="subTitle"/>
+            <p:ph type="subTitle" idx="1"/>
           </p:nvPr>
         </p:nvSpPr>
         <p:spPr>
@@ -2945,7 +3071,7 @@
           </a:prstGeom>
         </p:spPr>
         <p:txBody>
-          <a:bodyPr anchorCtr="0" anchor="t" bIns="91425" lIns="91425" spcFirstLastPara="1" rIns="91425" wrap="square" tIns="91425">
+          <a:bodyPr spcFirstLastPara="1" wrap="square" lIns="91425" tIns="91425" rIns="91425" bIns="91425" anchor="t" anchorCtr="0">
             <a:normAutofit/>
           </a:bodyPr>
           <a:lstStyle>
@@ -3076,15 +3202,19 @@
               <a:defRPr sz="2800"/>
             </a:lvl9pPr>
           </a:lstStyle>
-          <a:p/>
+          <a:p>
+            <a:endParaRPr/>
+          </a:p>
         </p:txBody>
       </p:sp>
       <p:sp>
         <p:nvSpPr>
           <p:cNvPr id="12" name="Google Shape;12;p2"/>
-          <p:cNvSpPr txBox="1"/>
+          <p:cNvSpPr txBox="1">
+            <a:spLocks noGrp="1"/>
+          </p:cNvSpPr>
           <p:nvPr>
-            <p:ph idx="12" type="sldNum"/>
+            <p:ph type="sldNum" idx="12"/>
           </p:nvPr>
         </p:nvSpPr>
         <p:spPr>
@@ -3097,7 +3227,7 @@
           </a:prstGeom>
         </p:spPr>
         <p:txBody>
-          <a:bodyPr anchorCtr="0" anchor="ctr" bIns="91425" lIns="91425" spcFirstLastPara="1" rIns="91425" wrap="square" tIns="91425">
+          <a:bodyPr spcFirstLastPara="1" wrap="square" lIns="91425" tIns="91425" rIns="91425" bIns="91425" anchor="ctr" anchorCtr="0">
             <a:normAutofit/>
           </a:bodyPr>
           <a:lstStyle>
@@ -3139,7 +3269,7 @@
             </a:lvl9pPr>
           </a:lstStyle>
           <a:p>
-            <a:pPr indent="0" lvl="0" marL="0" rtl="0" algn="r">
+            <a:pPr marL="0" lvl="0" indent="0" algn="r" rtl="0">
               <a:spcBef>
                 <a:spcPts val="0"/>
               </a:spcBef>
@@ -3165,11 +3295,11 @@
 </file>
 
 <file path=ppt/slideLayouts/slideLayout10.xml><?xml version="1.0" encoding="utf-8"?>
-<p:sldLayout xmlns:a="http://schemas.openxmlformats.org/drawingml/2006/main" xmlns:r="http://schemas.openxmlformats.org/officeDocument/2006/relationships" xmlns:mc="http://schemas.openxmlformats.org/markup-compatibility/2006" xmlns:mv="urn:schemas-microsoft-com:mac:vml" xmlns:p="http://schemas.openxmlformats.org/presentationml/2006/main" xmlns:c="http://schemas.openxmlformats.org/drawingml/2006/chart" xmlns:dgm="http://schemas.openxmlformats.org/drawingml/2006/diagram" xmlns:o="urn:schemas-microsoft-com:office:office" xmlns:v="urn:schemas-microsoft-com:vml" xmlns:pvml="urn:schemas-microsoft-com:office:powerpoint" xmlns:com="http://schemas.openxmlformats.org/drawingml/2006/compatibility" xmlns:p14="http://schemas.microsoft.com/office/powerpoint/2010/main" xmlns:p15="http://schemas.microsoft.com/office/powerpoint/2012/main" xmlns:ahyp="http://schemas.microsoft.com/office/drawing/2018/hyperlinkcolor" matchingName="Big number">
+<p:sldLayout xmlns:a="http://schemas.openxmlformats.org/drawingml/2006/main" xmlns:r="http://schemas.openxmlformats.org/officeDocument/2006/relationships" xmlns:p="http://schemas.openxmlformats.org/presentationml/2006/main" matchingName="Big number">
   <p:cSld name="BIG_NUMBER">
     <p:spTree>
       <p:nvGrpSpPr>
-        <p:cNvPr id="44" name="Shape 44"/>
+        <p:cNvPr id="1" name="Shape 44"/>
         <p:cNvGrpSpPr/>
         <p:nvPr/>
       </p:nvGrpSpPr>
@@ -3184,9 +3314,11 @@
       <p:sp>
         <p:nvSpPr>
           <p:cNvPr id="45" name="Google Shape;45;p11"/>
-          <p:cNvSpPr txBox="1"/>
+          <p:cNvSpPr txBox="1">
+            <a:spLocks noGrp="1"/>
+          </p:cNvSpPr>
           <p:nvPr>
-            <p:ph hasCustomPrompt="1" type="title"/>
+            <p:ph type="title" hasCustomPrompt="1"/>
           </p:nvPr>
         </p:nvSpPr>
         <p:spPr>
@@ -3199,7 +3331,7 @@
           </a:prstGeom>
         </p:spPr>
         <p:txBody>
-          <a:bodyPr anchorCtr="0" anchor="b" bIns="91425" lIns="91425" spcFirstLastPara="1" rIns="91425" wrap="square" tIns="91425">
+          <a:bodyPr spcFirstLastPara="1" wrap="square" lIns="91425" tIns="91425" rIns="91425" bIns="91425" anchor="b" anchorCtr="0">
             <a:normAutofit/>
           </a:bodyPr>
           <a:lstStyle>
@@ -3313,9 +3445,11 @@
       <p:sp>
         <p:nvSpPr>
           <p:cNvPr id="46" name="Google Shape;46;p11"/>
-          <p:cNvSpPr txBox="1"/>
+          <p:cNvSpPr txBox="1">
+            <a:spLocks noGrp="1"/>
+          </p:cNvSpPr>
           <p:nvPr>
-            <p:ph idx="1" type="body"/>
+            <p:ph type="body" idx="1"/>
           </p:nvPr>
         </p:nvSpPr>
         <p:spPr>
@@ -3328,11 +3462,11 @@
           </a:prstGeom>
         </p:spPr>
         <p:txBody>
-          <a:bodyPr anchorCtr="0" anchor="t" bIns="91425" lIns="91425" spcFirstLastPara="1" rIns="91425" wrap="square" tIns="91425">
+          <a:bodyPr spcFirstLastPara="1" wrap="square" lIns="91425" tIns="91425" rIns="91425" bIns="91425" anchor="t" anchorCtr="0">
             <a:normAutofit/>
           </a:bodyPr>
           <a:lstStyle>
-            <a:lvl1pPr indent="-342900" lvl="0" marL="457200" algn="ctr">
+            <a:lvl1pPr marL="457200" lvl="0" indent="-342900" algn="ctr">
               <a:spcBef>
                 <a:spcPts val="0"/>
               </a:spcBef>
@@ -3343,7 +3477,7 @@
               <a:buChar char="●"/>
               <a:defRPr/>
             </a:lvl1pPr>
-            <a:lvl2pPr indent="-317500" lvl="1" marL="914400" algn="ctr">
+            <a:lvl2pPr marL="914400" lvl="1" indent="-317500" algn="ctr">
               <a:spcBef>
                 <a:spcPts val="0"/>
               </a:spcBef>
@@ -3354,7 +3488,7 @@
               <a:buChar char="○"/>
               <a:defRPr/>
             </a:lvl2pPr>
-            <a:lvl3pPr indent="-317500" lvl="2" marL="1371600" algn="ctr">
+            <a:lvl3pPr marL="1371600" lvl="2" indent="-317500" algn="ctr">
               <a:spcBef>
                 <a:spcPts val="0"/>
               </a:spcBef>
@@ -3365,7 +3499,7 @@
               <a:buChar char="■"/>
               <a:defRPr/>
             </a:lvl3pPr>
-            <a:lvl4pPr indent="-317500" lvl="3" marL="1828800" algn="ctr">
+            <a:lvl4pPr marL="1828800" lvl="3" indent="-317500" algn="ctr">
               <a:spcBef>
                 <a:spcPts val="0"/>
               </a:spcBef>
@@ -3376,7 +3510,7 @@
               <a:buChar char="●"/>
               <a:defRPr/>
             </a:lvl4pPr>
-            <a:lvl5pPr indent="-317500" lvl="4" marL="2286000" algn="ctr">
+            <a:lvl5pPr marL="2286000" lvl="4" indent="-317500" algn="ctr">
               <a:spcBef>
                 <a:spcPts val="0"/>
               </a:spcBef>
@@ -3387,7 +3521,7 @@
               <a:buChar char="○"/>
               <a:defRPr/>
             </a:lvl5pPr>
-            <a:lvl6pPr indent="-317500" lvl="5" marL="2743200" algn="ctr">
+            <a:lvl6pPr marL="2743200" lvl="5" indent="-317500" algn="ctr">
               <a:spcBef>
                 <a:spcPts val="0"/>
               </a:spcBef>
@@ -3398,7 +3532,7 @@
               <a:buChar char="■"/>
               <a:defRPr/>
             </a:lvl6pPr>
-            <a:lvl7pPr indent="-317500" lvl="6" marL="3200400" algn="ctr">
+            <a:lvl7pPr marL="3200400" lvl="6" indent="-317500" algn="ctr">
               <a:spcBef>
                 <a:spcPts val="0"/>
               </a:spcBef>
@@ -3409,7 +3543,7 @@
               <a:buChar char="●"/>
               <a:defRPr/>
             </a:lvl7pPr>
-            <a:lvl8pPr indent="-317500" lvl="7" marL="3657600" algn="ctr">
+            <a:lvl8pPr marL="3657600" lvl="7" indent="-317500" algn="ctr">
               <a:spcBef>
                 <a:spcPts val="0"/>
               </a:spcBef>
@@ -3420,7 +3554,7 @@
               <a:buChar char="○"/>
               <a:defRPr/>
             </a:lvl8pPr>
-            <a:lvl9pPr indent="-317500" lvl="8" marL="4114800" algn="ctr">
+            <a:lvl9pPr marL="4114800" lvl="8" indent="-317500" algn="ctr">
               <a:spcBef>
                 <a:spcPts val="0"/>
               </a:spcBef>
@@ -3432,15 +3566,19 @@
               <a:defRPr/>
             </a:lvl9pPr>
           </a:lstStyle>
-          <a:p/>
+          <a:p>
+            <a:endParaRPr/>
+          </a:p>
         </p:txBody>
       </p:sp>
       <p:sp>
         <p:nvSpPr>
           <p:cNvPr id="47" name="Google Shape;47;p11"/>
-          <p:cNvSpPr txBox="1"/>
+          <p:cNvSpPr txBox="1">
+            <a:spLocks noGrp="1"/>
+          </p:cNvSpPr>
           <p:nvPr>
-            <p:ph idx="12" type="sldNum"/>
+            <p:ph type="sldNum" idx="12"/>
           </p:nvPr>
         </p:nvSpPr>
         <p:spPr>
@@ -3453,7 +3591,7 @@
           </a:prstGeom>
         </p:spPr>
         <p:txBody>
-          <a:bodyPr anchorCtr="0" anchor="ctr" bIns="91425" lIns="91425" spcFirstLastPara="1" rIns="91425" wrap="square" tIns="91425">
+          <a:bodyPr spcFirstLastPara="1" wrap="square" lIns="91425" tIns="91425" rIns="91425" bIns="91425" anchor="ctr" anchorCtr="0">
             <a:normAutofit/>
           </a:bodyPr>
           <a:lstStyle>
@@ -3495,7 +3633,7 @@
             </a:lvl9pPr>
           </a:lstStyle>
           <a:p>
-            <a:pPr indent="0" lvl="0" marL="0" rtl="0" algn="r">
+            <a:pPr marL="0" lvl="0" indent="0" algn="r" rtl="0">
               <a:spcBef>
                 <a:spcPts val="0"/>
               </a:spcBef>
@@ -3521,11 +3659,11 @@
 </file>
 
 <file path=ppt/slideLayouts/slideLayout11.xml><?xml version="1.0" encoding="utf-8"?>
-<p:sldLayout xmlns:a="http://schemas.openxmlformats.org/drawingml/2006/main" xmlns:r="http://schemas.openxmlformats.org/officeDocument/2006/relationships" xmlns:mc="http://schemas.openxmlformats.org/markup-compatibility/2006" xmlns:mv="urn:schemas-microsoft-com:mac:vml" xmlns:p="http://schemas.openxmlformats.org/presentationml/2006/main" xmlns:c="http://schemas.openxmlformats.org/drawingml/2006/chart" xmlns:dgm="http://schemas.openxmlformats.org/drawingml/2006/diagram" xmlns:o="urn:schemas-microsoft-com:office:office" xmlns:v="urn:schemas-microsoft-com:vml" xmlns:pvml="urn:schemas-microsoft-com:office:powerpoint" xmlns:com="http://schemas.openxmlformats.org/drawingml/2006/compatibility" xmlns:p14="http://schemas.microsoft.com/office/powerpoint/2010/main" xmlns:p15="http://schemas.microsoft.com/office/powerpoint/2012/main" xmlns:ahyp="http://schemas.microsoft.com/office/drawing/2018/hyperlinkcolor" matchingName="Blank" type="blank">
+<p:sldLayout xmlns:a="http://schemas.openxmlformats.org/drawingml/2006/main" xmlns:r="http://schemas.openxmlformats.org/officeDocument/2006/relationships" xmlns:p="http://schemas.openxmlformats.org/presentationml/2006/main" matchingName="Blank" type="blank">
   <p:cSld name="BLANK">
     <p:spTree>
       <p:nvGrpSpPr>
-        <p:cNvPr id="48" name="Shape 48"/>
+        <p:cNvPr id="1" name="Shape 48"/>
         <p:cNvGrpSpPr/>
         <p:nvPr/>
       </p:nvGrpSpPr>
@@ -3540,9 +3678,11 @@
       <p:sp>
         <p:nvSpPr>
           <p:cNvPr id="49" name="Google Shape;49;p12"/>
-          <p:cNvSpPr txBox="1"/>
+          <p:cNvSpPr txBox="1">
+            <a:spLocks noGrp="1"/>
+          </p:cNvSpPr>
           <p:nvPr>
-            <p:ph idx="12" type="sldNum"/>
+            <p:ph type="sldNum" idx="12"/>
           </p:nvPr>
         </p:nvSpPr>
         <p:spPr>
@@ -3555,7 +3695,7 @@
           </a:prstGeom>
         </p:spPr>
         <p:txBody>
-          <a:bodyPr anchorCtr="0" anchor="ctr" bIns="91425" lIns="91425" spcFirstLastPara="1" rIns="91425" wrap="square" tIns="91425">
+          <a:bodyPr spcFirstLastPara="1" wrap="square" lIns="91425" tIns="91425" rIns="91425" bIns="91425" anchor="ctr" anchorCtr="0">
             <a:normAutofit/>
           </a:bodyPr>
           <a:lstStyle>
@@ -3597,7 +3737,7 @@
             </a:lvl9pPr>
           </a:lstStyle>
           <a:p>
-            <a:pPr indent="0" lvl="0" marL="0" rtl="0" algn="r">
+            <a:pPr marL="0" lvl="0" indent="0" algn="r" rtl="0">
               <a:spcBef>
                 <a:spcPts val="0"/>
               </a:spcBef>
@@ -3623,11 +3763,11 @@
 </file>
 
 <file path=ppt/slideLayouts/slideLayout2.xml><?xml version="1.0" encoding="utf-8"?>
-<p:sldLayout xmlns:a="http://schemas.openxmlformats.org/drawingml/2006/main" xmlns:r="http://schemas.openxmlformats.org/officeDocument/2006/relationships" xmlns:mc="http://schemas.openxmlformats.org/markup-compatibility/2006" xmlns:mv="urn:schemas-microsoft-com:mac:vml" xmlns:p="http://schemas.openxmlformats.org/presentationml/2006/main" xmlns:c="http://schemas.openxmlformats.org/drawingml/2006/chart" xmlns:dgm="http://schemas.openxmlformats.org/drawingml/2006/diagram" xmlns:o="urn:schemas-microsoft-com:office:office" xmlns:v="urn:schemas-microsoft-com:vml" xmlns:pvml="urn:schemas-microsoft-com:office:powerpoint" xmlns:com="http://schemas.openxmlformats.org/drawingml/2006/compatibility" xmlns:p14="http://schemas.microsoft.com/office/powerpoint/2010/main" xmlns:p15="http://schemas.microsoft.com/office/powerpoint/2012/main" xmlns:ahyp="http://schemas.microsoft.com/office/drawing/2018/hyperlinkcolor" matchingName="Section header" type="secHead">
+<p:sldLayout xmlns:a="http://schemas.openxmlformats.org/drawingml/2006/main" xmlns:r="http://schemas.openxmlformats.org/officeDocument/2006/relationships" xmlns:p="http://schemas.openxmlformats.org/presentationml/2006/main" matchingName="Section header" type="secHead">
   <p:cSld name="SECTION_HEADER">
     <p:spTree>
       <p:nvGrpSpPr>
-        <p:cNvPr id="13" name="Shape 13"/>
+        <p:cNvPr id="1" name="Shape 13"/>
         <p:cNvGrpSpPr/>
         <p:nvPr/>
       </p:nvGrpSpPr>
@@ -3642,7 +3782,9 @@
       <p:sp>
         <p:nvSpPr>
           <p:cNvPr id="14" name="Google Shape;14;p3"/>
-          <p:cNvSpPr txBox="1"/>
+          <p:cNvSpPr txBox="1">
+            <a:spLocks noGrp="1"/>
+          </p:cNvSpPr>
           <p:nvPr>
             <p:ph type="title"/>
           </p:nvPr>
@@ -3657,7 +3799,7 @@
           </a:prstGeom>
         </p:spPr>
         <p:txBody>
-          <a:bodyPr anchorCtr="0" anchor="ctr" bIns="91425" lIns="91425" spcFirstLastPara="1" rIns="91425" wrap="square" tIns="91425">
+          <a:bodyPr spcFirstLastPara="1" wrap="square" lIns="91425" tIns="91425" rIns="91425" bIns="91425" anchor="ctr" anchorCtr="0">
             <a:normAutofit/>
           </a:bodyPr>
           <a:lstStyle>
@@ -3761,15 +3903,19 @@
               <a:defRPr sz="3600"/>
             </a:lvl9pPr>
           </a:lstStyle>
-          <a:p/>
+          <a:p>
+            <a:endParaRPr/>
+          </a:p>
         </p:txBody>
       </p:sp>
       <p:sp>
         <p:nvSpPr>
           <p:cNvPr id="15" name="Google Shape;15;p3"/>
-          <p:cNvSpPr txBox="1"/>
+          <p:cNvSpPr txBox="1">
+            <a:spLocks noGrp="1"/>
+          </p:cNvSpPr>
           <p:nvPr>
-            <p:ph idx="12" type="sldNum"/>
+            <p:ph type="sldNum" idx="12"/>
           </p:nvPr>
         </p:nvSpPr>
         <p:spPr>
@@ -3782,7 +3928,7 @@
           </a:prstGeom>
         </p:spPr>
         <p:txBody>
-          <a:bodyPr anchorCtr="0" anchor="ctr" bIns="91425" lIns="91425" spcFirstLastPara="1" rIns="91425" wrap="square" tIns="91425">
+          <a:bodyPr spcFirstLastPara="1" wrap="square" lIns="91425" tIns="91425" rIns="91425" bIns="91425" anchor="ctr" anchorCtr="0">
             <a:normAutofit/>
           </a:bodyPr>
           <a:lstStyle>
@@ -3824,7 +3970,7 @@
             </a:lvl9pPr>
           </a:lstStyle>
           <a:p>
-            <a:pPr indent="0" lvl="0" marL="0" rtl="0" algn="r">
+            <a:pPr marL="0" lvl="0" indent="0" algn="r" rtl="0">
               <a:spcBef>
                 <a:spcPts val="0"/>
               </a:spcBef>
@@ -3850,11 +3996,11 @@
 </file>
 
 <file path=ppt/slideLayouts/slideLayout3.xml><?xml version="1.0" encoding="utf-8"?>
-<p:sldLayout xmlns:a="http://schemas.openxmlformats.org/drawingml/2006/main" xmlns:r="http://schemas.openxmlformats.org/officeDocument/2006/relationships" xmlns:mc="http://schemas.openxmlformats.org/markup-compatibility/2006" xmlns:mv="urn:schemas-microsoft-com:mac:vml" xmlns:p="http://schemas.openxmlformats.org/presentationml/2006/main" xmlns:c="http://schemas.openxmlformats.org/drawingml/2006/chart" xmlns:dgm="http://schemas.openxmlformats.org/drawingml/2006/diagram" xmlns:o="urn:schemas-microsoft-com:office:office" xmlns:v="urn:schemas-microsoft-com:vml" xmlns:pvml="urn:schemas-microsoft-com:office:powerpoint" xmlns:com="http://schemas.openxmlformats.org/drawingml/2006/compatibility" xmlns:p14="http://schemas.microsoft.com/office/powerpoint/2010/main" xmlns:p15="http://schemas.microsoft.com/office/powerpoint/2012/main" xmlns:ahyp="http://schemas.microsoft.com/office/drawing/2018/hyperlinkcolor" matchingName="Title and body" type="tx">
+<p:sldLayout xmlns:a="http://schemas.openxmlformats.org/drawingml/2006/main" xmlns:r="http://schemas.openxmlformats.org/officeDocument/2006/relationships" xmlns:p="http://schemas.openxmlformats.org/presentationml/2006/main" matchingName="Title and body" type="tx">
   <p:cSld name="TITLE_AND_BODY">
     <p:spTree>
       <p:nvGrpSpPr>
-        <p:cNvPr id="16" name="Shape 16"/>
+        <p:cNvPr id="1" name="Shape 16"/>
         <p:cNvGrpSpPr/>
         <p:nvPr/>
       </p:nvGrpSpPr>
@@ -3869,7 +4015,9 @@
       <p:sp>
         <p:nvSpPr>
           <p:cNvPr id="17" name="Google Shape;17;p4"/>
-          <p:cNvSpPr txBox="1"/>
+          <p:cNvSpPr txBox="1">
+            <a:spLocks noGrp="1"/>
+          </p:cNvSpPr>
           <p:nvPr>
             <p:ph type="title"/>
           </p:nvPr>
@@ -3884,7 +4032,7 @@
           </a:prstGeom>
         </p:spPr>
         <p:txBody>
-          <a:bodyPr anchorCtr="0" anchor="t" bIns="91425" lIns="91425" spcFirstLastPara="1" rIns="91425" wrap="square" tIns="91425">
+          <a:bodyPr spcFirstLastPara="1" wrap="square" lIns="91425" tIns="91425" rIns="91425" bIns="91425" anchor="t" anchorCtr="0">
             <a:normAutofit/>
           </a:bodyPr>
           <a:lstStyle>
@@ -3988,15 +4136,19 @@
               <a:defRPr/>
             </a:lvl9pPr>
           </a:lstStyle>
-          <a:p/>
+          <a:p>
+            <a:endParaRPr/>
+          </a:p>
         </p:txBody>
       </p:sp>
       <p:sp>
         <p:nvSpPr>
           <p:cNvPr id="18" name="Google Shape;18;p4"/>
-          <p:cNvSpPr txBox="1"/>
+          <p:cNvSpPr txBox="1">
+            <a:spLocks noGrp="1"/>
+          </p:cNvSpPr>
           <p:nvPr>
-            <p:ph idx="1" type="body"/>
+            <p:ph type="body" idx="1"/>
           </p:nvPr>
         </p:nvSpPr>
         <p:spPr>
@@ -4009,11 +4161,11 @@
           </a:prstGeom>
         </p:spPr>
         <p:txBody>
-          <a:bodyPr anchorCtr="0" anchor="t" bIns="91425" lIns="91425" spcFirstLastPara="1" rIns="91425" wrap="square" tIns="91425">
+          <a:bodyPr spcFirstLastPara="1" wrap="square" lIns="91425" tIns="91425" rIns="91425" bIns="91425" anchor="t" anchorCtr="0">
             <a:normAutofit/>
           </a:bodyPr>
           <a:lstStyle>
-            <a:lvl1pPr indent="-342900" lvl="0" marL="457200">
+            <a:lvl1pPr marL="457200" lvl="0" indent="-342900">
               <a:spcBef>
                 <a:spcPts val="0"/>
               </a:spcBef>
@@ -4024,7 +4176,7 @@
               <a:buChar char="●"/>
               <a:defRPr/>
             </a:lvl1pPr>
-            <a:lvl2pPr indent="-317500" lvl="1" marL="914400">
+            <a:lvl2pPr marL="914400" lvl="1" indent="-317500">
               <a:spcBef>
                 <a:spcPts val="0"/>
               </a:spcBef>
@@ -4035,7 +4187,7 @@
               <a:buChar char="○"/>
               <a:defRPr/>
             </a:lvl2pPr>
-            <a:lvl3pPr indent="-317500" lvl="2" marL="1371600">
+            <a:lvl3pPr marL="1371600" lvl="2" indent="-317500">
               <a:spcBef>
                 <a:spcPts val="0"/>
               </a:spcBef>
@@ -4046,7 +4198,7 @@
               <a:buChar char="■"/>
               <a:defRPr/>
             </a:lvl3pPr>
-            <a:lvl4pPr indent="-317500" lvl="3" marL="1828800">
+            <a:lvl4pPr marL="1828800" lvl="3" indent="-317500">
               <a:spcBef>
                 <a:spcPts val="0"/>
               </a:spcBef>
@@ -4057,7 +4209,7 @@
               <a:buChar char="●"/>
               <a:defRPr/>
             </a:lvl4pPr>
-            <a:lvl5pPr indent="-317500" lvl="4" marL="2286000">
+            <a:lvl5pPr marL="2286000" lvl="4" indent="-317500">
               <a:spcBef>
                 <a:spcPts val="0"/>
               </a:spcBef>
@@ -4068,7 +4220,7 @@
               <a:buChar char="○"/>
               <a:defRPr/>
             </a:lvl5pPr>
-            <a:lvl6pPr indent="-317500" lvl="5" marL="2743200">
+            <a:lvl6pPr marL="2743200" lvl="5" indent="-317500">
               <a:spcBef>
                 <a:spcPts val="0"/>
               </a:spcBef>
@@ -4079,7 +4231,7 @@
               <a:buChar char="■"/>
               <a:defRPr/>
             </a:lvl6pPr>
-            <a:lvl7pPr indent="-317500" lvl="6" marL="3200400">
+            <a:lvl7pPr marL="3200400" lvl="6" indent="-317500">
               <a:spcBef>
                 <a:spcPts val="0"/>
               </a:spcBef>
@@ -4090,7 +4242,7 @@
               <a:buChar char="●"/>
               <a:defRPr/>
             </a:lvl7pPr>
-            <a:lvl8pPr indent="-317500" lvl="7" marL="3657600">
+            <a:lvl8pPr marL="3657600" lvl="7" indent="-317500">
               <a:spcBef>
                 <a:spcPts val="0"/>
               </a:spcBef>
@@ -4101,7 +4253,7 @@
               <a:buChar char="○"/>
               <a:defRPr/>
             </a:lvl8pPr>
-            <a:lvl9pPr indent="-317500" lvl="8" marL="4114800">
+            <a:lvl9pPr marL="4114800" lvl="8" indent="-317500">
               <a:spcBef>
                 <a:spcPts val="0"/>
               </a:spcBef>
@@ -4113,15 +4265,19 @@
               <a:defRPr/>
             </a:lvl9pPr>
           </a:lstStyle>
-          <a:p/>
+          <a:p>
+            <a:endParaRPr/>
+          </a:p>
         </p:txBody>
       </p:sp>
       <p:sp>
         <p:nvSpPr>
           <p:cNvPr id="19" name="Google Shape;19;p4"/>
-          <p:cNvSpPr txBox="1"/>
+          <p:cNvSpPr txBox="1">
+            <a:spLocks noGrp="1"/>
+          </p:cNvSpPr>
           <p:nvPr>
-            <p:ph idx="12" type="sldNum"/>
+            <p:ph type="sldNum" idx="12"/>
           </p:nvPr>
         </p:nvSpPr>
         <p:spPr>
@@ -4134,7 +4290,7 @@
           </a:prstGeom>
         </p:spPr>
         <p:txBody>
-          <a:bodyPr anchorCtr="0" anchor="ctr" bIns="91425" lIns="91425" spcFirstLastPara="1" rIns="91425" wrap="square" tIns="91425">
+          <a:bodyPr spcFirstLastPara="1" wrap="square" lIns="91425" tIns="91425" rIns="91425" bIns="91425" anchor="ctr" anchorCtr="0">
             <a:normAutofit/>
           </a:bodyPr>
           <a:lstStyle>
@@ -4176,7 +4332,7 @@
             </a:lvl9pPr>
           </a:lstStyle>
           <a:p>
-            <a:pPr indent="0" lvl="0" marL="0" rtl="0" algn="r">
+            <a:pPr marL="0" lvl="0" indent="0" algn="r" rtl="0">
               <a:spcBef>
                 <a:spcPts val="0"/>
               </a:spcBef>
@@ -4202,11 +4358,11 @@
 </file>
 
 <file path=ppt/slideLayouts/slideLayout4.xml><?xml version="1.0" encoding="utf-8"?>
-<p:sldLayout xmlns:a="http://schemas.openxmlformats.org/drawingml/2006/main" xmlns:r="http://schemas.openxmlformats.org/officeDocument/2006/relationships" xmlns:mc="http://schemas.openxmlformats.org/markup-compatibility/2006" xmlns:mv="urn:schemas-microsoft-com:mac:vml" xmlns:p="http://schemas.openxmlformats.org/presentationml/2006/main" xmlns:c="http://schemas.openxmlformats.org/drawingml/2006/chart" xmlns:dgm="http://schemas.openxmlformats.org/drawingml/2006/diagram" xmlns:o="urn:schemas-microsoft-com:office:office" xmlns:v="urn:schemas-microsoft-com:vml" xmlns:pvml="urn:schemas-microsoft-com:office:powerpoint" xmlns:com="http://schemas.openxmlformats.org/drawingml/2006/compatibility" xmlns:p14="http://schemas.microsoft.com/office/powerpoint/2010/main" xmlns:p15="http://schemas.microsoft.com/office/powerpoint/2012/main" xmlns:ahyp="http://schemas.microsoft.com/office/drawing/2018/hyperlinkcolor" matchingName="Title and two columns" type="twoColTx">
+<p:sldLayout xmlns:a="http://schemas.openxmlformats.org/drawingml/2006/main" xmlns:r="http://schemas.openxmlformats.org/officeDocument/2006/relationships" xmlns:p="http://schemas.openxmlformats.org/presentationml/2006/main" matchingName="Title and two columns" type="twoColTx">
   <p:cSld name="TITLE_AND_TWO_COLUMNS">
     <p:spTree>
       <p:nvGrpSpPr>
-        <p:cNvPr id="20" name="Shape 20"/>
+        <p:cNvPr id="1" name="Shape 20"/>
         <p:cNvGrpSpPr/>
         <p:nvPr/>
       </p:nvGrpSpPr>
@@ -4221,7 +4377,9 @@
       <p:sp>
         <p:nvSpPr>
           <p:cNvPr id="21" name="Google Shape;21;p5"/>
-          <p:cNvSpPr txBox="1"/>
+          <p:cNvSpPr txBox="1">
+            <a:spLocks noGrp="1"/>
+          </p:cNvSpPr>
           <p:nvPr>
             <p:ph type="title"/>
           </p:nvPr>
@@ -4236,7 +4394,7 @@
           </a:prstGeom>
         </p:spPr>
         <p:txBody>
-          <a:bodyPr anchorCtr="0" anchor="t" bIns="91425" lIns="91425" spcFirstLastPara="1" rIns="91425" wrap="square" tIns="91425">
+          <a:bodyPr spcFirstLastPara="1" wrap="square" lIns="91425" tIns="91425" rIns="91425" bIns="91425" anchor="t" anchorCtr="0">
             <a:normAutofit/>
           </a:bodyPr>
           <a:lstStyle>
@@ -4340,15 +4498,19 @@
               <a:defRPr/>
             </a:lvl9pPr>
           </a:lstStyle>
-          <a:p/>
+          <a:p>
+            <a:endParaRPr/>
+          </a:p>
         </p:txBody>
       </p:sp>
       <p:sp>
         <p:nvSpPr>
           <p:cNvPr id="22" name="Google Shape;22;p5"/>
-          <p:cNvSpPr txBox="1"/>
+          <p:cNvSpPr txBox="1">
+            <a:spLocks noGrp="1"/>
+          </p:cNvSpPr>
           <p:nvPr>
-            <p:ph idx="1" type="body"/>
+            <p:ph type="body" idx="1"/>
           </p:nvPr>
         </p:nvSpPr>
         <p:spPr>
@@ -4361,11 +4523,11 @@
           </a:prstGeom>
         </p:spPr>
         <p:txBody>
-          <a:bodyPr anchorCtr="0" anchor="t" bIns="91425" lIns="91425" spcFirstLastPara="1" rIns="91425" wrap="square" tIns="91425">
+          <a:bodyPr spcFirstLastPara="1" wrap="square" lIns="91425" tIns="91425" rIns="91425" bIns="91425" anchor="t" anchorCtr="0">
             <a:normAutofit/>
           </a:bodyPr>
           <a:lstStyle>
-            <a:lvl1pPr indent="-317500" lvl="0" marL="457200">
+            <a:lvl1pPr marL="457200" lvl="0" indent="-317500">
               <a:spcBef>
                 <a:spcPts val="0"/>
               </a:spcBef>
@@ -4376,7 +4538,7 @@
               <a:buChar char="●"/>
               <a:defRPr sz="1400"/>
             </a:lvl1pPr>
-            <a:lvl2pPr indent="-304800" lvl="1" marL="914400">
+            <a:lvl2pPr marL="914400" lvl="1" indent="-304800">
               <a:spcBef>
                 <a:spcPts val="0"/>
               </a:spcBef>
@@ -4387,7 +4549,7 @@
               <a:buChar char="○"/>
               <a:defRPr sz="1200"/>
             </a:lvl2pPr>
-            <a:lvl3pPr indent="-304800" lvl="2" marL="1371600">
+            <a:lvl3pPr marL="1371600" lvl="2" indent="-304800">
               <a:spcBef>
                 <a:spcPts val="0"/>
               </a:spcBef>
@@ -4398,7 +4560,7 @@
               <a:buChar char="■"/>
               <a:defRPr sz="1200"/>
             </a:lvl3pPr>
-            <a:lvl4pPr indent="-304800" lvl="3" marL="1828800">
+            <a:lvl4pPr marL="1828800" lvl="3" indent="-304800">
               <a:spcBef>
                 <a:spcPts val="0"/>
               </a:spcBef>
@@ -4409,7 +4571,7 @@
               <a:buChar char="●"/>
               <a:defRPr sz="1200"/>
             </a:lvl4pPr>
-            <a:lvl5pPr indent="-304800" lvl="4" marL="2286000">
+            <a:lvl5pPr marL="2286000" lvl="4" indent="-304800">
               <a:spcBef>
                 <a:spcPts val="0"/>
               </a:spcBef>
@@ -4420,7 +4582,7 @@
               <a:buChar char="○"/>
               <a:defRPr sz="1200"/>
             </a:lvl5pPr>
-            <a:lvl6pPr indent="-304800" lvl="5" marL="2743200">
+            <a:lvl6pPr marL="2743200" lvl="5" indent="-304800">
               <a:spcBef>
                 <a:spcPts val="0"/>
               </a:spcBef>
@@ -4431,7 +4593,7 @@
               <a:buChar char="■"/>
               <a:defRPr sz="1200"/>
             </a:lvl6pPr>
-            <a:lvl7pPr indent="-304800" lvl="6" marL="3200400">
+            <a:lvl7pPr marL="3200400" lvl="6" indent="-304800">
               <a:spcBef>
                 <a:spcPts val="0"/>
               </a:spcBef>
@@ -4442,7 +4604,7 @@
               <a:buChar char="●"/>
               <a:defRPr sz="1200"/>
             </a:lvl7pPr>
-            <a:lvl8pPr indent="-304800" lvl="7" marL="3657600">
+            <a:lvl8pPr marL="3657600" lvl="7" indent="-304800">
               <a:spcBef>
                 <a:spcPts val="0"/>
               </a:spcBef>
@@ -4453,7 +4615,7 @@
               <a:buChar char="○"/>
               <a:defRPr sz="1200"/>
             </a:lvl8pPr>
-            <a:lvl9pPr indent="-304800" lvl="8" marL="4114800">
+            <a:lvl9pPr marL="4114800" lvl="8" indent="-304800">
               <a:spcBef>
                 <a:spcPts val="0"/>
               </a:spcBef>
@@ -4465,15 +4627,19 @@
               <a:defRPr sz="1200"/>
             </a:lvl9pPr>
           </a:lstStyle>
-          <a:p/>
+          <a:p>
+            <a:endParaRPr/>
+          </a:p>
         </p:txBody>
       </p:sp>
       <p:sp>
         <p:nvSpPr>
           <p:cNvPr id="23" name="Google Shape;23;p5"/>
-          <p:cNvSpPr txBox="1"/>
+          <p:cNvSpPr txBox="1">
+            <a:spLocks noGrp="1"/>
+          </p:cNvSpPr>
           <p:nvPr>
-            <p:ph idx="2" type="body"/>
+            <p:ph type="body" idx="2"/>
           </p:nvPr>
         </p:nvSpPr>
         <p:spPr>
@@ -4486,11 +4652,11 @@
           </a:prstGeom>
         </p:spPr>
         <p:txBody>
-          <a:bodyPr anchorCtr="0" anchor="t" bIns="91425" lIns="91425" spcFirstLastPara="1" rIns="91425" wrap="square" tIns="91425">
+          <a:bodyPr spcFirstLastPara="1" wrap="square" lIns="91425" tIns="91425" rIns="91425" bIns="91425" anchor="t" anchorCtr="0">
             <a:normAutofit/>
           </a:bodyPr>
           <a:lstStyle>
-            <a:lvl1pPr indent="-317500" lvl="0" marL="457200">
+            <a:lvl1pPr marL="457200" lvl="0" indent="-317500">
               <a:spcBef>
                 <a:spcPts val="0"/>
               </a:spcBef>
@@ -4501,7 +4667,7 @@
               <a:buChar char="●"/>
               <a:defRPr sz="1400"/>
             </a:lvl1pPr>
-            <a:lvl2pPr indent="-304800" lvl="1" marL="914400">
+            <a:lvl2pPr marL="914400" lvl="1" indent="-304800">
               <a:spcBef>
                 <a:spcPts val="0"/>
               </a:spcBef>
@@ -4512,7 +4678,7 @@
               <a:buChar char="○"/>
               <a:defRPr sz="1200"/>
             </a:lvl2pPr>
-            <a:lvl3pPr indent="-304800" lvl="2" marL="1371600">
+            <a:lvl3pPr marL="1371600" lvl="2" indent="-304800">
               <a:spcBef>
                 <a:spcPts val="0"/>
               </a:spcBef>
@@ -4523,7 +4689,7 @@
               <a:buChar char="■"/>
               <a:defRPr sz="1200"/>
             </a:lvl3pPr>
-            <a:lvl4pPr indent="-304800" lvl="3" marL="1828800">
+            <a:lvl4pPr marL="1828800" lvl="3" indent="-304800">
               <a:spcBef>
                 <a:spcPts val="0"/>
               </a:spcBef>
@@ -4534,7 +4700,7 @@
               <a:buChar char="●"/>
               <a:defRPr sz="1200"/>
             </a:lvl4pPr>
-            <a:lvl5pPr indent="-304800" lvl="4" marL="2286000">
+            <a:lvl5pPr marL="2286000" lvl="4" indent="-304800">
               <a:spcBef>
                 <a:spcPts val="0"/>
               </a:spcBef>
@@ -4545,7 +4711,7 @@
               <a:buChar char="○"/>
               <a:defRPr sz="1200"/>
             </a:lvl5pPr>
-            <a:lvl6pPr indent="-304800" lvl="5" marL="2743200">
+            <a:lvl6pPr marL="2743200" lvl="5" indent="-304800">
               <a:spcBef>
                 <a:spcPts val="0"/>
               </a:spcBef>
@@ -4556,7 +4722,7 @@
               <a:buChar char="■"/>
               <a:defRPr sz="1200"/>
             </a:lvl6pPr>
-            <a:lvl7pPr indent="-304800" lvl="6" marL="3200400">
+            <a:lvl7pPr marL="3200400" lvl="6" indent="-304800">
               <a:spcBef>
                 <a:spcPts val="0"/>
               </a:spcBef>
@@ -4567,7 +4733,7 @@
               <a:buChar char="●"/>
               <a:defRPr sz="1200"/>
             </a:lvl7pPr>
-            <a:lvl8pPr indent="-304800" lvl="7" marL="3657600">
+            <a:lvl8pPr marL="3657600" lvl="7" indent="-304800">
               <a:spcBef>
                 <a:spcPts val="0"/>
               </a:spcBef>
@@ -4578,7 +4744,7 @@
               <a:buChar char="○"/>
               <a:defRPr sz="1200"/>
             </a:lvl8pPr>
-            <a:lvl9pPr indent="-304800" lvl="8" marL="4114800">
+            <a:lvl9pPr marL="4114800" lvl="8" indent="-304800">
               <a:spcBef>
                 <a:spcPts val="0"/>
               </a:spcBef>
@@ -4590,15 +4756,19 @@
               <a:defRPr sz="1200"/>
             </a:lvl9pPr>
           </a:lstStyle>
-          <a:p/>
+          <a:p>
+            <a:endParaRPr/>
+          </a:p>
         </p:txBody>
       </p:sp>
       <p:sp>
         <p:nvSpPr>
           <p:cNvPr id="24" name="Google Shape;24;p5"/>
-          <p:cNvSpPr txBox="1"/>
+          <p:cNvSpPr txBox="1">
+            <a:spLocks noGrp="1"/>
+          </p:cNvSpPr>
           <p:nvPr>
-            <p:ph idx="12" type="sldNum"/>
+            <p:ph type="sldNum" idx="12"/>
           </p:nvPr>
         </p:nvSpPr>
         <p:spPr>
@@ -4611,7 +4781,7 @@
           </a:prstGeom>
         </p:spPr>
         <p:txBody>
-          <a:bodyPr anchorCtr="0" anchor="ctr" bIns="91425" lIns="91425" spcFirstLastPara="1" rIns="91425" wrap="square" tIns="91425">
+          <a:bodyPr spcFirstLastPara="1" wrap="square" lIns="91425" tIns="91425" rIns="91425" bIns="91425" anchor="ctr" anchorCtr="0">
             <a:normAutofit/>
           </a:bodyPr>
           <a:lstStyle>
@@ -4653,7 +4823,7 @@
             </a:lvl9pPr>
           </a:lstStyle>
           <a:p>
-            <a:pPr indent="0" lvl="0" marL="0" rtl="0" algn="r">
+            <a:pPr marL="0" lvl="0" indent="0" algn="r" rtl="0">
               <a:spcBef>
                 <a:spcPts val="0"/>
               </a:spcBef>
@@ -4679,11 +4849,11 @@
 </file>
 
 <file path=ppt/slideLayouts/slideLayout5.xml><?xml version="1.0" encoding="utf-8"?>
-<p:sldLayout xmlns:a="http://schemas.openxmlformats.org/drawingml/2006/main" xmlns:r="http://schemas.openxmlformats.org/officeDocument/2006/relationships" xmlns:mc="http://schemas.openxmlformats.org/markup-compatibility/2006" xmlns:mv="urn:schemas-microsoft-com:mac:vml" xmlns:p="http://schemas.openxmlformats.org/presentationml/2006/main" xmlns:c="http://schemas.openxmlformats.org/drawingml/2006/chart" xmlns:dgm="http://schemas.openxmlformats.org/drawingml/2006/diagram" xmlns:o="urn:schemas-microsoft-com:office:office" xmlns:v="urn:schemas-microsoft-com:vml" xmlns:pvml="urn:schemas-microsoft-com:office:powerpoint" xmlns:com="http://schemas.openxmlformats.org/drawingml/2006/compatibility" xmlns:p14="http://schemas.microsoft.com/office/powerpoint/2010/main" xmlns:p15="http://schemas.microsoft.com/office/powerpoint/2012/main" xmlns:ahyp="http://schemas.microsoft.com/office/drawing/2018/hyperlinkcolor" matchingName="Title only" type="titleOnly">
+<p:sldLayout xmlns:a="http://schemas.openxmlformats.org/drawingml/2006/main" xmlns:r="http://schemas.openxmlformats.org/officeDocument/2006/relationships" xmlns:p="http://schemas.openxmlformats.org/presentationml/2006/main" matchingName="Title only" type="titleOnly">
   <p:cSld name="TITLE_ONLY">
     <p:spTree>
       <p:nvGrpSpPr>
-        <p:cNvPr id="25" name="Shape 25"/>
+        <p:cNvPr id="1" name="Shape 25"/>
         <p:cNvGrpSpPr/>
         <p:nvPr/>
       </p:nvGrpSpPr>
@@ -4698,7 +4868,9 @@
       <p:sp>
         <p:nvSpPr>
           <p:cNvPr id="26" name="Google Shape;26;p6"/>
-          <p:cNvSpPr txBox="1"/>
+          <p:cNvSpPr txBox="1">
+            <a:spLocks noGrp="1"/>
+          </p:cNvSpPr>
           <p:nvPr>
             <p:ph type="title"/>
           </p:nvPr>
@@ -4713,7 +4885,7 @@
           </a:prstGeom>
         </p:spPr>
         <p:txBody>
-          <a:bodyPr anchorCtr="0" anchor="t" bIns="91425" lIns="91425" spcFirstLastPara="1" rIns="91425" wrap="square" tIns="91425">
+          <a:bodyPr spcFirstLastPara="1" wrap="square" lIns="91425" tIns="91425" rIns="91425" bIns="91425" anchor="t" anchorCtr="0">
             <a:normAutofit/>
           </a:bodyPr>
           <a:lstStyle>
@@ -4817,15 +4989,19 @@
               <a:defRPr/>
             </a:lvl9pPr>
           </a:lstStyle>
-          <a:p/>
+          <a:p>
+            <a:endParaRPr/>
+          </a:p>
         </p:txBody>
       </p:sp>
       <p:sp>
         <p:nvSpPr>
           <p:cNvPr id="27" name="Google Shape;27;p6"/>
-          <p:cNvSpPr txBox="1"/>
+          <p:cNvSpPr txBox="1">
+            <a:spLocks noGrp="1"/>
+          </p:cNvSpPr>
           <p:nvPr>
-            <p:ph idx="12" type="sldNum"/>
+            <p:ph type="sldNum" idx="12"/>
           </p:nvPr>
         </p:nvSpPr>
         <p:spPr>
@@ -4838,7 +5014,7 @@
           </a:prstGeom>
         </p:spPr>
         <p:txBody>
-          <a:bodyPr anchorCtr="0" anchor="ctr" bIns="91425" lIns="91425" spcFirstLastPara="1" rIns="91425" wrap="square" tIns="91425">
+          <a:bodyPr spcFirstLastPara="1" wrap="square" lIns="91425" tIns="91425" rIns="91425" bIns="91425" anchor="ctr" anchorCtr="0">
             <a:normAutofit/>
           </a:bodyPr>
           <a:lstStyle>
@@ -4880,7 +5056,7 @@
             </a:lvl9pPr>
           </a:lstStyle>
           <a:p>
-            <a:pPr indent="0" lvl="0" marL="0" rtl="0" algn="r">
+            <a:pPr marL="0" lvl="0" indent="0" algn="r" rtl="0">
               <a:spcBef>
                 <a:spcPts val="0"/>
               </a:spcBef>
@@ -4906,11 +5082,11 @@
 </file>
 
 <file path=ppt/slideLayouts/slideLayout6.xml><?xml version="1.0" encoding="utf-8"?>
-<p:sldLayout xmlns:a="http://schemas.openxmlformats.org/drawingml/2006/main" xmlns:r="http://schemas.openxmlformats.org/officeDocument/2006/relationships" xmlns:mc="http://schemas.openxmlformats.org/markup-compatibility/2006" xmlns:mv="urn:schemas-microsoft-com:mac:vml" xmlns:p="http://schemas.openxmlformats.org/presentationml/2006/main" xmlns:c="http://schemas.openxmlformats.org/drawingml/2006/chart" xmlns:dgm="http://schemas.openxmlformats.org/drawingml/2006/diagram" xmlns:o="urn:schemas-microsoft-com:office:office" xmlns:v="urn:schemas-microsoft-com:vml" xmlns:pvml="urn:schemas-microsoft-com:office:powerpoint" xmlns:com="http://schemas.openxmlformats.org/drawingml/2006/compatibility" xmlns:p14="http://schemas.microsoft.com/office/powerpoint/2010/main" xmlns:p15="http://schemas.microsoft.com/office/powerpoint/2012/main" xmlns:ahyp="http://schemas.microsoft.com/office/drawing/2018/hyperlinkcolor" matchingName="One column text">
+<p:sldLayout xmlns:a="http://schemas.openxmlformats.org/drawingml/2006/main" xmlns:r="http://schemas.openxmlformats.org/officeDocument/2006/relationships" xmlns:p="http://schemas.openxmlformats.org/presentationml/2006/main" matchingName="One column text">
   <p:cSld name="ONE_COLUMN_TEXT">
     <p:spTree>
       <p:nvGrpSpPr>
-        <p:cNvPr id="28" name="Shape 28"/>
+        <p:cNvPr id="1" name="Shape 28"/>
         <p:cNvGrpSpPr/>
         <p:nvPr/>
       </p:nvGrpSpPr>
@@ -4925,7 +5101,9 @@
       <p:sp>
         <p:nvSpPr>
           <p:cNvPr id="29" name="Google Shape;29;p7"/>
-          <p:cNvSpPr txBox="1"/>
+          <p:cNvSpPr txBox="1">
+            <a:spLocks noGrp="1"/>
+          </p:cNvSpPr>
           <p:nvPr>
             <p:ph type="title"/>
           </p:nvPr>
@@ -4940,7 +5118,7 @@
           </a:prstGeom>
         </p:spPr>
         <p:txBody>
-          <a:bodyPr anchorCtr="0" anchor="b" bIns="91425" lIns="91425" spcFirstLastPara="1" rIns="91425" wrap="square" tIns="91425">
+          <a:bodyPr spcFirstLastPara="1" wrap="square" lIns="91425" tIns="91425" rIns="91425" bIns="91425" anchor="b" anchorCtr="0">
             <a:normAutofit/>
           </a:bodyPr>
           <a:lstStyle>
@@ -5044,15 +5222,19 @@
               <a:defRPr sz="2400"/>
             </a:lvl9pPr>
           </a:lstStyle>
-          <a:p/>
+          <a:p>
+            <a:endParaRPr/>
+          </a:p>
         </p:txBody>
       </p:sp>
       <p:sp>
         <p:nvSpPr>
           <p:cNvPr id="30" name="Google Shape;30;p7"/>
-          <p:cNvSpPr txBox="1"/>
+          <p:cNvSpPr txBox="1">
+            <a:spLocks noGrp="1"/>
+          </p:cNvSpPr>
           <p:nvPr>
-            <p:ph idx="1" type="body"/>
+            <p:ph type="body" idx="1"/>
           </p:nvPr>
         </p:nvSpPr>
         <p:spPr>
@@ -5065,11 +5247,11 @@
           </a:prstGeom>
         </p:spPr>
         <p:txBody>
-          <a:bodyPr anchorCtr="0" anchor="t" bIns="91425" lIns="91425" spcFirstLastPara="1" rIns="91425" wrap="square" tIns="91425">
+          <a:bodyPr spcFirstLastPara="1" wrap="square" lIns="91425" tIns="91425" rIns="91425" bIns="91425" anchor="t" anchorCtr="0">
             <a:normAutofit/>
           </a:bodyPr>
           <a:lstStyle>
-            <a:lvl1pPr indent="-304800" lvl="0" marL="457200">
+            <a:lvl1pPr marL="457200" lvl="0" indent="-304800">
               <a:spcBef>
                 <a:spcPts val="0"/>
               </a:spcBef>
@@ -5080,7 +5262,7 @@
               <a:buChar char="●"/>
               <a:defRPr sz="1200"/>
             </a:lvl1pPr>
-            <a:lvl2pPr indent="-304800" lvl="1" marL="914400">
+            <a:lvl2pPr marL="914400" lvl="1" indent="-304800">
               <a:spcBef>
                 <a:spcPts val="0"/>
               </a:spcBef>
@@ -5091,7 +5273,7 @@
               <a:buChar char="○"/>
               <a:defRPr sz="1200"/>
             </a:lvl2pPr>
-            <a:lvl3pPr indent="-304800" lvl="2" marL="1371600">
+            <a:lvl3pPr marL="1371600" lvl="2" indent="-304800">
               <a:spcBef>
                 <a:spcPts val="0"/>
               </a:spcBef>
@@ -5102,7 +5284,7 @@
               <a:buChar char="■"/>
               <a:defRPr sz="1200"/>
             </a:lvl3pPr>
-            <a:lvl4pPr indent="-304800" lvl="3" marL="1828800">
+            <a:lvl4pPr marL="1828800" lvl="3" indent="-304800">
               <a:spcBef>
                 <a:spcPts val="0"/>
               </a:spcBef>
@@ -5113,7 +5295,7 @@
               <a:buChar char="●"/>
               <a:defRPr sz="1200"/>
             </a:lvl4pPr>
-            <a:lvl5pPr indent="-304800" lvl="4" marL="2286000">
+            <a:lvl5pPr marL="2286000" lvl="4" indent="-304800">
               <a:spcBef>
                 <a:spcPts val="0"/>
               </a:spcBef>
@@ -5124,7 +5306,7 @@
               <a:buChar char="○"/>
               <a:defRPr sz="1200"/>
             </a:lvl5pPr>
-            <a:lvl6pPr indent="-304800" lvl="5" marL="2743200">
+            <a:lvl6pPr marL="2743200" lvl="5" indent="-304800">
               <a:spcBef>
                 <a:spcPts val="0"/>
               </a:spcBef>
@@ -5135,7 +5317,7 @@
               <a:buChar char="■"/>
               <a:defRPr sz="1200"/>
             </a:lvl6pPr>
-            <a:lvl7pPr indent="-304800" lvl="6" marL="3200400">
+            <a:lvl7pPr marL="3200400" lvl="6" indent="-304800">
               <a:spcBef>
                 <a:spcPts val="0"/>
               </a:spcBef>
@@ -5146,7 +5328,7 @@
               <a:buChar char="●"/>
               <a:defRPr sz="1200"/>
             </a:lvl7pPr>
-            <a:lvl8pPr indent="-304800" lvl="7" marL="3657600">
+            <a:lvl8pPr marL="3657600" lvl="7" indent="-304800">
               <a:spcBef>
                 <a:spcPts val="0"/>
               </a:spcBef>
@@ -5157,7 +5339,7 @@
               <a:buChar char="○"/>
               <a:defRPr sz="1200"/>
             </a:lvl8pPr>
-            <a:lvl9pPr indent="-304800" lvl="8" marL="4114800">
+            <a:lvl9pPr marL="4114800" lvl="8" indent="-304800">
               <a:spcBef>
                 <a:spcPts val="0"/>
               </a:spcBef>
@@ -5169,15 +5351,19 @@
               <a:defRPr sz="1200"/>
             </a:lvl9pPr>
           </a:lstStyle>
-          <a:p/>
+          <a:p>
+            <a:endParaRPr/>
+          </a:p>
         </p:txBody>
       </p:sp>
       <p:sp>
         <p:nvSpPr>
           <p:cNvPr id="31" name="Google Shape;31;p7"/>
-          <p:cNvSpPr txBox="1"/>
+          <p:cNvSpPr txBox="1">
+            <a:spLocks noGrp="1"/>
+          </p:cNvSpPr>
           <p:nvPr>
-            <p:ph idx="12" type="sldNum"/>
+            <p:ph type="sldNum" idx="12"/>
           </p:nvPr>
         </p:nvSpPr>
         <p:spPr>
@@ -5190,7 +5376,7 @@
           </a:prstGeom>
         </p:spPr>
         <p:txBody>
-          <a:bodyPr anchorCtr="0" anchor="ctr" bIns="91425" lIns="91425" spcFirstLastPara="1" rIns="91425" wrap="square" tIns="91425">
+          <a:bodyPr spcFirstLastPara="1" wrap="square" lIns="91425" tIns="91425" rIns="91425" bIns="91425" anchor="ctr" anchorCtr="0">
             <a:normAutofit/>
           </a:bodyPr>
           <a:lstStyle>
@@ -5232,7 +5418,7 @@
             </a:lvl9pPr>
           </a:lstStyle>
           <a:p>
-            <a:pPr indent="0" lvl="0" marL="0" rtl="0" algn="r">
+            <a:pPr marL="0" lvl="0" indent="0" algn="r" rtl="0">
               <a:spcBef>
                 <a:spcPts val="0"/>
               </a:spcBef>
@@ -5258,11 +5444,11 @@
 </file>
 
 <file path=ppt/slideLayouts/slideLayout7.xml><?xml version="1.0" encoding="utf-8"?>
-<p:sldLayout xmlns:a="http://schemas.openxmlformats.org/drawingml/2006/main" xmlns:r="http://schemas.openxmlformats.org/officeDocument/2006/relationships" xmlns:mc="http://schemas.openxmlformats.org/markup-compatibility/2006" xmlns:mv="urn:schemas-microsoft-com:mac:vml" xmlns:p="http://schemas.openxmlformats.org/presentationml/2006/main" xmlns:c="http://schemas.openxmlformats.org/drawingml/2006/chart" xmlns:dgm="http://schemas.openxmlformats.org/drawingml/2006/diagram" xmlns:o="urn:schemas-microsoft-com:office:office" xmlns:v="urn:schemas-microsoft-com:vml" xmlns:pvml="urn:schemas-microsoft-com:office:powerpoint" xmlns:com="http://schemas.openxmlformats.org/drawingml/2006/compatibility" xmlns:p14="http://schemas.microsoft.com/office/powerpoint/2010/main" xmlns:p15="http://schemas.microsoft.com/office/powerpoint/2012/main" xmlns:ahyp="http://schemas.microsoft.com/office/drawing/2018/hyperlinkcolor" matchingName="Main point">
+<p:sldLayout xmlns:a="http://schemas.openxmlformats.org/drawingml/2006/main" xmlns:r="http://schemas.openxmlformats.org/officeDocument/2006/relationships" xmlns:p="http://schemas.openxmlformats.org/presentationml/2006/main" matchingName="Main point">
   <p:cSld name="MAIN_POINT">
     <p:spTree>
       <p:nvGrpSpPr>
-        <p:cNvPr id="32" name="Shape 32"/>
+        <p:cNvPr id="1" name="Shape 32"/>
         <p:cNvGrpSpPr/>
         <p:nvPr/>
       </p:nvGrpSpPr>
@@ -5277,7 +5463,9 @@
       <p:sp>
         <p:nvSpPr>
           <p:cNvPr id="33" name="Google Shape;33;p8"/>
-          <p:cNvSpPr txBox="1"/>
+          <p:cNvSpPr txBox="1">
+            <a:spLocks noGrp="1"/>
+          </p:cNvSpPr>
           <p:nvPr>
             <p:ph type="title"/>
           </p:nvPr>
@@ -5292,7 +5480,7 @@
           </a:prstGeom>
         </p:spPr>
         <p:txBody>
-          <a:bodyPr anchorCtr="0" anchor="ctr" bIns="91425" lIns="91425" spcFirstLastPara="1" rIns="91425" wrap="square" tIns="91425">
+          <a:bodyPr spcFirstLastPara="1" wrap="square" lIns="91425" tIns="91425" rIns="91425" bIns="91425" anchor="ctr" anchorCtr="0">
             <a:normAutofit/>
           </a:bodyPr>
           <a:lstStyle>
@@ -5396,15 +5584,19 @@
               <a:defRPr sz="4800"/>
             </a:lvl9pPr>
           </a:lstStyle>
-          <a:p/>
+          <a:p>
+            <a:endParaRPr/>
+          </a:p>
         </p:txBody>
       </p:sp>
       <p:sp>
         <p:nvSpPr>
           <p:cNvPr id="34" name="Google Shape;34;p8"/>
-          <p:cNvSpPr txBox="1"/>
+          <p:cNvSpPr txBox="1">
+            <a:spLocks noGrp="1"/>
+          </p:cNvSpPr>
           <p:nvPr>
-            <p:ph idx="12" type="sldNum"/>
+            <p:ph type="sldNum" idx="12"/>
           </p:nvPr>
         </p:nvSpPr>
         <p:spPr>
@@ -5417,7 +5609,7 @@
           </a:prstGeom>
         </p:spPr>
         <p:txBody>
-          <a:bodyPr anchorCtr="0" anchor="ctr" bIns="91425" lIns="91425" spcFirstLastPara="1" rIns="91425" wrap="square" tIns="91425">
+          <a:bodyPr spcFirstLastPara="1" wrap="square" lIns="91425" tIns="91425" rIns="91425" bIns="91425" anchor="ctr" anchorCtr="0">
             <a:normAutofit/>
           </a:bodyPr>
           <a:lstStyle>
@@ -5459,7 +5651,7 @@
             </a:lvl9pPr>
           </a:lstStyle>
           <a:p>
-            <a:pPr indent="0" lvl="0" marL="0" rtl="0" algn="r">
+            <a:pPr marL="0" lvl="0" indent="0" algn="r" rtl="0">
               <a:spcBef>
                 <a:spcPts val="0"/>
               </a:spcBef>
@@ -5485,11 +5677,11 @@
 </file>
 
 <file path=ppt/slideLayouts/slideLayout8.xml><?xml version="1.0" encoding="utf-8"?>
-<p:sldLayout xmlns:a="http://schemas.openxmlformats.org/drawingml/2006/main" xmlns:r="http://schemas.openxmlformats.org/officeDocument/2006/relationships" xmlns:mc="http://schemas.openxmlformats.org/markup-compatibility/2006" xmlns:mv="urn:schemas-microsoft-com:mac:vml" xmlns:p="http://schemas.openxmlformats.org/presentationml/2006/main" xmlns:c="http://schemas.openxmlformats.org/drawingml/2006/chart" xmlns:dgm="http://schemas.openxmlformats.org/drawingml/2006/diagram" xmlns:o="urn:schemas-microsoft-com:office:office" xmlns:v="urn:schemas-microsoft-com:vml" xmlns:pvml="urn:schemas-microsoft-com:office:powerpoint" xmlns:com="http://schemas.openxmlformats.org/drawingml/2006/compatibility" xmlns:p14="http://schemas.microsoft.com/office/powerpoint/2010/main" xmlns:p15="http://schemas.microsoft.com/office/powerpoint/2012/main" xmlns:ahyp="http://schemas.microsoft.com/office/drawing/2018/hyperlinkcolor" matchingName="Section title and description">
+<p:sldLayout xmlns:a="http://schemas.openxmlformats.org/drawingml/2006/main" xmlns:r="http://schemas.openxmlformats.org/officeDocument/2006/relationships" xmlns:p="http://schemas.openxmlformats.org/presentationml/2006/main" matchingName="Section title and description">
   <p:cSld name="SECTION_TITLE_AND_DESCRIPTION">
     <p:spTree>
       <p:nvGrpSpPr>
-        <p:cNvPr id="35" name="Shape 35"/>
+        <p:cNvPr id="1" name="Shape 35"/>
         <p:cNvGrpSpPr/>
         <p:nvPr/>
       </p:nvGrpSpPr>
@@ -5523,23 +5715,20 @@
           </a:ln>
         </p:spPr>
         <p:txBody>
-          <a:bodyPr anchorCtr="0" anchor="ctr" bIns="91425" lIns="91425" spcFirstLastPara="1" rIns="91425" wrap="square" tIns="91425">
+          <a:bodyPr spcFirstLastPara="1" wrap="square" lIns="91425" tIns="91425" rIns="91425" bIns="91425" anchor="ctr" anchorCtr="0">
             <a:noAutofit/>
           </a:bodyPr>
           <a:lstStyle/>
           <a:p>
-            <a:pPr indent="0" lvl="0" marL="0" rtl="0" algn="l">
-              <a:spcBef>
-                <a:spcPts val="0"/>
-              </a:spcBef>
-              <a:spcAft>
-                <a:spcPts val="0"/>
-              </a:spcAft>
-              <a:buNone/>
-            </a:pPr>
-            <a:r>
-              <a:t/>
-            </a:r>
+            <a:pPr marL="0" lvl="0" indent="0" algn="l" rtl="0">
+              <a:spcBef>
+                <a:spcPts val="0"/>
+              </a:spcBef>
+              <a:spcAft>
+                <a:spcPts val="0"/>
+              </a:spcAft>
+              <a:buNone/>
+            </a:pPr>
             <a:endParaRPr/>
           </a:p>
         </p:txBody>
@@ -5547,7 +5736,9 @@
       <p:sp>
         <p:nvSpPr>
           <p:cNvPr id="37" name="Google Shape;37;p9"/>
-          <p:cNvSpPr txBox="1"/>
+          <p:cNvSpPr txBox="1">
+            <a:spLocks noGrp="1"/>
+          </p:cNvSpPr>
           <p:nvPr>
             <p:ph type="title"/>
           </p:nvPr>
@@ -5562,7 +5753,7 @@
           </a:prstGeom>
         </p:spPr>
         <p:txBody>
-          <a:bodyPr anchorCtr="0" anchor="b" bIns="91425" lIns="91425" spcFirstLastPara="1" rIns="91425" wrap="square" tIns="91425">
+          <a:bodyPr spcFirstLastPara="1" wrap="square" lIns="91425" tIns="91425" rIns="91425" bIns="91425" anchor="b" anchorCtr="0">
             <a:normAutofit/>
           </a:bodyPr>
           <a:lstStyle>
@@ -5666,15 +5857,19 @@
               <a:defRPr sz="4200"/>
             </a:lvl9pPr>
           </a:lstStyle>
-          <a:p/>
+          <a:p>
+            <a:endParaRPr/>
+          </a:p>
         </p:txBody>
       </p:sp>
       <p:sp>
         <p:nvSpPr>
           <p:cNvPr id="38" name="Google Shape;38;p9"/>
-          <p:cNvSpPr txBox="1"/>
+          <p:cNvSpPr txBox="1">
+            <a:spLocks noGrp="1"/>
+          </p:cNvSpPr>
           <p:nvPr>
-            <p:ph idx="1" type="subTitle"/>
+            <p:ph type="subTitle" idx="1"/>
           </p:nvPr>
         </p:nvSpPr>
         <p:spPr>
@@ -5687,7 +5882,7 @@
           </a:prstGeom>
         </p:spPr>
         <p:txBody>
-          <a:bodyPr anchorCtr="0" anchor="t" bIns="91425" lIns="91425" spcFirstLastPara="1" rIns="91425" wrap="square" tIns="91425">
+          <a:bodyPr spcFirstLastPara="1" wrap="square" lIns="91425" tIns="91425" rIns="91425" bIns="91425" anchor="t" anchorCtr="0">
             <a:normAutofit/>
           </a:bodyPr>
           <a:lstStyle>
@@ -5818,15 +6013,19 @@
               <a:defRPr sz="2100"/>
             </a:lvl9pPr>
           </a:lstStyle>
-          <a:p/>
+          <a:p>
+            <a:endParaRPr/>
+          </a:p>
         </p:txBody>
       </p:sp>
       <p:sp>
         <p:nvSpPr>
           <p:cNvPr id="39" name="Google Shape;39;p9"/>
-          <p:cNvSpPr txBox="1"/>
+          <p:cNvSpPr txBox="1">
+            <a:spLocks noGrp="1"/>
+          </p:cNvSpPr>
           <p:nvPr>
-            <p:ph idx="2" type="body"/>
+            <p:ph type="body" idx="2"/>
           </p:nvPr>
         </p:nvSpPr>
         <p:spPr>
@@ -5839,11 +6038,11 @@
           </a:prstGeom>
         </p:spPr>
         <p:txBody>
-          <a:bodyPr anchorCtr="0" anchor="ctr" bIns="91425" lIns="91425" spcFirstLastPara="1" rIns="91425" wrap="square" tIns="91425">
+          <a:bodyPr spcFirstLastPara="1" wrap="square" lIns="91425" tIns="91425" rIns="91425" bIns="91425" anchor="ctr" anchorCtr="0">
             <a:normAutofit/>
           </a:bodyPr>
           <a:lstStyle>
-            <a:lvl1pPr indent="-342900" lvl="0" marL="457200">
+            <a:lvl1pPr marL="457200" lvl="0" indent="-342900">
               <a:spcBef>
                 <a:spcPts val="0"/>
               </a:spcBef>
@@ -5854,7 +6053,7 @@
               <a:buChar char="●"/>
               <a:defRPr/>
             </a:lvl1pPr>
-            <a:lvl2pPr indent="-317500" lvl="1" marL="914400">
+            <a:lvl2pPr marL="914400" lvl="1" indent="-317500">
               <a:spcBef>
                 <a:spcPts val="0"/>
               </a:spcBef>
@@ -5865,7 +6064,7 @@
               <a:buChar char="○"/>
               <a:defRPr/>
             </a:lvl2pPr>
-            <a:lvl3pPr indent="-317500" lvl="2" marL="1371600">
+            <a:lvl3pPr marL="1371600" lvl="2" indent="-317500">
               <a:spcBef>
                 <a:spcPts val="0"/>
               </a:spcBef>
@@ -5876,7 +6075,7 @@
               <a:buChar char="■"/>
               <a:defRPr/>
             </a:lvl3pPr>
-            <a:lvl4pPr indent="-317500" lvl="3" marL="1828800">
+            <a:lvl4pPr marL="1828800" lvl="3" indent="-317500">
               <a:spcBef>
                 <a:spcPts val="0"/>
               </a:spcBef>
@@ -5887,7 +6086,7 @@
               <a:buChar char="●"/>
               <a:defRPr/>
             </a:lvl4pPr>
-            <a:lvl5pPr indent="-317500" lvl="4" marL="2286000">
+            <a:lvl5pPr marL="2286000" lvl="4" indent="-317500">
               <a:spcBef>
                 <a:spcPts val="0"/>
               </a:spcBef>
@@ -5898,7 +6097,7 @@
               <a:buChar char="○"/>
               <a:defRPr/>
             </a:lvl5pPr>
-            <a:lvl6pPr indent="-317500" lvl="5" marL="2743200">
+            <a:lvl6pPr marL="2743200" lvl="5" indent="-317500">
               <a:spcBef>
                 <a:spcPts val="0"/>
               </a:spcBef>
@@ -5909,7 +6108,7 @@
               <a:buChar char="■"/>
               <a:defRPr/>
             </a:lvl6pPr>
-            <a:lvl7pPr indent="-317500" lvl="6" marL="3200400">
+            <a:lvl7pPr marL="3200400" lvl="6" indent="-317500">
               <a:spcBef>
                 <a:spcPts val="0"/>
               </a:spcBef>
@@ -5920,7 +6119,7 @@
               <a:buChar char="●"/>
               <a:defRPr/>
             </a:lvl7pPr>
-            <a:lvl8pPr indent="-317500" lvl="7" marL="3657600">
+            <a:lvl8pPr marL="3657600" lvl="7" indent="-317500">
               <a:spcBef>
                 <a:spcPts val="0"/>
               </a:spcBef>
@@ -5931,7 +6130,7 @@
               <a:buChar char="○"/>
               <a:defRPr/>
             </a:lvl8pPr>
-            <a:lvl9pPr indent="-317500" lvl="8" marL="4114800">
+            <a:lvl9pPr marL="4114800" lvl="8" indent="-317500">
               <a:spcBef>
                 <a:spcPts val="0"/>
               </a:spcBef>
@@ -5943,15 +6142,19 @@
               <a:defRPr/>
             </a:lvl9pPr>
           </a:lstStyle>
-          <a:p/>
+          <a:p>
+            <a:endParaRPr/>
+          </a:p>
         </p:txBody>
       </p:sp>
       <p:sp>
         <p:nvSpPr>
           <p:cNvPr id="40" name="Google Shape;40;p9"/>
-          <p:cNvSpPr txBox="1"/>
+          <p:cNvSpPr txBox="1">
+            <a:spLocks noGrp="1"/>
+          </p:cNvSpPr>
           <p:nvPr>
-            <p:ph idx="12" type="sldNum"/>
+            <p:ph type="sldNum" idx="12"/>
           </p:nvPr>
         </p:nvSpPr>
         <p:spPr>
@@ -5964,7 +6167,7 @@
           </a:prstGeom>
         </p:spPr>
         <p:txBody>
-          <a:bodyPr anchorCtr="0" anchor="ctr" bIns="91425" lIns="91425" spcFirstLastPara="1" rIns="91425" wrap="square" tIns="91425">
+          <a:bodyPr spcFirstLastPara="1" wrap="square" lIns="91425" tIns="91425" rIns="91425" bIns="91425" anchor="ctr" anchorCtr="0">
             <a:normAutofit/>
           </a:bodyPr>
           <a:lstStyle>
@@ -6006,7 +6209,7 @@
             </a:lvl9pPr>
           </a:lstStyle>
           <a:p>
-            <a:pPr indent="0" lvl="0" marL="0" rtl="0" algn="r">
+            <a:pPr marL="0" lvl="0" indent="0" algn="r" rtl="0">
               <a:spcBef>
                 <a:spcPts val="0"/>
               </a:spcBef>
@@ -6032,11 +6235,11 @@
 </file>
 
 <file path=ppt/slideLayouts/slideLayout9.xml><?xml version="1.0" encoding="utf-8"?>
-<p:sldLayout xmlns:a="http://schemas.openxmlformats.org/drawingml/2006/main" xmlns:r="http://schemas.openxmlformats.org/officeDocument/2006/relationships" xmlns:mc="http://schemas.openxmlformats.org/markup-compatibility/2006" xmlns:mv="urn:schemas-microsoft-com:mac:vml" xmlns:p="http://schemas.openxmlformats.org/presentationml/2006/main" xmlns:c="http://schemas.openxmlformats.org/drawingml/2006/chart" xmlns:dgm="http://schemas.openxmlformats.org/drawingml/2006/diagram" xmlns:o="urn:schemas-microsoft-com:office:office" xmlns:v="urn:schemas-microsoft-com:vml" xmlns:pvml="urn:schemas-microsoft-com:office:powerpoint" xmlns:com="http://schemas.openxmlformats.org/drawingml/2006/compatibility" xmlns:p14="http://schemas.microsoft.com/office/powerpoint/2010/main" xmlns:p15="http://schemas.microsoft.com/office/powerpoint/2012/main" xmlns:ahyp="http://schemas.microsoft.com/office/drawing/2018/hyperlinkcolor" matchingName="Caption">
+<p:sldLayout xmlns:a="http://schemas.openxmlformats.org/drawingml/2006/main" xmlns:r="http://schemas.openxmlformats.org/officeDocument/2006/relationships" xmlns:p="http://schemas.openxmlformats.org/presentationml/2006/main" matchingName="Caption">
   <p:cSld name="CAPTION_ONLY">
     <p:spTree>
       <p:nvGrpSpPr>
-        <p:cNvPr id="41" name="Shape 41"/>
+        <p:cNvPr id="1" name="Shape 41"/>
         <p:cNvGrpSpPr/>
         <p:nvPr/>
       </p:nvGrpSpPr>
@@ -6051,9 +6254,11 @@
       <p:sp>
         <p:nvSpPr>
           <p:cNvPr id="42" name="Google Shape;42;p10"/>
-          <p:cNvSpPr txBox="1"/>
+          <p:cNvSpPr txBox="1">
+            <a:spLocks noGrp="1"/>
+          </p:cNvSpPr>
           <p:nvPr>
-            <p:ph idx="1" type="body"/>
+            <p:ph type="body" idx="1"/>
           </p:nvPr>
         </p:nvSpPr>
         <p:spPr>
@@ -6066,11 +6271,11 @@
           </a:prstGeom>
         </p:spPr>
         <p:txBody>
-          <a:bodyPr anchorCtr="0" anchor="ctr" bIns="91425" lIns="91425" spcFirstLastPara="1" rIns="91425" wrap="square" tIns="91425">
+          <a:bodyPr spcFirstLastPara="1" wrap="square" lIns="91425" tIns="91425" rIns="91425" bIns="91425" anchor="ctr" anchorCtr="0">
             <a:normAutofit/>
           </a:bodyPr>
           <a:lstStyle>
-            <a:lvl1pPr indent="-228600" lvl="0" marL="457200">
+            <a:lvl1pPr marL="457200" lvl="0" indent="-228600">
               <a:lnSpc>
                 <a:spcPct val="100000"/>
               </a:lnSpc>
@@ -6085,15 +6290,19 @@
               <a:defRPr/>
             </a:lvl1pPr>
           </a:lstStyle>
-          <a:p/>
+          <a:p>
+            <a:endParaRPr/>
+          </a:p>
         </p:txBody>
       </p:sp>
       <p:sp>
         <p:nvSpPr>
           <p:cNvPr id="43" name="Google Shape;43;p10"/>
-          <p:cNvSpPr txBox="1"/>
+          <p:cNvSpPr txBox="1">
+            <a:spLocks noGrp="1"/>
+          </p:cNvSpPr>
           <p:nvPr>
-            <p:ph idx="12" type="sldNum"/>
+            <p:ph type="sldNum" idx="12"/>
           </p:nvPr>
         </p:nvSpPr>
         <p:spPr>
@@ -6106,7 +6315,7 @@
           </a:prstGeom>
         </p:spPr>
         <p:txBody>
-          <a:bodyPr anchorCtr="0" anchor="ctr" bIns="91425" lIns="91425" spcFirstLastPara="1" rIns="91425" wrap="square" tIns="91425">
+          <a:bodyPr spcFirstLastPara="1" wrap="square" lIns="91425" tIns="91425" rIns="91425" bIns="91425" anchor="ctr" anchorCtr="0">
             <a:normAutofit/>
           </a:bodyPr>
           <a:lstStyle>
@@ -6148,7 +6357,7 @@
             </a:lvl9pPr>
           </a:lstStyle>
           <a:p>
-            <a:pPr indent="0" lvl="0" marL="0" rtl="0" algn="r">
+            <a:pPr marL="0" lvl="0" indent="0" algn="r" rtl="0">
               <a:spcBef>
                 <a:spcPts val="0"/>
               </a:spcBef>
@@ -6174,18 +6383,19 @@
 </file>
 
 <file path=ppt/slideMasters/slideMaster1.xml><?xml version="1.0" encoding="utf-8"?>
-<p:sldMaster xmlns:a="http://schemas.openxmlformats.org/drawingml/2006/main" xmlns:r="http://schemas.openxmlformats.org/officeDocument/2006/relationships" xmlns:mc="http://schemas.openxmlformats.org/markup-compatibility/2006" xmlns:mv="urn:schemas-microsoft-com:mac:vml" xmlns:p="http://schemas.openxmlformats.org/presentationml/2006/main" xmlns:c="http://schemas.openxmlformats.org/drawingml/2006/chart" xmlns:dgm="http://schemas.openxmlformats.org/drawingml/2006/diagram" xmlns:o="urn:schemas-microsoft-com:office:office" xmlns:v="urn:schemas-microsoft-com:vml" xmlns:pvml="urn:schemas-microsoft-com:office:powerpoint" xmlns:com="http://schemas.openxmlformats.org/drawingml/2006/compatibility" xmlns:p14="http://schemas.microsoft.com/office/powerpoint/2010/main" xmlns:p15="http://schemas.microsoft.com/office/powerpoint/2012/main" xmlns:ahyp="http://schemas.microsoft.com/office/drawing/2018/hyperlinkcolor">
+<p:sldMaster xmlns:a="http://schemas.openxmlformats.org/drawingml/2006/main" xmlns:r="http://schemas.openxmlformats.org/officeDocument/2006/relationships" xmlns:p="http://schemas.openxmlformats.org/presentationml/2006/main">
   <p:cSld name="simple-light-2">
     <p:bg>
       <p:bgPr>
         <a:solidFill>
           <a:schemeClr val="lt1"/>
         </a:solidFill>
+        <a:effectLst/>
       </p:bgPr>
     </p:bg>
     <p:spTree>
       <p:nvGrpSpPr>
-        <p:cNvPr id="5" name="Shape 5"/>
+        <p:cNvPr id="1" name="Shape 5"/>
         <p:cNvGrpSpPr/>
         <p:nvPr/>
       </p:nvGrpSpPr>
@@ -6200,7 +6410,9 @@
       <p:sp>
         <p:nvSpPr>
           <p:cNvPr id="6" name="Google Shape;6;p1"/>
-          <p:cNvSpPr txBox="1"/>
+          <p:cNvSpPr txBox="1">
+            <a:spLocks noGrp="1"/>
+          </p:cNvSpPr>
           <p:nvPr>
             <p:ph type="title"/>
           </p:nvPr>
@@ -6219,7 +6431,7 @@
           </a:ln>
         </p:spPr>
         <p:txBody>
-          <a:bodyPr anchorCtr="0" anchor="t" bIns="91425" lIns="91425" spcFirstLastPara="1" rIns="91425" wrap="square" tIns="91425">
+          <a:bodyPr spcFirstLastPara="1" wrap="square" lIns="91425" tIns="91425" rIns="91425" bIns="91425" anchor="t" anchorCtr="0">
             <a:normAutofit/>
           </a:bodyPr>
           <a:lstStyle>
@@ -6386,15 +6598,19 @@
               </a:defRPr>
             </a:lvl9pPr>
           </a:lstStyle>
-          <a:p/>
+          <a:p>
+            <a:endParaRPr/>
+          </a:p>
         </p:txBody>
       </p:sp>
       <p:sp>
         <p:nvSpPr>
           <p:cNvPr id="7" name="Google Shape;7;p1"/>
-          <p:cNvSpPr txBox="1"/>
+          <p:cNvSpPr txBox="1">
+            <a:spLocks noGrp="1"/>
+          </p:cNvSpPr>
           <p:nvPr>
-            <p:ph idx="1" type="body"/>
+            <p:ph type="body" idx="1"/>
           </p:nvPr>
         </p:nvSpPr>
         <p:spPr>
@@ -6411,11 +6627,11 @@
           </a:ln>
         </p:spPr>
         <p:txBody>
-          <a:bodyPr anchorCtr="0" anchor="t" bIns="91425" lIns="91425" spcFirstLastPara="1" rIns="91425" wrap="square" tIns="91425">
+          <a:bodyPr spcFirstLastPara="1" wrap="square" lIns="91425" tIns="91425" rIns="91425" bIns="91425" anchor="t" anchorCtr="0">
             <a:normAutofit/>
           </a:bodyPr>
           <a:lstStyle>
-            <a:lvl1pPr indent="-342900" lvl="0" marL="457200">
+            <a:lvl1pPr marL="457200" lvl="0" indent="-342900">
               <a:lnSpc>
                 <a:spcPct val="115000"/>
               </a:lnSpc>
@@ -6436,7 +6652,7 @@
                 </a:solidFill>
               </a:defRPr>
             </a:lvl1pPr>
-            <a:lvl2pPr indent="-317500" lvl="1" marL="914400">
+            <a:lvl2pPr marL="914400" lvl="1" indent="-317500">
               <a:lnSpc>
                 <a:spcPct val="115000"/>
               </a:lnSpc>
@@ -6457,7 +6673,7 @@
                 </a:solidFill>
               </a:defRPr>
             </a:lvl2pPr>
-            <a:lvl3pPr indent="-317500" lvl="2" marL="1371600">
+            <a:lvl3pPr marL="1371600" lvl="2" indent="-317500">
               <a:lnSpc>
                 <a:spcPct val="115000"/>
               </a:lnSpc>
@@ -6478,7 +6694,7 @@
                 </a:solidFill>
               </a:defRPr>
             </a:lvl3pPr>
-            <a:lvl4pPr indent="-317500" lvl="3" marL="1828800">
+            <a:lvl4pPr marL="1828800" lvl="3" indent="-317500">
               <a:lnSpc>
                 <a:spcPct val="115000"/>
               </a:lnSpc>
@@ -6499,7 +6715,7 @@
                 </a:solidFill>
               </a:defRPr>
             </a:lvl4pPr>
-            <a:lvl5pPr indent="-317500" lvl="4" marL="2286000">
+            <a:lvl5pPr marL="2286000" lvl="4" indent="-317500">
               <a:lnSpc>
                 <a:spcPct val="115000"/>
               </a:lnSpc>
@@ -6520,7 +6736,7 @@
                 </a:solidFill>
               </a:defRPr>
             </a:lvl5pPr>
-            <a:lvl6pPr indent="-317500" lvl="5" marL="2743200">
+            <a:lvl6pPr marL="2743200" lvl="5" indent="-317500">
               <a:lnSpc>
                 <a:spcPct val="115000"/>
               </a:lnSpc>
@@ -6541,7 +6757,7 @@
                 </a:solidFill>
               </a:defRPr>
             </a:lvl6pPr>
-            <a:lvl7pPr indent="-317500" lvl="6" marL="3200400">
+            <a:lvl7pPr marL="3200400" lvl="6" indent="-317500">
               <a:lnSpc>
                 <a:spcPct val="115000"/>
               </a:lnSpc>
@@ -6562,7 +6778,7 @@
                 </a:solidFill>
               </a:defRPr>
             </a:lvl7pPr>
-            <a:lvl8pPr indent="-317500" lvl="7" marL="3657600">
+            <a:lvl8pPr marL="3657600" lvl="7" indent="-317500">
               <a:lnSpc>
                 <a:spcPct val="115000"/>
               </a:lnSpc>
@@ -6583,7 +6799,7 @@
                 </a:solidFill>
               </a:defRPr>
             </a:lvl8pPr>
-            <a:lvl9pPr indent="-317500" lvl="8" marL="4114800">
+            <a:lvl9pPr marL="4114800" lvl="8" indent="-317500">
               <a:lnSpc>
                 <a:spcPct val="115000"/>
               </a:lnSpc>
@@ -6605,15 +6821,19 @@
               </a:defRPr>
             </a:lvl9pPr>
           </a:lstStyle>
-          <a:p/>
+          <a:p>
+            <a:endParaRPr/>
+          </a:p>
         </p:txBody>
       </p:sp>
       <p:sp>
         <p:nvSpPr>
           <p:cNvPr id="8" name="Google Shape;8;p1"/>
-          <p:cNvSpPr txBox="1"/>
+          <p:cNvSpPr txBox="1">
+            <a:spLocks noGrp="1"/>
+          </p:cNvSpPr>
           <p:nvPr>
-            <p:ph idx="12" type="sldNum"/>
+            <p:ph type="sldNum" idx="12"/>
           </p:nvPr>
         </p:nvSpPr>
         <p:spPr>
@@ -6630,7 +6850,7 @@
           </a:ln>
         </p:spPr>
         <p:txBody>
-          <a:bodyPr anchorCtr="0" anchor="ctr" bIns="91425" lIns="91425" spcFirstLastPara="1" rIns="91425" wrap="square" tIns="91425">
+          <a:bodyPr spcFirstLastPara="1" wrap="square" lIns="91425" tIns="91425" rIns="91425" bIns="91425" anchor="ctr" anchorCtr="0">
             <a:normAutofit/>
           </a:bodyPr>
           <a:lstStyle>
@@ -6708,7 +6928,7 @@
             </a:lvl9pPr>
           </a:lstStyle>
           <a:p>
-            <a:pPr indent="0" lvl="0" marL="0" rtl="0" algn="r">
+            <a:pPr marL="0" lvl="0" indent="0" algn="r" rtl="0">
               <a:spcBef>
                 <a:spcPts val="0"/>
               </a:spcBef>
@@ -6727,7 +6947,7 @@
       </p:sp>
     </p:spTree>
   </p:cSld>
-  <p:clrMap accent1="accent1" accent2="accent2" accent3="accent3" accent4="accent4" accent5="accent5" accent6="accent6" bg1="lt1" bg2="dk2" tx1="dk1" tx2="lt2" folHlink="folHlink" hlink="hlink"/>
+  <p:clrMap bg1="lt1" tx1="dk1" bg2="dk2" tx2="lt2" accent1="accent1" accent2="accent2" accent3="accent3" accent4="accent4" accent5="accent5" accent6="accent6" hlink="hlink" folHlink="folHlink"/>
   <p:sldLayoutIdLst>
     <p:sldLayoutId id="2147483648" r:id="rId1"/>
     <p:sldLayoutId id="2147483649" r:id="rId2"/>
@@ -6741,10 +6961,10 @@
     <p:sldLayoutId id="2147483657" r:id="rId10"/>
     <p:sldLayoutId id="2147483658" r:id="rId11"/>
   </p:sldLayoutIdLst>
-  <p:hf dt="0" ftr="0" hdr="0" sldNum="0"/>
+  <p:hf sldNum="0" hdr="0" ftr="0" dt="0"/>
   <p:txStyles>
     <p:titleStyle>
-      <a:defPPr lvl="0" marR="0" rtl="0" algn="l">
+      <a:defPPr marR="0" lvl="0" algn="l" rtl="0">
         <a:lnSpc>
           <a:spcPct val="100000"/>
         </a:lnSpc>
@@ -6755,7 +6975,7 @@
           <a:spcPts val="0"/>
         </a:spcAft>
       </a:defPPr>
-      <a:lvl1pPr lvl="0" marR="0" rtl="0" algn="l">
+      <a:lvl1pPr marR="0" lvl="0" algn="l" rtl="0">
         <a:lnSpc>
           <a:spcPct val="100000"/>
         </a:lnSpc>
@@ -6769,7 +6989,7 @@
           <a:srgbClr val="000000"/>
         </a:buClr>
         <a:buFont typeface="Arial"/>
-        <a:defRPr b="0" i="0" sz="1400" u="none" cap="none" strike="noStrike">
+        <a:defRPr sz="1400" b="0" i="0" u="none" strike="noStrike" cap="none">
           <a:solidFill>
             <a:srgbClr val="000000"/>
           </a:solidFill>
@@ -6779,7 +6999,7 @@
           <a:sym typeface="Arial"/>
         </a:defRPr>
       </a:lvl1pPr>
-      <a:lvl2pPr lvl="1" marR="0" rtl="0" algn="l">
+      <a:lvl2pPr marR="0" lvl="1" algn="l" rtl="0">
         <a:lnSpc>
           <a:spcPct val="100000"/>
         </a:lnSpc>
@@ -6793,7 +7013,7 @@
           <a:srgbClr val="000000"/>
         </a:buClr>
         <a:buFont typeface="Arial"/>
-        <a:defRPr b="0" i="0" sz="1400" u="none" cap="none" strike="noStrike">
+        <a:defRPr sz="1400" b="0" i="0" u="none" strike="noStrike" cap="none">
           <a:solidFill>
             <a:srgbClr val="000000"/>
           </a:solidFill>
@@ -6803,7 +7023,7 @@
           <a:sym typeface="Arial"/>
         </a:defRPr>
       </a:lvl2pPr>
-      <a:lvl3pPr lvl="2" marR="0" rtl="0" algn="l">
+      <a:lvl3pPr marR="0" lvl="2" algn="l" rtl="0">
         <a:lnSpc>
           <a:spcPct val="100000"/>
         </a:lnSpc>
@@ -6817,7 +7037,7 @@
           <a:srgbClr val="000000"/>
         </a:buClr>
         <a:buFont typeface="Arial"/>
-        <a:defRPr b="0" i="0" sz="1400" u="none" cap="none" strike="noStrike">
+        <a:defRPr sz="1400" b="0" i="0" u="none" strike="noStrike" cap="none">
           <a:solidFill>
             <a:srgbClr val="000000"/>
           </a:solidFill>
@@ -6827,7 +7047,7 @@
           <a:sym typeface="Arial"/>
         </a:defRPr>
       </a:lvl3pPr>
-      <a:lvl4pPr lvl="3" marR="0" rtl="0" algn="l">
+      <a:lvl4pPr marR="0" lvl="3" algn="l" rtl="0">
         <a:lnSpc>
           <a:spcPct val="100000"/>
         </a:lnSpc>
@@ -6841,7 +7061,7 @@
           <a:srgbClr val="000000"/>
         </a:buClr>
         <a:buFont typeface="Arial"/>
-        <a:defRPr b="0" i="0" sz="1400" u="none" cap="none" strike="noStrike">
+        <a:defRPr sz="1400" b="0" i="0" u="none" strike="noStrike" cap="none">
           <a:solidFill>
             <a:srgbClr val="000000"/>
           </a:solidFill>
@@ -6851,7 +7071,7 @@
           <a:sym typeface="Arial"/>
         </a:defRPr>
       </a:lvl4pPr>
-      <a:lvl5pPr lvl="4" marR="0" rtl="0" algn="l">
+      <a:lvl5pPr marR="0" lvl="4" algn="l" rtl="0">
         <a:lnSpc>
           <a:spcPct val="100000"/>
         </a:lnSpc>
@@ -6865,7 +7085,7 @@
           <a:srgbClr val="000000"/>
         </a:buClr>
         <a:buFont typeface="Arial"/>
-        <a:defRPr b="0" i="0" sz="1400" u="none" cap="none" strike="noStrike">
+        <a:defRPr sz="1400" b="0" i="0" u="none" strike="noStrike" cap="none">
           <a:solidFill>
             <a:srgbClr val="000000"/>
           </a:solidFill>
@@ -6875,7 +7095,7 @@
           <a:sym typeface="Arial"/>
         </a:defRPr>
       </a:lvl5pPr>
-      <a:lvl6pPr lvl="5" marR="0" rtl="0" algn="l">
+      <a:lvl6pPr marR="0" lvl="5" algn="l" rtl="0">
         <a:lnSpc>
           <a:spcPct val="100000"/>
         </a:lnSpc>
@@ -6889,7 +7109,7 @@
           <a:srgbClr val="000000"/>
         </a:buClr>
         <a:buFont typeface="Arial"/>
-        <a:defRPr b="0" i="0" sz="1400" u="none" cap="none" strike="noStrike">
+        <a:defRPr sz="1400" b="0" i="0" u="none" strike="noStrike" cap="none">
           <a:solidFill>
             <a:srgbClr val="000000"/>
           </a:solidFill>
@@ -6899,7 +7119,7 @@
           <a:sym typeface="Arial"/>
         </a:defRPr>
       </a:lvl6pPr>
-      <a:lvl7pPr lvl="6" marR="0" rtl="0" algn="l">
+      <a:lvl7pPr marR="0" lvl="6" algn="l" rtl="0">
         <a:lnSpc>
           <a:spcPct val="100000"/>
         </a:lnSpc>
@@ -6913,7 +7133,7 @@
           <a:srgbClr val="000000"/>
         </a:buClr>
         <a:buFont typeface="Arial"/>
-        <a:defRPr b="0" i="0" sz="1400" u="none" cap="none" strike="noStrike">
+        <a:defRPr sz="1400" b="0" i="0" u="none" strike="noStrike" cap="none">
           <a:solidFill>
             <a:srgbClr val="000000"/>
           </a:solidFill>
@@ -6923,7 +7143,7 @@
           <a:sym typeface="Arial"/>
         </a:defRPr>
       </a:lvl7pPr>
-      <a:lvl8pPr lvl="7" marR="0" rtl="0" algn="l">
+      <a:lvl8pPr marR="0" lvl="7" algn="l" rtl="0">
         <a:lnSpc>
           <a:spcPct val="100000"/>
         </a:lnSpc>
@@ -6937,7 +7157,7 @@
           <a:srgbClr val="000000"/>
         </a:buClr>
         <a:buFont typeface="Arial"/>
-        <a:defRPr b="0" i="0" sz="1400" u="none" cap="none" strike="noStrike">
+        <a:defRPr sz="1400" b="0" i="0" u="none" strike="noStrike" cap="none">
           <a:solidFill>
             <a:srgbClr val="000000"/>
           </a:solidFill>
@@ -6947,7 +7167,7 @@
           <a:sym typeface="Arial"/>
         </a:defRPr>
       </a:lvl8pPr>
-      <a:lvl9pPr lvl="8" marR="0" rtl="0" algn="l">
+      <a:lvl9pPr marR="0" lvl="8" algn="l" rtl="0">
         <a:lnSpc>
           <a:spcPct val="100000"/>
         </a:lnSpc>
@@ -6961,7 +7181,7 @@
           <a:srgbClr val="000000"/>
         </a:buClr>
         <a:buFont typeface="Arial"/>
-        <a:defRPr b="0" i="0" sz="1400" u="none" cap="none" strike="noStrike">
+        <a:defRPr sz="1400" b="0" i="0" u="none" strike="noStrike" cap="none">
           <a:solidFill>
             <a:srgbClr val="000000"/>
           </a:solidFill>
@@ -6973,7 +7193,7 @@
       </a:lvl9pPr>
     </p:titleStyle>
     <p:bodyStyle>
-      <a:defPPr lvl="0" marR="0" rtl="0" algn="l">
+      <a:defPPr marR="0" lvl="0" algn="l" rtl="0">
         <a:lnSpc>
           <a:spcPct val="100000"/>
         </a:lnSpc>
@@ -6984,7 +7204,7 @@
           <a:spcPts val="0"/>
         </a:spcAft>
       </a:defPPr>
-      <a:lvl1pPr lvl="0" marR="0" rtl="0" algn="l">
+      <a:lvl1pPr marR="0" lvl="0" algn="l" rtl="0">
         <a:lnSpc>
           <a:spcPct val="100000"/>
         </a:lnSpc>
@@ -6998,7 +7218,7 @@
           <a:srgbClr val="000000"/>
         </a:buClr>
         <a:buFont typeface="Arial"/>
-        <a:defRPr b="0" i="0" sz="1400" u="none" cap="none" strike="noStrike">
+        <a:defRPr sz="1400" b="0" i="0" u="none" strike="noStrike" cap="none">
           <a:solidFill>
             <a:srgbClr val="000000"/>
           </a:solidFill>
@@ -7008,7 +7228,7 @@
           <a:sym typeface="Arial"/>
         </a:defRPr>
       </a:lvl1pPr>
-      <a:lvl2pPr lvl="1" marR="0" rtl="0" algn="l">
+      <a:lvl2pPr marR="0" lvl="1" algn="l" rtl="0">
         <a:lnSpc>
           <a:spcPct val="100000"/>
         </a:lnSpc>
@@ -7022,7 +7242,7 @@
           <a:srgbClr val="000000"/>
         </a:buClr>
         <a:buFont typeface="Arial"/>
-        <a:defRPr b="0" i="0" sz="1400" u="none" cap="none" strike="noStrike">
+        <a:defRPr sz="1400" b="0" i="0" u="none" strike="noStrike" cap="none">
           <a:solidFill>
             <a:srgbClr val="000000"/>
           </a:solidFill>
@@ -7032,7 +7252,7 @@
           <a:sym typeface="Arial"/>
         </a:defRPr>
       </a:lvl2pPr>
-      <a:lvl3pPr lvl="2" marR="0" rtl="0" algn="l">
+      <a:lvl3pPr marR="0" lvl="2" algn="l" rtl="0">
         <a:lnSpc>
           <a:spcPct val="100000"/>
         </a:lnSpc>
@@ -7046,7 +7266,7 @@
           <a:srgbClr val="000000"/>
         </a:buClr>
         <a:buFont typeface="Arial"/>
-        <a:defRPr b="0" i="0" sz="1400" u="none" cap="none" strike="noStrike">
+        <a:defRPr sz="1400" b="0" i="0" u="none" strike="noStrike" cap="none">
           <a:solidFill>
             <a:srgbClr val="000000"/>
           </a:solidFill>
@@ -7056,7 +7276,7 @@
           <a:sym typeface="Arial"/>
         </a:defRPr>
       </a:lvl3pPr>
-      <a:lvl4pPr lvl="3" marR="0" rtl="0" algn="l">
+      <a:lvl4pPr marR="0" lvl="3" algn="l" rtl="0">
         <a:lnSpc>
           <a:spcPct val="100000"/>
         </a:lnSpc>
@@ -7070,7 +7290,7 @@
           <a:srgbClr val="000000"/>
         </a:buClr>
         <a:buFont typeface="Arial"/>
-        <a:defRPr b="0" i="0" sz="1400" u="none" cap="none" strike="noStrike">
+        <a:defRPr sz="1400" b="0" i="0" u="none" strike="noStrike" cap="none">
           <a:solidFill>
             <a:srgbClr val="000000"/>
           </a:solidFill>
@@ -7080,7 +7300,7 @@
           <a:sym typeface="Arial"/>
         </a:defRPr>
       </a:lvl4pPr>
-      <a:lvl5pPr lvl="4" marR="0" rtl="0" algn="l">
+      <a:lvl5pPr marR="0" lvl="4" algn="l" rtl="0">
         <a:lnSpc>
           <a:spcPct val="100000"/>
         </a:lnSpc>
@@ -7094,7 +7314,7 @@
           <a:srgbClr val="000000"/>
         </a:buClr>
         <a:buFont typeface="Arial"/>
-        <a:defRPr b="0" i="0" sz="1400" u="none" cap="none" strike="noStrike">
+        <a:defRPr sz="1400" b="0" i="0" u="none" strike="noStrike" cap="none">
           <a:solidFill>
             <a:srgbClr val="000000"/>
           </a:solidFill>
@@ -7104,7 +7324,7 @@
           <a:sym typeface="Arial"/>
         </a:defRPr>
       </a:lvl5pPr>
-      <a:lvl6pPr lvl="5" marR="0" rtl="0" algn="l">
+      <a:lvl6pPr marR="0" lvl="5" algn="l" rtl="0">
         <a:lnSpc>
           <a:spcPct val="100000"/>
         </a:lnSpc>
@@ -7118,7 +7338,7 @@
           <a:srgbClr val="000000"/>
         </a:buClr>
         <a:buFont typeface="Arial"/>
-        <a:defRPr b="0" i="0" sz="1400" u="none" cap="none" strike="noStrike">
+        <a:defRPr sz="1400" b="0" i="0" u="none" strike="noStrike" cap="none">
           <a:solidFill>
             <a:srgbClr val="000000"/>
           </a:solidFill>
@@ -7128,7 +7348,7 @@
           <a:sym typeface="Arial"/>
         </a:defRPr>
       </a:lvl6pPr>
-      <a:lvl7pPr lvl="6" marR="0" rtl="0" algn="l">
+      <a:lvl7pPr marR="0" lvl="6" algn="l" rtl="0">
         <a:lnSpc>
           <a:spcPct val="100000"/>
         </a:lnSpc>
@@ -7142,7 +7362,7 @@
           <a:srgbClr val="000000"/>
         </a:buClr>
         <a:buFont typeface="Arial"/>
-        <a:defRPr b="0" i="0" sz="1400" u="none" cap="none" strike="noStrike">
+        <a:defRPr sz="1400" b="0" i="0" u="none" strike="noStrike" cap="none">
           <a:solidFill>
             <a:srgbClr val="000000"/>
           </a:solidFill>
@@ -7152,7 +7372,7 @@
           <a:sym typeface="Arial"/>
         </a:defRPr>
       </a:lvl7pPr>
-      <a:lvl8pPr lvl="7" marR="0" rtl="0" algn="l">
+      <a:lvl8pPr marR="0" lvl="7" algn="l" rtl="0">
         <a:lnSpc>
           <a:spcPct val="100000"/>
         </a:lnSpc>
@@ -7166,7 +7386,7 @@
           <a:srgbClr val="000000"/>
         </a:buClr>
         <a:buFont typeface="Arial"/>
-        <a:defRPr b="0" i="0" sz="1400" u="none" cap="none" strike="noStrike">
+        <a:defRPr sz="1400" b="0" i="0" u="none" strike="noStrike" cap="none">
           <a:solidFill>
             <a:srgbClr val="000000"/>
           </a:solidFill>
@@ -7176,7 +7396,7 @@
           <a:sym typeface="Arial"/>
         </a:defRPr>
       </a:lvl8pPr>
-      <a:lvl9pPr lvl="8" marR="0" rtl="0" algn="l">
+      <a:lvl9pPr marR="0" lvl="8" algn="l" rtl="0">
         <a:lnSpc>
           <a:spcPct val="100000"/>
         </a:lnSpc>
@@ -7190,7 +7410,7 @@
           <a:srgbClr val="000000"/>
         </a:buClr>
         <a:buFont typeface="Arial"/>
-        <a:defRPr b="0" i="0" sz="1400" u="none" cap="none" strike="noStrike">
+        <a:defRPr sz="1400" b="0" i="0" u="none" strike="noStrike" cap="none">
           <a:solidFill>
             <a:srgbClr val="000000"/>
           </a:solidFill>
@@ -7202,7 +7422,7 @@
       </a:lvl9pPr>
     </p:bodyStyle>
     <p:otherStyle>
-      <a:defPPr lvl="0" marR="0" rtl="0" algn="l">
+      <a:defPPr marR="0" lvl="0" algn="l" rtl="0">
         <a:lnSpc>
           <a:spcPct val="100000"/>
         </a:lnSpc>
@@ -7213,7 +7433,7 @@
           <a:spcPts val="0"/>
         </a:spcAft>
       </a:defPPr>
-      <a:lvl1pPr lvl="0" marR="0" rtl="0" algn="l">
+      <a:lvl1pPr marR="0" lvl="0" algn="l" rtl="0">
         <a:lnSpc>
           <a:spcPct val="100000"/>
         </a:lnSpc>
@@ -7227,7 +7447,7 @@
           <a:srgbClr val="000000"/>
         </a:buClr>
         <a:buFont typeface="Arial"/>
-        <a:defRPr b="0" i="0" sz="1400" u="none" cap="none" strike="noStrike">
+        <a:defRPr sz="1400" b="0" i="0" u="none" strike="noStrike" cap="none">
           <a:solidFill>
             <a:srgbClr val="000000"/>
           </a:solidFill>
@@ -7237,7 +7457,7 @@
           <a:sym typeface="Arial"/>
         </a:defRPr>
       </a:lvl1pPr>
-      <a:lvl2pPr lvl="1" marR="0" rtl="0" algn="l">
+      <a:lvl2pPr marR="0" lvl="1" algn="l" rtl="0">
         <a:lnSpc>
           <a:spcPct val="100000"/>
         </a:lnSpc>
@@ -7251,7 +7471,7 @@
           <a:srgbClr val="000000"/>
         </a:buClr>
         <a:buFont typeface="Arial"/>
-        <a:defRPr b="0" i="0" sz="1400" u="none" cap="none" strike="noStrike">
+        <a:defRPr sz="1400" b="0" i="0" u="none" strike="noStrike" cap="none">
           <a:solidFill>
             <a:srgbClr val="000000"/>
           </a:solidFill>
@@ -7261,7 +7481,7 @@
           <a:sym typeface="Arial"/>
         </a:defRPr>
       </a:lvl2pPr>
-      <a:lvl3pPr lvl="2" marR="0" rtl="0" algn="l">
+      <a:lvl3pPr marR="0" lvl="2" algn="l" rtl="0">
         <a:lnSpc>
           <a:spcPct val="100000"/>
         </a:lnSpc>
@@ -7275,7 +7495,7 @@
           <a:srgbClr val="000000"/>
         </a:buClr>
         <a:buFont typeface="Arial"/>
-        <a:defRPr b="0" i="0" sz="1400" u="none" cap="none" strike="noStrike">
+        <a:defRPr sz="1400" b="0" i="0" u="none" strike="noStrike" cap="none">
           <a:solidFill>
             <a:srgbClr val="000000"/>
           </a:solidFill>
@@ -7285,7 +7505,7 @@
           <a:sym typeface="Arial"/>
         </a:defRPr>
       </a:lvl3pPr>
-      <a:lvl4pPr lvl="3" marR="0" rtl="0" algn="l">
+      <a:lvl4pPr marR="0" lvl="3" algn="l" rtl="0">
         <a:lnSpc>
           <a:spcPct val="100000"/>
         </a:lnSpc>
@@ -7299,7 +7519,7 @@
           <a:srgbClr val="000000"/>
         </a:buClr>
         <a:buFont typeface="Arial"/>
-        <a:defRPr b="0" i="0" sz="1400" u="none" cap="none" strike="noStrike">
+        <a:defRPr sz="1400" b="0" i="0" u="none" strike="noStrike" cap="none">
           <a:solidFill>
             <a:srgbClr val="000000"/>
           </a:solidFill>
@@ -7309,7 +7529,7 @@
           <a:sym typeface="Arial"/>
         </a:defRPr>
       </a:lvl4pPr>
-      <a:lvl5pPr lvl="4" marR="0" rtl="0" algn="l">
+      <a:lvl5pPr marR="0" lvl="4" algn="l" rtl="0">
         <a:lnSpc>
           <a:spcPct val="100000"/>
         </a:lnSpc>
@@ -7323,7 +7543,7 @@
           <a:srgbClr val="000000"/>
         </a:buClr>
         <a:buFont typeface="Arial"/>
-        <a:defRPr b="0" i="0" sz="1400" u="none" cap="none" strike="noStrike">
+        <a:defRPr sz="1400" b="0" i="0" u="none" strike="noStrike" cap="none">
           <a:solidFill>
             <a:srgbClr val="000000"/>
           </a:solidFill>
@@ -7333,7 +7553,7 @@
           <a:sym typeface="Arial"/>
         </a:defRPr>
       </a:lvl5pPr>
-      <a:lvl6pPr lvl="5" marR="0" rtl="0" algn="l">
+      <a:lvl6pPr marR="0" lvl="5" algn="l" rtl="0">
         <a:lnSpc>
           <a:spcPct val="100000"/>
         </a:lnSpc>
@@ -7347,7 +7567,7 @@
           <a:srgbClr val="000000"/>
         </a:buClr>
         <a:buFont typeface="Arial"/>
-        <a:defRPr b="0" i="0" sz="1400" u="none" cap="none" strike="noStrike">
+        <a:defRPr sz="1400" b="0" i="0" u="none" strike="noStrike" cap="none">
           <a:solidFill>
             <a:srgbClr val="000000"/>
           </a:solidFill>
@@ -7357,7 +7577,7 @@
           <a:sym typeface="Arial"/>
         </a:defRPr>
       </a:lvl6pPr>
-      <a:lvl7pPr lvl="6" marR="0" rtl="0" algn="l">
+      <a:lvl7pPr marR="0" lvl="6" algn="l" rtl="0">
         <a:lnSpc>
           <a:spcPct val="100000"/>
         </a:lnSpc>
@@ -7371,7 +7591,7 @@
           <a:srgbClr val="000000"/>
         </a:buClr>
         <a:buFont typeface="Arial"/>
-        <a:defRPr b="0" i="0" sz="1400" u="none" cap="none" strike="noStrike">
+        <a:defRPr sz="1400" b="0" i="0" u="none" strike="noStrike" cap="none">
           <a:solidFill>
             <a:srgbClr val="000000"/>
           </a:solidFill>
@@ -7381,7 +7601,7 @@
           <a:sym typeface="Arial"/>
         </a:defRPr>
       </a:lvl7pPr>
-      <a:lvl8pPr lvl="7" marR="0" rtl="0" algn="l">
+      <a:lvl8pPr marR="0" lvl="7" algn="l" rtl="0">
         <a:lnSpc>
           <a:spcPct val="100000"/>
         </a:lnSpc>
@@ -7395,7 +7615,7 @@
           <a:srgbClr val="000000"/>
         </a:buClr>
         <a:buFont typeface="Arial"/>
-        <a:defRPr b="0" i="0" sz="1400" u="none" cap="none" strike="noStrike">
+        <a:defRPr sz="1400" b="0" i="0" u="none" strike="noStrike" cap="none">
           <a:solidFill>
             <a:srgbClr val="000000"/>
           </a:solidFill>
@@ -7405,7 +7625,7 @@
           <a:sym typeface="Arial"/>
         </a:defRPr>
       </a:lvl8pPr>
-      <a:lvl9pPr lvl="8" marR="0" rtl="0" algn="l">
+      <a:lvl9pPr marR="0" lvl="8" algn="l" rtl="0">
         <a:lnSpc>
           <a:spcPct val="100000"/>
         </a:lnSpc>
@@ -7419,7 +7639,7 @@
           <a:srgbClr val="000000"/>
         </a:buClr>
         <a:buFont typeface="Arial"/>
-        <a:defRPr b="0" i="0" sz="1400" u="none" cap="none" strike="noStrike">
+        <a:defRPr sz="1400" b="0" i="0" u="none" strike="noStrike" cap="none">
           <a:solidFill>
             <a:srgbClr val="000000"/>
           </a:solidFill>
@@ -7435,11 +7655,11 @@
 </file>
 
 <file path=ppt/slides/slide1.xml><?xml version="1.0" encoding="utf-8"?>
-<p:sld xmlns:a="http://schemas.openxmlformats.org/drawingml/2006/main" xmlns:r="http://schemas.openxmlformats.org/officeDocument/2006/relationships" xmlns:mc="http://schemas.openxmlformats.org/markup-compatibility/2006" xmlns:mv="urn:schemas-microsoft-com:mac:vml" xmlns:p="http://schemas.openxmlformats.org/presentationml/2006/main" xmlns:c="http://schemas.openxmlformats.org/drawingml/2006/chart" xmlns:dgm="http://schemas.openxmlformats.org/drawingml/2006/diagram" xmlns:o="urn:schemas-microsoft-com:office:office" xmlns:v="urn:schemas-microsoft-com:vml" xmlns:pvml="urn:schemas-microsoft-com:office:powerpoint" xmlns:com="http://schemas.openxmlformats.org/drawingml/2006/compatibility" xmlns:p14="http://schemas.microsoft.com/office/powerpoint/2010/main" xmlns:p15="http://schemas.microsoft.com/office/powerpoint/2012/main" xmlns:ahyp="http://schemas.microsoft.com/office/drawing/2018/hyperlinkcolor">
+<p:sld xmlns:a="http://schemas.openxmlformats.org/drawingml/2006/main" xmlns:r="http://schemas.openxmlformats.org/officeDocument/2006/relationships" xmlns:p="http://schemas.openxmlformats.org/presentationml/2006/main">
   <p:cSld>
     <p:spTree>
       <p:nvGrpSpPr>
-        <p:cNvPr id="53" name="Shape 53"/>
+        <p:cNvPr id="1" name="Shape 53"/>
         <p:cNvGrpSpPr/>
         <p:nvPr/>
       </p:nvGrpSpPr>
@@ -7454,7 +7674,9 @@
       <p:sp>
         <p:nvSpPr>
           <p:cNvPr id="54" name="Google Shape;54;p13"/>
-          <p:cNvSpPr txBox="1"/>
+          <p:cNvSpPr txBox="1">
+            <a:spLocks noGrp="1"/>
+          </p:cNvSpPr>
           <p:nvPr>
             <p:ph type="ctrTitle"/>
           </p:nvPr>
@@ -7469,12 +7691,12 @@
           </a:prstGeom>
         </p:spPr>
         <p:txBody>
-          <a:bodyPr anchorCtr="0" anchor="b" bIns="91425" lIns="91425" spcFirstLastPara="1" rIns="91425" wrap="square" tIns="91425">
+          <a:bodyPr spcFirstLastPara="1" wrap="square" lIns="91425" tIns="91425" rIns="91425" bIns="91425" anchor="b" anchorCtr="0">
             <a:normAutofit/>
           </a:bodyPr>
           <a:lstStyle/>
           <a:p>
-            <a:pPr indent="0" lvl="0" marL="0" rtl="0" algn="ctr">
+            <a:pPr marL="0" lvl="0" indent="0" algn="ctr" rtl="0">
               <a:spcBef>
                 <a:spcPts val="0"/>
               </a:spcBef>
@@ -7490,7 +7712,7 @@
             <a:endParaRPr/>
           </a:p>
           <a:p>
-            <a:pPr indent="0" lvl="0" marL="0" rtl="0" algn="ctr">
+            <a:pPr marL="0" lvl="0" indent="0" algn="ctr" rtl="0">
               <a:spcBef>
                 <a:spcPts val="0"/>
               </a:spcBef>
@@ -7510,9 +7732,11 @@
       <p:sp>
         <p:nvSpPr>
           <p:cNvPr id="55" name="Google Shape;55;p13"/>
-          <p:cNvSpPr txBox="1"/>
+          <p:cNvSpPr txBox="1">
+            <a:spLocks noGrp="1"/>
+          </p:cNvSpPr>
           <p:nvPr>
-            <p:ph idx="1" type="subTitle"/>
+            <p:ph type="subTitle" idx="1"/>
           </p:nvPr>
         </p:nvSpPr>
         <p:spPr>
@@ -7525,12 +7749,12 @@
           </a:prstGeom>
         </p:spPr>
         <p:txBody>
-          <a:bodyPr anchorCtr="0" anchor="t" bIns="91425" lIns="91425" spcFirstLastPara="1" rIns="91425" wrap="square" tIns="91425">
-            <a:normAutofit lnSpcReduction="20000"/>
+          <a:bodyPr spcFirstLastPara="1" wrap="square" lIns="91425" tIns="91425" rIns="91425" bIns="91425" anchor="t" anchorCtr="0">
+            <a:normAutofit fontScale="92500" lnSpcReduction="20000"/>
           </a:bodyPr>
           <a:lstStyle/>
           <a:p>
-            <a:pPr indent="0" lvl="0" marL="0" rtl="0" algn="ctr">
+            <a:pPr marL="0" lvl="0" indent="0" algn="ctr" rtl="0">
               <a:spcBef>
                 <a:spcPts val="0"/>
               </a:spcBef>
@@ -7540,13 +7764,25 @@
               <a:buNone/>
             </a:pPr>
             <a:r>
-              <a:rPr lang="ko"/>
+              <a:rPr lang="ko" dirty="0"/>
               <a:t>팀장 : 박 민국</a:t>
             </a:r>
-            <a:endParaRPr/>
-          </a:p>
-          <a:p>
-            <a:pPr indent="0" lvl="0" marL="0" rtl="0" algn="ctr">
+            <a:endParaRPr dirty="0"/>
+          </a:p>
+          <a:p>
+            <a:pPr marL="0" lvl="0" indent="0" algn="ctr" rtl="0">
+              <a:spcBef>
+                <a:spcPts val="0"/>
+              </a:spcBef>
+              <a:spcAft>
+                <a:spcPts val="0"/>
+              </a:spcAft>
+              <a:buNone/>
+            </a:pPr>
+            <a:endParaRPr dirty="0"/>
+          </a:p>
+          <a:p>
+            <a:pPr marL="0" lvl="0" indent="0" algn="ctr" rtl="0">
               <a:spcBef>
                 <a:spcPts val="0"/>
               </a:spcBef>
@@ -7556,25 +7792,22 @@
               <a:buNone/>
             </a:pPr>
             <a:r>
-              <a:t/>
+              <a:rPr lang="ko" dirty="0"/>
+              <a:t>팀원: 장 진욱, 최 </a:t>
             </a:r>
-            <a:endParaRPr/>
-          </a:p>
-          <a:p>
-            <a:pPr indent="0" lvl="0" marL="0" rtl="0" algn="ctr">
-              <a:spcBef>
-                <a:spcPts val="0"/>
-              </a:spcBef>
-              <a:spcAft>
-                <a:spcPts val="0"/>
-              </a:spcAft>
-              <a:buNone/>
-            </a:pPr>
             <a:r>
-              <a:rPr lang="ko"/>
-              <a:t>팀원: 장 진욱, 최 성진</a:t>
+              <a:rPr lang="ko" dirty="0" smtClean="0"/>
+              <a:t>성진</a:t>
             </a:r>
-            <a:endParaRPr/>
+            <a:r>
+              <a:rPr lang="en-US" altLang="ko" dirty="0" smtClean="0"/>
+              <a:t>, </a:t>
+            </a:r>
+            <a:r>
+              <a:rPr lang="ko-KR" altLang="en-US" dirty="0" smtClean="0"/>
+              <a:t>정 희진</a:t>
+            </a:r>
+            <a:endParaRPr dirty="0"/>
           </a:p>
         </p:txBody>
       </p:sp>
@@ -7587,11 +7820,11 @@
 </file>
 
 <file path=ppt/slides/slide10.xml><?xml version="1.0" encoding="utf-8"?>
-<p:sld xmlns:a="http://schemas.openxmlformats.org/drawingml/2006/main" xmlns:r="http://schemas.openxmlformats.org/officeDocument/2006/relationships" xmlns:mc="http://schemas.openxmlformats.org/markup-compatibility/2006" xmlns:mv="urn:schemas-microsoft-com:mac:vml" xmlns:p="http://schemas.openxmlformats.org/presentationml/2006/main" xmlns:c="http://schemas.openxmlformats.org/drawingml/2006/chart" xmlns:dgm="http://schemas.openxmlformats.org/drawingml/2006/diagram" xmlns:o="urn:schemas-microsoft-com:office:office" xmlns:v="urn:schemas-microsoft-com:vml" xmlns:pvml="urn:schemas-microsoft-com:office:powerpoint" xmlns:com="http://schemas.openxmlformats.org/drawingml/2006/compatibility" xmlns:p14="http://schemas.microsoft.com/office/powerpoint/2010/main" xmlns:p15="http://schemas.microsoft.com/office/powerpoint/2012/main" xmlns:ahyp="http://schemas.microsoft.com/office/drawing/2018/hyperlinkcolor">
+<p:sld xmlns:a="http://schemas.openxmlformats.org/drawingml/2006/main" xmlns:r="http://schemas.openxmlformats.org/officeDocument/2006/relationships" xmlns:p="http://schemas.openxmlformats.org/presentationml/2006/main">
   <p:cSld>
     <p:spTree>
       <p:nvGrpSpPr>
-        <p:cNvPr id="115" name="Shape 115"/>
+        <p:cNvPr id="1" name="Shape 115"/>
         <p:cNvGrpSpPr/>
         <p:nvPr/>
       </p:nvGrpSpPr>
@@ -7634,9 +7867,11 @@
       <p:sp>
         <p:nvSpPr>
           <p:cNvPr id="117" name="Google Shape;117;p22"/>
-          <p:cNvSpPr txBox="1"/>
+          <p:cNvSpPr txBox="1">
+            <a:spLocks noGrp="1"/>
+          </p:cNvSpPr>
           <p:nvPr>
-            <p:ph idx="1" type="body"/>
+            <p:ph type="body" idx="1"/>
           </p:nvPr>
         </p:nvSpPr>
         <p:spPr>
@@ -7649,12 +7884,12 @@
           </a:prstGeom>
         </p:spPr>
         <p:txBody>
-          <a:bodyPr anchorCtr="0" anchor="t" bIns="91425" lIns="91425" spcFirstLastPara="1" rIns="91425" wrap="square" tIns="91425">
-            <a:normAutofit/>
+          <a:bodyPr spcFirstLastPara="1" wrap="square" lIns="91425" tIns="91425" rIns="91425" bIns="91425" anchor="t" anchorCtr="0">
+            <a:normAutofit lnSpcReduction="10000"/>
           </a:bodyPr>
           <a:lstStyle/>
           <a:p>
-            <a:pPr indent="0" lvl="0" marL="0" rtl="0" algn="l">
+            <a:pPr marL="0" lvl="0" indent="0" algn="l" rtl="0">
               <a:spcBef>
                 <a:spcPts val="0"/>
               </a:spcBef>
@@ -7664,13 +7899,13 @@
               <a:buNone/>
             </a:pPr>
             <a:r>
-              <a:rPr b="1" lang="ko"/>
+              <a:rPr lang="ko" b="1"/>
               <a:t>회원가입 페이지</a:t>
             </a:r>
             <a:endParaRPr b="1"/>
           </a:p>
           <a:p>
-            <a:pPr indent="0" lvl="0" marL="0" rtl="0" algn="l">
+            <a:pPr marL="0" lvl="0" indent="0" algn="l" rtl="0">
               <a:spcBef>
                 <a:spcPts val="1200"/>
               </a:spcBef>
@@ -7686,7 +7921,7 @@
             <a:endParaRPr sz="1600"/>
           </a:p>
           <a:p>
-            <a:pPr indent="0" lvl="0" marL="0" rtl="0" algn="l">
+            <a:pPr marL="0" lvl="0" indent="0" algn="l" rtl="0">
               <a:spcBef>
                 <a:spcPts val="1200"/>
               </a:spcBef>
@@ -7695,13 +7930,10 @@
               </a:spcAft>
               <a:buNone/>
             </a:pPr>
-            <a:r>
-              <a:t/>
-            </a:r>
             <a:endParaRPr sz="1600"/>
           </a:p>
           <a:p>
-            <a:pPr indent="0" lvl="0" marL="0" rtl="0" algn="l">
+            <a:pPr marL="0" lvl="0" indent="0" algn="l" rtl="0">
               <a:spcBef>
                 <a:spcPts val="1200"/>
               </a:spcBef>
@@ -7755,11 +7987,11 @@
 </file>
 
 <file path=ppt/slides/slide11.xml><?xml version="1.0" encoding="utf-8"?>
-<p:sld xmlns:a="http://schemas.openxmlformats.org/drawingml/2006/main" xmlns:r="http://schemas.openxmlformats.org/officeDocument/2006/relationships" xmlns:mc="http://schemas.openxmlformats.org/markup-compatibility/2006" xmlns:mv="urn:schemas-microsoft-com:mac:vml" xmlns:p="http://schemas.openxmlformats.org/presentationml/2006/main" xmlns:c="http://schemas.openxmlformats.org/drawingml/2006/chart" xmlns:dgm="http://schemas.openxmlformats.org/drawingml/2006/diagram" xmlns:o="urn:schemas-microsoft-com:office:office" xmlns:v="urn:schemas-microsoft-com:vml" xmlns:pvml="urn:schemas-microsoft-com:office:powerpoint" xmlns:com="http://schemas.openxmlformats.org/drawingml/2006/compatibility" xmlns:p14="http://schemas.microsoft.com/office/powerpoint/2010/main" xmlns:p15="http://schemas.microsoft.com/office/powerpoint/2012/main" xmlns:ahyp="http://schemas.microsoft.com/office/drawing/2018/hyperlinkcolor">
+<p:sld xmlns:a="http://schemas.openxmlformats.org/drawingml/2006/main" xmlns:r="http://schemas.openxmlformats.org/officeDocument/2006/relationships" xmlns:p="http://schemas.openxmlformats.org/presentationml/2006/main">
   <p:cSld>
     <p:spTree>
       <p:nvGrpSpPr>
-        <p:cNvPr id="122" name="Shape 122"/>
+        <p:cNvPr id="1" name="Shape 122"/>
         <p:cNvGrpSpPr/>
         <p:nvPr/>
       </p:nvGrpSpPr>
@@ -7774,9 +8006,11 @@
       <p:sp>
         <p:nvSpPr>
           <p:cNvPr id="123" name="Google Shape;123;p23"/>
-          <p:cNvSpPr txBox="1"/>
+          <p:cNvSpPr txBox="1">
+            <a:spLocks noGrp="1"/>
+          </p:cNvSpPr>
           <p:nvPr>
-            <p:ph idx="1" type="body"/>
+            <p:ph type="body" idx="1"/>
           </p:nvPr>
         </p:nvSpPr>
         <p:spPr>
@@ -7789,12 +8023,12 @@
           </a:prstGeom>
         </p:spPr>
         <p:txBody>
-          <a:bodyPr anchorCtr="0" anchor="t" bIns="91425" lIns="91425" spcFirstLastPara="1" rIns="91425" wrap="square" tIns="91425">
+          <a:bodyPr spcFirstLastPara="1" wrap="square" lIns="91425" tIns="91425" rIns="91425" bIns="91425" anchor="t" anchorCtr="0">
             <a:normAutofit/>
           </a:bodyPr>
           <a:lstStyle/>
           <a:p>
-            <a:pPr indent="0" lvl="0" marL="0" rtl="0" algn="l">
+            <a:pPr marL="0" lvl="0" indent="0" algn="l" rtl="0">
               <a:spcBef>
                 <a:spcPts val="0"/>
               </a:spcBef>
@@ -7805,16 +8039,12 @@
             </a:pPr>
             <a:r>
               <a:rPr lang="ko" sz="1500"/>
-              <a:t>DB </a:t>
-            </a:r>
-            <a:r>
-              <a:rPr lang="ko" sz="1500"/>
-              <a:t>내 아이디 / 비밀번호 모두 일치 시 세션 부여한 후 로그인 처리.</a:t>
+              <a:t>DB 내 아이디 / 비밀번호 모두 일치 시 세션 부여한 후 로그인 처리.</a:t>
             </a:r>
             <a:endParaRPr sz="1500"/>
           </a:p>
           <a:p>
-            <a:pPr indent="0" lvl="0" marL="0" rtl="0" algn="l">
+            <a:pPr marL="0" lvl="0" indent="0" algn="l" rtl="0">
               <a:spcBef>
                 <a:spcPts val="1200"/>
               </a:spcBef>
@@ -7830,7 +8060,7 @@
             <a:endParaRPr sz="1500"/>
           </a:p>
           <a:p>
-            <a:pPr indent="0" lvl="0" marL="0" rtl="0" algn="l">
+            <a:pPr marL="0" lvl="0" indent="0" algn="l" rtl="0">
               <a:spcBef>
                 <a:spcPts val="1200"/>
               </a:spcBef>
@@ -7884,11 +8114,11 @@
 </file>
 
 <file path=ppt/slides/slide12.xml><?xml version="1.0" encoding="utf-8"?>
-<p:sld xmlns:a="http://schemas.openxmlformats.org/drawingml/2006/main" xmlns:r="http://schemas.openxmlformats.org/officeDocument/2006/relationships" xmlns:mc="http://schemas.openxmlformats.org/markup-compatibility/2006" xmlns:mv="urn:schemas-microsoft-com:mac:vml" xmlns:p="http://schemas.openxmlformats.org/presentationml/2006/main" xmlns:c="http://schemas.openxmlformats.org/drawingml/2006/chart" xmlns:dgm="http://schemas.openxmlformats.org/drawingml/2006/diagram" xmlns:o="urn:schemas-microsoft-com:office:office" xmlns:v="urn:schemas-microsoft-com:vml" xmlns:pvml="urn:schemas-microsoft-com:office:powerpoint" xmlns:com="http://schemas.openxmlformats.org/drawingml/2006/compatibility" xmlns:p14="http://schemas.microsoft.com/office/powerpoint/2010/main" xmlns:p15="http://schemas.microsoft.com/office/powerpoint/2012/main" xmlns:ahyp="http://schemas.microsoft.com/office/drawing/2018/hyperlinkcolor">
+<p:sld xmlns:a="http://schemas.openxmlformats.org/drawingml/2006/main" xmlns:r="http://schemas.openxmlformats.org/officeDocument/2006/relationships" xmlns:p="http://schemas.openxmlformats.org/presentationml/2006/main">
   <p:cSld>
     <p:spTree>
       <p:nvGrpSpPr>
-        <p:cNvPr id="128" name="Shape 128"/>
+        <p:cNvPr id="1" name="Shape 128"/>
         <p:cNvGrpSpPr/>
         <p:nvPr/>
       </p:nvGrpSpPr>
@@ -7931,9 +8161,11 @@
       <p:sp>
         <p:nvSpPr>
           <p:cNvPr id="130" name="Google Shape;130;p24"/>
-          <p:cNvSpPr txBox="1"/>
+          <p:cNvSpPr txBox="1">
+            <a:spLocks noGrp="1"/>
+          </p:cNvSpPr>
           <p:nvPr>
-            <p:ph idx="1" type="body"/>
+            <p:ph type="body" idx="1"/>
           </p:nvPr>
         </p:nvSpPr>
         <p:spPr>
@@ -7946,12 +8178,12 @@
           </a:prstGeom>
         </p:spPr>
         <p:txBody>
-          <a:bodyPr anchorCtr="0" anchor="t" bIns="91425" lIns="91425" spcFirstLastPara="1" rIns="91425" wrap="square" tIns="91425">
+          <a:bodyPr spcFirstLastPara="1" wrap="square" lIns="91425" tIns="91425" rIns="91425" bIns="91425" anchor="t" anchorCtr="0">
             <a:normAutofit/>
           </a:bodyPr>
           <a:lstStyle/>
           <a:p>
-            <a:pPr indent="0" lvl="0" marL="0" rtl="0" algn="l">
+            <a:pPr marL="0" lvl="0" indent="0" algn="l" rtl="0">
               <a:spcBef>
                 <a:spcPts val="0"/>
               </a:spcBef>
@@ -7961,13 +8193,13 @@
               <a:buNone/>
             </a:pPr>
             <a:r>
-              <a:rPr b="1" lang="ko"/>
+              <a:rPr lang="ko" b="1"/>
               <a:t>회원정보 수정</a:t>
             </a:r>
             <a:endParaRPr b="1"/>
           </a:p>
           <a:p>
-            <a:pPr indent="0" lvl="0" marL="0" rtl="0" algn="l">
+            <a:pPr marL="0" lvl="0" indent="0" algn="l" rtl="0">
               <a:spcBef>
                 <a:spcPts val="1200"/>
               </a:spcBef>
@@ -7993,11 +8225,11 @@
 </file>
 
 <file path=ppt/slides/slide13.xml><?xml version="1.0" encoding="utf-8"?>
-<p:sld xmlns:a="http://schemas.openxmlformats.org/drawingml/2006/main" xmlns:r="http://schemas.openxmlformats.org/officeDocument/2006/relationships" xmlns:mc="http://schemas.openxmlformats.org/markup-compatibility/2006" xmlns:mv="urn:schemas-microsoft-com:mac:vml" xmlns:p="http://schemas.openxmlformats.org/presentationml/2006/main" xmlns:c="http://schemas.openxmlformats.org/drawingml/2006/chart" xmlns:dgm="http://schemas.openxmlformats.org/drawingml/2006/diagram" xmlns:o="urn:schemas-microsoft-com:office:office" xmlns:v="urn:schemas-microsoft-com:vml" xmlns:pvml="urn:schemas-microsoft-com:office:powerpoint" xmlns:com="http://schemas.openxmlformats.org/drawingml/2006/compatibility" xmlns:p14="http://schemas.microsoft.com/office/powerpoint/2010/main" xmlns:p15="http://schemas.microsoft.com/office/powerpoint/2012/main" xmlns:ahyp="http://schemas.microsoft.com/office/drawing/2018/hyperlinkcolor">
+<p:sld xmlns:a="http://schemas.openxmlformats.org/drawingml/2006/main" xmlns:r="http://schemas.openxmlformats.org/officeDocument/2006/relationships" xmlns:p="http://schemas.openxmlformats.org/presentationml/2006/main">
   <p:cSld>
     <p:spTree>
       <p:nvGrpSpPr>
-        <p:cNvPr id="134" name="Shape 134"/>
+        <p:cNvPr id="1" name="Shape 134"/>
         <p:cNvGrpSpPr/>
         <p:nvPr/>
       </p:nvGrpSpPr>
@@ -8012,7 +8244,9 @@
       <p:sp>
         <p:nvSpPr>
           <p:cNvPr id="135" name="Google Shape;135;p25"/>
-          <p:cNvSpPr txBox="1"/>
+          <p:cNvSpPr txBox="1">
+            <a:spLocks noGrp="1"/>
+          </p:cNvSpPr>
           <p:nvPr>
             <p:ph type="title"/>
           </p:nvPr>
@@ -8027,12 +8261,12 @@
           </a:prstGeom>
         </p:spPr>
         <p:txBody>
-          <a:bodyPr anchorCtr="0" anchor="t" bIns="91425" lIns="91425" spcFirstLastPara="1" rIns="91425" wrap="square" tIns="91425">
+          <a:bodyPr spcFirstLastPara="1" wrap="square" lIns="91425" tIns="91425" rIns="91425" bIns="91425" anchor="t" anchorCtr="0">
             <a:normAutofit fontScale="90000"/>
           </a:bodyPr>
           <a:lstStyle/>
           <a:p>
-            <a:pPr indent="0" lvl="0" marL="0" rtl="0" algn="l">
+            <a:pPr marL="0" lvl="0" indent="0" algn="l" rtl="0">
               <a:spcBef>
                 <a:spcPts val="0"/>
               </a:spcBef>
@@ -8052,9 +8286,11 @@
       <p:sp>
         <p:nvSpPr>
           <p:cNvPr id="136" name="Google Shape;136;p25"/>
-          <p:cNvSpPr txBox="1"/>
+          <p:cNvSpPr txBox="1">
+            <a:spLocks noGrp="1"/>
+          </p:cNvSpPr>
           <p:nvPr>
-            <p:ph idx="1" type="body"/>
+            <p:ph type="body" idx="1"/>
           </p:nvPr>
         </p:nvSpPr>
         <p:spPr>
@@ -8067,12 +8303,12 @@
           </a:prstGeom>
         </p:spPr>
         <p:txBody>
-          <a:bodyPr anchorCtr="0" anchor="t" bIns="91425" lIns="91425" spcFirstLastPara="1" rIns="91425" wrap="square" tIns="91425">
+          <a:bodyPr spcFirstLastPara="1" wrap="square" lIns="91425" tIns="91425" rIns="91425" bIns="91425" anchor="t" anchorCtr="0">
             <a:normAutofit/>
           </a:bodyPr>
           <a:lstStyle/>
           <a:p>
-            <a:pPr indent="0" lvl="0" marL="0" rtl="0" algn="l">
+            <a:pPr marL="0" lvl="0" indent="0" algn="l" rtl="0">
               <a:spcBef>
                 <a:spcPts val="0"/>
               </a:spcBef>
@@ -8083,16 +8319,12 @@
             </a:pPr>
             <a:r>
               <a:rPr lang="ko"/>
-              <a:t> 2. </a:t>
-            </a:r>
-            <a:r>
-              <a:rPr lang="ko"/>
-              <a:t>게시판 기능.</a:t>
+              <a:t> 2. 게시판 기능.</a:t>
             </a:r>
             <a:endParaRPr/>
           </a:p>
           <a:p>
-            <a:pPr indent="-342900" lvl="0" marL="457200" rtl="0" algn="l">
+            <a:pPr marL="457200" lvl="0" indent="-342900" algn="l" rtl="0">
               <a:spcBef>
                 <a:spcPts val="1200"/>
               </a:spcBef>
@@ -8109,7 +8341,7 @@
             <a:endParaRPr/>
           </a:p>
           <a:p>
-            <a:pPr indent="-342900" lvl="0" marL="457200" rtl="0" algn="l">
+            <a:pPr marL="457200" lvl="0" indent="-342900" algn="l" rtl="0">
               <a:spcBef>
                 <a:spcPts val="0"/>
               </a:spcBef>
@@ -8126,7 +8358,7 @@
             <a:endParaRPr/>
           </a:p>
           <a:p>
-            <a:pPr indent="-342900" lvl="0" marL="457200" rtl="0" algn="l">
+            <a:pPr marL="457200" lvl="0" indent="-342900" algn="l" rtl="0">
               <a:spcBef>
                 <a:spcPts val="0"/>
               </a:spcBef>
@@ -8143,7 +8375,7 @@
             <a:endParaRPr/>
           </a:p>
           <a:p>
-            <a:pPr indent="-342900" lvl="0" marL="457200" rtl="0" algn="l">
+            <a:pPr marL="457200" lvl="0" indent="-342900" algn="l" rtl="0">
               <a:spcBef>
                 <a:spcPts val="0"/>
               </a:spcBef>
@@ -8160,7 +8392,7 @@
             <a:endParaRPr/>
           </a:p>
           <a:p>
-            <a:pPr indent="-342900" lvl="0" marL="457200" rtl="0" algn="l">
+            <a:pPr marL="457200" lvl="0" indent="-342900" algn="l" rtl="0">
               <a:spcBef>
                 <a:spcPts val="0"/>
               </a:spcBef>
@@ -8187,11 +8419,11 @@
 </file>
 
 <file path=ppt/slides/slide14.xml><?xml version="1.0" encoding="utf-8"?>
-<p:sld xmlns:a="http://schemas.openxmlformats.org/drawingml/2006/main" xmlns:r="http://schemas.openxmlformats.org/officeDocument/2006/relationships" xmlns:mc="http://schemas.openxmlformats.org/markup-compatibility/2006" xmlns:mv="urn:schemas-microsoft-com:mac:vml" xmlns:p="http://schemas.openxmlformats.org/presentationml/2006/main" xmlns:c="http://schemas.openxmlformats.org/drawingml/2006/chart" xmlns:dgm="http://schemas.openxmlformats.org/drawingml/2006/diagram" xmlns:o="urn:schemas-microsoft-com:office:office" xmlns:v="urn:schemas-microsoft-com:vml" xmlns:pvml="urn:schemas-microsoft-com:office:powerpoint" xmlns:com="http://schemas.openxmlformats.org/drawingml/2006/compatibility" xmlns:p14="http://schemas.microsoft.com/office/powerpoint/2010/main" xmlns:p15="http://schemas.microsoft.com/office/powerpoint/2012/main" xmlns:ahyp="http://schemas.microsoft.com/office/drawing/2018/hyperlinkcolor">
+<p:sld xmlns:a="http://schemas.openxmlformats.org/drawingml/2006/main" xmlns:r="http://schemas.openxmlformats.org/officeDocument/2006/relationships" xmlns:p="http://schemas.openxmlformats.org/presentationml/2006/main">
   <p:cSld>
     <p:spTree>
       <p:nvGrpSpPr>
-        <p:cNvPr id="140" name="Shape 140"/>
+        <p:cNvPr id="1" name="Shape 140"/>
         <p:cNvGrpSpPr/>
         <p:nvPr/>
       </p:nvGrpSpPr>
@@ -8234,9 +8466,11 @@
       <p:sp>
         <p:nvSpPr>
           <p:cNvPr id="142" name="Google Shape;142;p26"/>
-          <p:cNvSpPr txBox="1"/>
+          <p:cNvSpPr txBox="1">
+            <a:spLocks noGrp="1"/>
+          </p:cNvSpPr>
           <p:nvPr>
-            <p:ph idx="1" type="body"/>
+            <p:ph type="body" idx="1"/>
           </p:nvPr>
         </p:nvSpPr>
         <p:spPr>
@@ -8249,12 +8483,12 @@
           </a:prstGeom>
         </p:spPr>
         <p:txBody>
-          <a:bodyPr anchorCtr="0" anchor="t" bIns="91425" lIns="91425" spcFirstLastPara="1" rIns="91425" wrap="square" tIns="91425">
+          <a:bodyPr spcFirstLastPara="1" wrap="square" lIns="91425" tIns="91425" rIns="91425" bIns="91425" anchor="t" anchorCtr="0">
             <a:normAutofit/>
           </a:bodyPr>
           <a:lstStyle/>
           <a:p>
-            <a:pPr indent="0" lvl="0" marL="0" rtl="0" algn="l">
+            <a:pPr marL="0" lvl="0" indent="0" algn="l" rtl="0">
               <a:spcBef>
                 <a:spcPts val="0"/>
               </a:spcBef>
@@ -8264,13 +8498,13 @@
               <a:buNone/>
             </a:pPr>
             <a:r>
-              <a:rPr b="1" lang="ko"/>
+              <a:rPr lang="ko" b="1"/>
               <a:t>게시글목록</a:t>
             </a:r>
             <a:endParaRPr/>
           </a:p>
           <a:p>
-            <a:pPr indent="0" lvl="0" marL="0" rtl="0" algn="l">
+            <a:pPr marL="0" lvl="0" indent="0" algn="l" rtl="0">
               <a:spcBef>
                 <a:spcPts val="1200"/>
               </a:spcBef>
@@ -8296,11 +8530,11 @@
 </file>
 
 <file path=ppt/slides/slide15.xml><?xml version="1.0" encoding="utf-8"?>
-<p:sld xmlns:a="http://schemas.openxmlformats.org/drawingml/2006/main" xmlns:r="http://schemas.openxmlformats.org/officeDocument/2006/relationships" xmlns:mc="http://schemas.openxmlformats.org/markup-compatibility/2006" xmlns:mv="urn:schemas-microsoft-com:mac:vml" xmlns:p="http://schemas.openxmlformats.org/presentationml/2006/main" xmlns:c="http://schemas.openxmlformats.org/drawingml/2006/chart" xmlns:dgm="http://schemas.openxmlformats.org/drawingml/2006/diagram" xmlns:o="urn:schemas-microsoft-com:office:office" xmlns:v="urn:schemas-microsoft-com:vml" xmlns:pvml="urn:schemas-microsoft-com:office:powerpoint" xmlns:com="http://schemas.openxmlformats.org/drawingml/2006/compatibility" xmlns:p14="http://schemas.microsoft.com/office/powerpoint/2010/main" xmlns:p15="http://schemas.microsoft.com/office/powerpoint/2012/main" xmlns:ahyp="http://schemas.microsoft.com/office/drawing/2018/hyperlinkcolor">
+<p:sld xmlns:a="http://schemas.openxmlformats.org/drawingml/2006/main" xmlns:r="http://schemas.openxmlformats.org/officeDocument/2006/relationships" xmlns:p="http://schemas.openxmlformats.org/presentationml/2006/main">
   <p:cSld>
     <p:spTree>
       <p:nvGrpSpPr>
-        <p:cNvPr id="146" name="Shape 146"/>
+        <p:cNvPr id="1" name="Shape 146"/>
         <p:cNvGrpSpPr/>
         <p:nvPr/>
       </p:nvGrpSpPr>
@@ -8315,9 +8549,11 @@
       <p:sp>
         <p:nvSpPr>
           <p:cNvPr id="147" name="Google Shape;147;p27"/>
-          <p:cNvSpPr txBox="1"/>
+          <p:cNvSpPr txBox="1">
+            <a:spLocks noGrp="1"/>
+          </p:cNvSpPr>
           <p:nvPr>
-            <p:ph idx="1" type="body"/>
+            <p:ph type="body" idx="1"/>
           </p:nvPr>
         </p:nvSpPr>
         <p:spPr>
@@ -8330,12 +8566,12 @@
           </a:prstGeom>
         </p:spPr>
         <p:txBody>
-          <a:bodyPr anchorCtr="0" anchor="t" bIns="91425" lIns="91425" spcFirstLastPara="1" rIns="91425" wrap="square" tIns="91425">
+          <a:bodyPr spcFirstLastPara="1" wrap="square" lIns="91425" tIns="91425" rIns="91425" bIns="91425" anchor="t" anchorCtr="0">
             <a:normAutofit/>
           </a:bodyPr>
           <a:lstStyle/>
           <a:p>
-            <a:pPr indent="0" lvl="0" marL="0" rtl="0" algn="l">
+            <a:pPr marL="0" lvl="0" indent="0" algn="l" rtl="0">
               <a:spcBef>
                 <a:spcPts val="0"/>
               </a:spcBef>
@@ -8345,17 +8581,13 @@
               <a:buNone/>
             </a:pPr>
             <a:r>
-              <a:rPr b="1" lang="ko"/>
-              <a:t>게시글</a:t>
-            </a:r>
-            <a:r>
-              <a:rPr b="1" lang="ko"/>
-              <a:t>수정/삭제</a:t>
+              <a:rPr lang="ko" b="1"/>
+              <a:t>게시글수정/삭제</a:t>
             </a:r>
             <a:endParaRPr b="1"/>
           </a:p>
           <a:p>
-            <a:pPr indent="0" lvl="0" marL="0" rtl="0" algn="l">
+            <a:pPr marL="0" lvl="0" indent="0" algn="l" rtl="0">
               <a:spcBef>
                 <a:spcPts val="1200"/>
               </a:spcBef>
@@ -8364,13 +8596,10 @@
               </a:spcAft>
               <a:buNone/>
             </a:pPr>
-            <a:r>
-              <a:t/>
-            </a:r>
             <a:endParaRPr/>
           </a:p>
           <a:p>
-            <a:pPr indent="0" lvl="0" marL="0" rtl="0" algn="l">
+            <a:pPr marL="0" lvl="0" indent="0" algn="l" rtl="0">
               <a:spcBef>
                 <a:spcPts val="1200"/>
               </a:spcBef>
@@ -8424,11 +8653,11 @@
 </file>
 
 <file path=ppt/slides/slide16.xml><?xml version="1.0" encoding="utf-8"?>
-<p:sld xmlns:a="http://schemas.openxmlformats.org/drawingml/2006/main" xmlns:r="http://schemas.openxmlformats.org/officeDocument/2006/relationships" xmlns:mc="http://schemas.openxmlformats.org/markup-compatibility/2006" xmlns:mv="urn:schemas-microsoft-com:mac:vml" xmlns:p="http://schemas.openxmlformats.org/presentationml/2006/main" xmlns:c="http://schemas.openxmlformats.org/drawingml/2006/chart" xmlns:dgm="http://schemas.openxmlformats.org/drawingml/2006/diagram" xmlns:o="urn:schemas-microsoft-com:office:office" xmlns:v="urn:schemas-microsoft-com:vml" xmlns:pvml="urn:schemas-microsoft-com:office:powerpoint" xmlns:com="http://schemas.openxmlformats.org/drawingml/2006/compatibility" xmlns:p14="http://schemas.microsoft.com/office/powerpoint/2010/main" xmlns:p15="http://schemas.microsoft.com/office/powerpoint/2012/main" xmlns:ahyp="http://schemas.microsoft.com/office/drawing/2018/hyperlinkcolor">
+<p:sld xmlns:a="http://schemas.openxmlformats.org/drawingml/2006/main" xmlns:r="http://schemas.openxmlformats.org/officeDocument/2006/relationships" xmlns:p="http://schemas.openxmlformats.org/presentationml/2006/main">
   <p:cSld>
     <p:spTree>
       <p:nvGrpSpPr>
-        <p:cNvPr id="152" name="Shape 152"/>
+        <p:cNvPr id="1" name="Shape 152"/>
         <p:cNvGrpSpPr/>
         <p:nvPr/>
       </p:nvGrpSpPr>
@@ -8443,9 +8672,11 @@
       <p:sp>
         <p:nvSpPr>
           <p:cNvPr id="153" name="Google Shape;153;p28"/>
-          <p:cNvSpPr txBox="1"/>
+          <p:cNvSpPr txBox="1">
+            <a:spLocks noGrp="1"/>
+          </p:cNvSpPr>
           <p:nvPr>
-            <p:ph idx="1" type="body"/>
+            <p:ph type="body" idx="1"/>
           </p:nvPr>
         </p:nvSpPr>
         <p:spPr>
@@ -8458,12 +8689,12 @@
           </a:prstGeom>
         </p:spPr>
         <p:txBody>
-          <a:bodyPr anchorCtr="0" anchor="t" bIns="91425" lIns="91425" spcFirstLastPara="1" rIns="91425" wrap="square" tIns="91425">
+          <a:bodyPr spcFirstLastPara="1" wrap="square" lIns="91425" tIns="91425" rIns="91425" bIns="91425" anchor="t" anchorCtr="0">
             <a:normAutofit/>
           </a:bodyPr>
           <a:lstStyle/>
           <a:p>
-            <a:pPr indent="0" lvl="0" marL="0" rtl="0" algn="l">
+            <a:pPr marL="0" lvl="0" indent="0" algn="l" rtl="0">
               <a:spcBef>
                 <a:spcPts val="0"/>
               </a:spcBef>
@@ -8473,13 +8704,13 @@
               <a:buNone/>
             </a:pPr>
             <a:r>
-              <a:rPr b="1" lang="ko"/>
+              <a:rPr lang="ko" b="1"/>
               <a:t>댓글 작성/삭제</a:t>
             </a:r>
             <a:endParaRPr b="1"/>
           </a:p>
           <a:p>
-            <a:pPr indent="0" lvl="0" marL="0" rtl="0" algn="l">
+            <a:pPr marL="0" lvl="0" indent="0" algn="l" rtl="0">
               <a:spcBef>
                 <a:spcPts val="1200"/>
               </a:spcBef>
@@ -8495,7 +8726,7 @@
             <a:endParaRPr sz="1500"/>
           </a:p>
           <a:p>
-            <a:pPr indent="0" lvl="0" marL="0" rtl="0" algn="l">
+            <a:pPr marL="0" lvl="0" indent="0" algn="l" rtl="0">
               <a:spcBef>
                 <a:spcPts val="1200"/>
               </a:spcBef>
@@ -8511,7 +8742,7 @@
             <a:endParaRPr sz="1500"/>
           </a:p>
           <a:p>
-            <a:pPr indent="0" lvl="0" marL="0" rtl="0" algn="l">
+            <a:pPr marL="0" lvl="0" indent="0" algn="l" rtl="0">
               <a:spcBef>
                 <a:spcPts val="1200"/>
               </a:spcBef>
@@ -8565,11 +8796,11 @@
 </file>
 
 <file path=ppt/slides/slide17.xml><?xml version="1.0" encoding="utf-8"?>
-<p:sld xmlns:a="http://schemas.openxmlformats.org/drawingml/2006/main" xmlns:r="http://schemas.openxmlformats.org/officeDocument/2006/relationships" xmlns:mc="http://schemas.openxmlformats.org/markup-compatibility/2006" xmlns:mv="urn:schemas-microsoft-com:mac:vml" xmlns:p="http://schemas.openxmlformats.org/presentationml/2006/main" xmlns:c="http://schemas.openxmlformats.org/drawingml/2006/chart" xmlns:dgm="http://schemas.openxmlformats.org/drawingml/2006/diagram" xmlns:o="urn:schemas-microsoft-com:office:office" xmlns:v="urn:schemas-microsoft-com:vml" xmlns:pvml="urn:schemas-microsoft-com:office:powerpoint" xmlns:com="http://schemas.openxmlformats.org/drawingml/2006/compatibility" xmlns:p14="http://schemas.microsoft.com/office/powerpoint/2010/main" xmlns:p15="http://schemas.microsoft.com/office/powerpoint/2012/main" xmlns:ahyp="http://schemas.microsoft.com/office/drawing/2018/hyperlinkcolor">
+<p:sld xmlns:a="http://schemas.openxmlformats.org/drawingml/2006/main" xmlns:r="http://schemas.openxmlformats.org/officeDocument/2006/relationships" xmlns:p="http://schemas.openxmlformats.org/presentationml/2006/main">
   <p:cSld>
     <p:spTree>
       <p:nvGrpSpPr>
-        <p:cNvPr id="158" name="Shape 158"/>
+        <p:cNvPr id="1" name="Shape 158"/>
         <p:cNvGrpSpPr/>
         <p:nvPr/>
       </p:nvGrpSpPr>
@@ -8584,9 +8815,11 @@
       <p:sp>
         <p:nvSpPr>
           <p:cNvPr id="159" name="Google Shape;159;p29"/>
-          <p:cNvSpPr txBox="1"/>
+          <p:cNvSpPr txBox="1">
+            <a:spLocks noGrp="1"/>
+          </p:cNvSpPr>
           <p:nvPr>
-            <p:ph idx="1" type="body"/>
+            <p:ph type="body" idx="1"/>
           </p:nvPr>
         </p:nvSpPr>
         <p:spPr>
@@ -8599,12 +8832,12 @@
           </a:prstGeom>
         </p:spPr>
         <p:txBody>
-          <a:bodyPr anchorCtr="0" anchor="t" bIns="91425" lIns="91425" spcFirstLastPara="1" rIns="91425" wrap="square" tIns="91425">
+          <a:bodyPr spcFirstLastPara="1" wrap="square" lIns="91425" tIns="91425" rIns="91425" bIns="91425" anchor="t" anchorCtr="0">
             <a:normAutofit/>
           </a:bodyPr>
           <a:lstStyle/>
           <a:p>
-            <a:pPr indent="0" lvl="0" marL="0" rtl="0" algn="l">
+            <a:pPr marL="0" lvl="0" indent="0" algn="l" rtl="0">
               <a:spcBef>
                 <a:spcPts val="0"/>
               </a:spcBef>
@@ -8614,13 +8847,13 @@
               <a:buNone/>
             </a:pPr>
             <a:r>
-              <a:rPr b="1" lang="ko"/>
+              <a:rPr lang="ko" b="1"/>
               <a:t>오시는 길</a:t>
             </a:r>
             <a:endParaRPr/>
           </a:p>
           <a:p>
-            <a:pPr indent="0" lvl="0" marL="0" rtl="0" algn="l">
+            <a:pPr marL="0" lvl="0" indent="0" algn="l" rtl="0">
               <a:spcBef>
                 <a:spcPts val="1200"/>
               </a:spcBef>
@@ -8631,11 +8864,7 @@
             </a:pPr>
             <a:r>
               <a:rPr lang="ko"/>
-              <a:t> </a:t>
-            </a:r>
-            <a:r>
-              <a:rPr lang="ko"/>
-              <a:t>카카오맵스 API 를 사용한 간단한 오시는 길 약도 메뉴 구현</a:t>
+              <a:t> 카카오맵스 API 를 사용한 간단한 오시는 길 약도 메뉴 구현</a:t>
             </a:r>
             <a:endParaRPr/>
           </a:p>
@@ -8678,11 +8907,11 @@
 </file>
 
 <file path=ppt/slides/slide18.xml><?xml version="1.0" encoding="utf-8"?>
-<p:sld xmlns:a="http://schemas.openxmlformats.org/drawingml/2006/main" xmlns:r="http://schemas.openxmlformats.org/officeDocument/2006/relationships" xmlns:mc="http://schemas.openxmlformats.org/markup-compatibility/2006" xmlns:mv="urn:schemas-microsoft-com:mac:vml" xmlns:p="http://schemas.openxmlformats.org/presentationml/2006/main" xmlns:c="http://schemas.openxmlformats.org/drawingml/2006/chart" xmlns:dgm="http://schemas.openxmlformats.org/drawingml/2006/diagram" xmlns:o="urn:schemas-microsoft-com:office:office" xmlns:v="urn:schemas-microsoft-com:vml" xmlns:pvml="urn:schemas-microsoft-com:office:powerpoint" xmlns:com="http://schemas.openxmlformats.org/drawingml/2006/compatibility" xmlns:p14="http://schemas.microsoft.com/office/powerpoint/2010/main" xmlns:p15="http://schemas.microsoft.com/office/powerpoint/2012/main" xmlns:ahyp="http://schemas.microsoft.com/office/drawing/2018/hyperlinkcolor">
+<p:sld xmlns:a="http://schemas.openxmlformats.org/drawingml/2006/main" xmlns:r="http://schemas.openxmlformats.org/officeDocument/2006/relationships" xmlns:p="http://schemas.openxmlformats.org/presentationml/2006/main">
   <p:cSld>
     <p:spTree>
       <p:nvGrpSpPr>
-        <p:cNvPr id="164" name="Shape 164"/>
+        <p:cNvPr id="1" name="Shape 164"/>
         <p:cNvGrpSpPr/>
         <p:nvPr/>
       </p:nvGrpSpPr>
@@ -8697,9 +8926,11 @@
       <p:sp>
         <p:nvSpPr>
           <p:cNvPr id="165" name="Google Shape;165;p30"/>
-          <p:cNvSpPr txBox="1"/>
+          <p:cNvSpPr txBox="1">
+            <a:spLocks noGrp="1"/>
+          </p:cNvSpPr>
           <p:nvPr>
-            <p:ph idx="1" type="body"/>
+            <p:ph type="body" idx="1"/>
           </p:nvPr>
         </p:nvSpPr>
         <p:spPr>
@@ -8712,12 +8943,12 @@
           </a:prstGeom>
         </p:spPr>
         <p:txBody>
-          <a:bodyPr anchorCtr="0" anchor="t" bIns="91425" lIns="91425" spcFirstLastPara="1" rIns="91425" wrap="square" tIns="91425">
+          <a:bodyPr spcFirstLastPara="1" wrap="square" lIns="91425" tIns="91425" rIns="91425" bIns="91425" anchor="t" anchorCtr="0">
             <a:normAutofit/>
           </a:bodyPr>
           <a:lstStyle/>
           <a:p>
-            <a:pPr indent="0" lvl="0" marL="0" rtl="0" algn="l">
+            <a:pPr marL="0" lvl="0" indent="0" algn="l" rtl="0">
               <a:spcBef>
                 <a:spcPts val="0"/>
               </a:spcBef>
@@ -8727,13 +8958,13 @@
               <a:buNone/>
             </a:pPr>
             <a:r>
-              <a:rPr b="1" lang="ko"/>
+              <a:rPr lang="ko" b="1"/>
               <a:t>시설 내 프로그램 관리 페이지</a:t>
             </a:r>
             <a:endParaRPr/>
           </a:p>
           <a:p>
-            <a:pPr indent="0" lvl="0" marL="0" rtl="0" algn="l">
+            <a:pPr marL="0" lvl="0" indent="0" algn="l" rtl="0">
               <a:spcBef>
                 <a:spcPts val="1200"/>
               </a:spcBef>
@@ -8749,7 +8980,7 @@
             <a:endParaRPr sz="1500"/>
           </a:p>
           <a:p>
-            <a:pPr indent="0" lvl="0" marL="0" rtl="0" algn="l">
+            <a:pPr marL="0" lvl="0" indent="0" algn="l" rtl="0">
               <a:spcBef>
                 <a:spcPts val="1200"/>
               </a:spcBef>
@@ -8831,11 +9062,11 @@
 </file>
 
 <file path=ppt/slides/slide19.xml><?xml version="1.0" encoding="utf-8"?>
-<p:sld xmlns:a="http://schemas.openxmlformats.org/drawingml/2006/main" xmlns:r="http://schemas.openxmlformats.org/officeDocument/2006/relationships" xmlns:mc="http://schemas.openxmlformats.org/markup-compatibility/2006" xmlns:mv="urn:schemas-microsoft-com:mac:vml" xmlns:p="http://schemas.openxmlformats.org/presentationml/2006/main" xmlns:c="http://schemas.openxmlformats.org/drawingml/2006/chart" xmlns:dgm="http://schemas.openxmlformats.org/drawingml/2006/diagram" xmlns:o="urn:schemas-microsoft-com:office:office" xmlns:v="urn:schemas-microsoft-com:vml" xmlns:pvml="urn:schemas-microsoft-com:office:powerpoint" xmlns:com="http://schemas.openxmlformats.org/drawingml/2006/compatibility" xmlns:p14="http://schemas.microsoft.com/office/powerpoint/2010/main" xmlns:p15="http://schemas.microsoft.com/office/powerpoint/2012/main" xmlns:ahyp="http://schemas.microsoft.com/office/drawing/2018/hyperlinkcolor">
+<p:sld xmlns:a="http://schemas.openxmlformats.org/drawingml/2006/main" xmlns:r="http://schemas.openxmlformats.org/officeDocument/2006/relationships" xmlns:p="http://schemas.openxmlformats.org/presentationml/2006/main">
   <p:cSld>
     <p:spTree>
       <p:nvGrpSpPr>
-        <p:cNvPr id="171" name="Shape 171"/>
+        <p:cNvPr id="1" name="Shape 171"/>
         <p:cNvGrpSpPr/>
         <p:nvPr/>
       </p:nvGrpSpPr>
@@ -8850,9 +9081,11 @@
       <p:sp>
         <p:nvSpPr>
           <p:cNvPr id="172" name="Google Shape;172;p31"/>
-          <p:cNvSpPr txBox="1"/>
+          <p:cNvSpPr txBox="1">
+            <a:spLocks noGrp="1"/>
+          </p:cNvSpPr>
           <p:nvPr>
-            <p:ph idx="1" type="body"/>
+            <p:ph type="body" idx="1"/>
           </p:nvPr>
         </p:nvSpPr>
         <p:spPr>
@@ -8865,12 +9098,12 @@
           </a:prstGeom>
         </p:spPr>
         <p:txBody>
-          <a:bodyPr anchorCtr="0" anchor="t" bIns="91425" lIns="91425" spcFirstLastPara="1" rIns="91425" wrap="square" tIns="91425">
+          <a:bodyPr spcFirstLastPara="1" wrap="square" lIns="91425" tIns="91425" rIns="91425" bIns="91425" anchor="t" anchorCtr="0">
             <a:normAutofit/>
           </a:bodyPr>
           <a:lstStyle/>
           <a:p>
-            <a:pPr indent="0" lvl="0" marL="0" rtl="0" algn="l">
+            <a:pPr marL="0" lvl="0" indent="0" algn="l" rtl="0">
               <a:spcBef>
                 <a:spcPts val="0"/>
               </a:spcBef>
@@ -8880,13 +9113,13 @@
               <a:buNone/>
             </a:pPr>
             <a:r>
-              <a:rPr b="1" lang="ko"/>
+              <a:rPr lang="ko" b="1"/>
               <a:t>시간지정 API를 활용한 프로그램 데이터 추가 / 수정</a:t>
             </a:r>
             <a:endParaRPr b="1"/>
           </a:p>
           <a:p>
-            <a:pPr indent="-323850" lvl="0" marL="457200" rtl="0" algn="l">
+            <a:pPr marL="457200" lvl="0" indent="-323850" algn="l" rtl="0">
               <a:spcBef>
                 <a:spcPts val="1200"/>
               </a:spcBef>
@@ -8903,7 +9136,7 @@
             <a:endParaRPr sz="1500"/>
           </a:p>
           <a:p>
-            <a:pPr indent="-323850" lvl="0" marL="457200" rtl="0" algn="l">
+            <a:pPr marL="457200" lvl="0" indent="-323850" algn="l" rtl="0">
               <a:spcBef>
                 <a:spcPts val="0"/>
               </a:spcBef>
@@ -8958,11 +9191,11 @@
 </file>
 
 <file path=ppt/slides/slide2.xml><?xml version="1.0" encoding="utf-8"?>
-<p:sld xmlns:a="http://schemas.openxmlformats.org/drawingml/2006/main" xmlns:r="http://schemas.openxmlformats.org/officeDocument/2006/relationships" xmlns:mc="http://schemas.openxmlformats.org/markup-compatibility/2006" xmlns:mv="urn:schemas-microsoft-com:mac:vml" xmlns:p="http://schemas.openxmlformats.org/presentationml/2006/main" xmlns:c="http://schemas.openxmlformats.org/drawingml/2006/chart" xmlns:dgm="http://schemas.openxmlformats.org/drawingml/2006/diagram" xmlns:o="urn:schemas-microsoft-com:office:office" xmlns:v="urn:schemas-microsoft-com:vml" xmlns:pvml="urn:schemas-microsoft-com:office:powerpoint" xmlns:com="http://schemas.openxmlformats.org/drawingml/2006/compatibility" xmlns:p14="http://schemas.microsoft.com/office/powerpoint/2010/main" xmlns:p15="http://schemas.microsoft.com/office/powerpoint/2012/main" xmlns:ahyp="http://schemas.microsoft.com/office/drawing/2018/hyperlinkcolor">
+<p:sld xmlns:a="http://schemas.openxmlformats.org/drawingml/2006/main" xmlns:r="http://schemas.openxmlformats.org/officeDocument/2006/relationships" xmlns:p="http://schemas.openxmlformats.org/presentationml/2006/main">
   <p:cSld>
     <p:spTree>
       <p:nvGrpSpPr>
-        <p:cNvPr id="59" name="Shape 59"/>
+        <p:cNvPr id="1" name="Shape 59"/>
         <p:cNvGrpSpPr/>
         <p:nvPr/>
       </p:nvGrpSpPr>
@@ -8977,7 +9210,9 @@
       <p:sp>
         <p:nvSpPr>
           <p:cNvPr id="60" name="Google Shape;60;p14"/>
-          <p:cNvSpPr txBox="1"/>
+          <p:cNvSpPr txBox="1">
+            <a:spLocks noGrp="1"/>
+          </p:cNvSpPr>
           <p:nvPr>
             <p:ph type="ctrTitle"/>
           </p:nvPr>
@@ -8992,12 +9227,12 @@
           </a:prstGeom>
         </p:spPr>
         <p:txBody>
-          <a:bodyPr anchorCtr="0" anchor="b" bIns="91425" lIns="91425" spcFirstLastPara="1" rIns="91425" wrap="square" tIns="91425">
+          <a:bodyPr spcFirstLastPara="1" wrap="square" lIns="91425" tIns="91425" rIns="91425" bIns="91425" anchor="b" anchorCtr="0">
             <a:normAutofit/>
           </a:bodyPr>
           <a:lstStyle/>
           <a:p>
-            <a:pPr indent="0" lvl="0" marL="0" rtl="0" algn="l">
+            <a:pPr marL="0" lvl="0" indent="0" algn="l" rtl="0">
               <a:spcBef>
                 <a:spcPts val="0"/>
               </a:spcBef>
@@ -9017,9 +9252,11 @@
       <p:sp>
         <p:nvSpPr>
           <p:cNvPr id="61" name="Google Shape;61;p14"/>
-          <p:cNvSpPr txBox="1"/>
+          <p:cNvSpPr txBox="1">
+            <a:spLocks noGrp="1"/>
+          </p:cNvSpPr>
           <p:nvPr>
-            <p:ph idx="1" type="subTitle"/>
+            <p:ph type="subTitle" idx="1"/>
           </p:nvPr>
         </p:nvSpPr>
         <p:spPr>
@@ -9032,12 +9269,12 @@
           </a:prstGeom>
         </p:spPr>
         <p:txBody>
-          <a:bodyPr anchorCtr="0" anchor="t" bIns="91425" lIns="91425" spcFirstLastPara="1" rIns="91425" wrap="square" tIns="91425">
-            <a:normAutofit/>
+          <a:bodyPr spcFirstLastPara="1" wrap="square" lIns="91425" tIns="91425" rIns="91425" bIns="91425" anchor="t" anchorCtr="0">
+            <a:normAutofit fontScale="92500" lnSpcReduction="10000"/>
           </a:bodyPr>
           <a:lstStyle/>
           <a:p>
-            <a:pPr indent="0" lvl="0" marL="0" rtl="0" algn="l">
+            <a:pPr marL="0" lvl="0" indent="0" algn="l" rtl="0">
               <a:spcBef>
                 <a:spcPts val="0"/>
               </a:spcBef>
@@ -9047,13 +9284,25 @@
               <a:buNone/>
             </a:pPr>
             <a:r>
-              <a:rPr lang="ko" sz="1600"/>
+              <a:rPr lang="ko" sz="1600" dirty="0"/>
               <a:t>한거</a:t>
             </a:r>
-            <a:endParaRPr sz="1600"/>
-          </a:p>
-          <a:p>
-            <a:pPr indent="0" lvl="0" marL="0" rtl="0" algn="l">
+            <a:endParaRPr sz="1600" dirty="0"/>
+          </a:p>
+          <a:p>
+            <a:pPr marL="0" lvl="0" indent="0" algn="l" rtl="0">
+              <a:spcBef>
+                <a:spcPts val="0"/>
+              </a:spcBef>
+              <a:spcAft>
+                <a:spcPts val="0"/>
+              </a:spcAft>
+              <a:buNone/>
+            </a:pPr>
+            <a:endParaRPr sz="2200" dirty="0"/>
+          </a:p>
+          <a:p>
+            <a:pPr marL="0" lvl="0" indent="0" algn="l" rtl="0">
               <a:spcBef>
                 <a:spcPts val="0"/>
               </a:spcBef>
@@ -9063,28 +9312,13 @@
               <a:buNone/>
             </a:pPr>
             <a:r>
-              <a:t/>
-            </a:r>
-            <a:endParaRPr sz="2200"/>
-          </a:p>
-          <a:p>
-            <a:pPr indent="0" lvl="0" marL="0" rtl="0" algn="l">
-              <a:spcBef>
-                <a:spcPts val="0"/>
-              </a:spcBef>
-              <a:spcAft>
-                <a:spcPts val="0"/>
-              </a:spcAft>
-              <a:buNone/>
-            </a:pPr>
-            <a:r>
-              <a:rPr lang="ko" sz="2000"/>
+              <a:rPr lang="ko" sz="2000" dirty="0"/>
               <a:t>박민국: 회원가입 / 회원정보수정, 묻고답하기</a:t>
             </a:r>
-            <a:endParaRPr sz="2000"/>
-          </a:p>
-          <a:p>
-            <a:pPr indent="0" lvl="0" marL="0" rtl="0" algn="l">
+            <a:endParaRPr sz="2000" dirty="0"/>
+          </a:p>
+          <a:p>
+            <a:pPr marL="0" lvl="0" indent="0" algn="l" rtl="0">
               <a:spcBef>
                 <a:spcPts val="0"/>
               </a:spcBef>
@@ -9094,26 +9328,54 @@
               <a:buNone/>
             </a:pPr>
             <a:r>
-              <a:rPr lang="ko" sz="2000"/>
-              <a:t>최성진: 공지사항 게시판</a:t>
+              <a:rPr lang="ko" sz="2000" dirty="0"/>
+              <a:t>최성진: 공지사항 </a:t>
             </a:r>
-            <a:endParaRPr sz="2000"/>
-          </a:p>
-          <a:p>
-            <a:pPr indent="0" lvl="0" marL="0" rtl="0" algn="l">
-              <a:spcBef>
-                <a:spcPts val="0"/>
-              </a:spcBef>
-              <a:spcAft>
-                <a:spcPts val="0"/>
-              </a:spcAft>
-              <a:buNone/>
-            </a:pPr>
             <a:r>
-              <a:rPr lang="ko" sz="2000"/>
+              <a:rPr lang="ko" sz="2000" dirty="0" smtClean="0"/>
+              <a:t>게시판</a:t>
+            </a:r>
+            <a:endParaRPr lang="en-US" altLang="ko" sz="2000" dirty="0" smtClean="0"/>
+          </a:p>
+          <a:p>
+            <a:pPr marL="0" lvl="0" indent="0" algn="l" rtl="0">
+              <a:spcBef>
+                <a:spcPts val="0"/>
+              </a:spcBef>
+              <a:spcAft>
+                <a:spcPts val="0"/>
+              </a:spcAft>
+              <a:buNone/>
+            </a:pPr>
+            <a:r>
+              <a:rPr lang="ko-KR" altLang="en-US" sz="2000" dirty="0" smtClean="0"/>
+              <a:t>정희진</a:t>
+            </a:r>
+            <a:r>
+              <a:rPr lang="en-US" altLang="ko-KR" sz="2000" dirty="0" smtClean="0"/>
+              <a:t>: </a:t>
+            </a:r>
+            <a:r>
+              <a:rPr lang="ko-KR" altLang="en-US" sz="2000" smtClean="0"/>
+              <a:t>채용공고 게시판</a:t>
+            </a:r>
+            <a:endParaRPr sz="2000" dirty="0"/>
+          </a:p>
+          <a:p>
+            <a:pPr marL="0" lvl="0" indent="0" algn="l" rtl="0">
+              <a:spcBef>
+                <a:spcPts val="0"/>
+              </a:spcBef>
+              <a:spcAft>
+                <a:spcPts val="0"/>
+              </a:spcAft>
+              <a:buNone/>
+            </a:pPr>
+            <a:r>
+              <a:rPr lang="ko" sz="2000" dirty="0"/>
               <a:t>장진욱: 그 외 이것저것</a:t>
             </a:r>
-            <a:endParaRPr sz="2000"/>
+            <a:endParaRPr sz="2000" dirty="0"/>
           </a:p>
         </p:txBody>
       </p:sp>
@@ -9126,11 +9388,11 @@
 </file>
 
 <file path=ppt/slides/slide20.xml><?xml version="1.0" encoding="utf-8"?>
-<p:sld xmlns:a="http://schemas.openxmlformats.org/drawingml/2006/main" xmlns:r="http://schemas.openxmlformats.org/officeDocument/2006/relationships" xmlns:mc="http://schemas.openxmlformats.org/markup-compatibility/2006" xmlns:mv="urn:schemas-microsoft-com:mac:vml" xmlns:p="http://schemas.openxmlformats.org/presentationml/2006/main" xmlns:c="http://schemas.openxmlformats.org/drawingml/2006/chart" xmlns:dgm="http://schemas.openxmlformats.org/drawingml/2006/diagram" xmlns:o="urn:schemas-microsoft-com:office:office" xmlns:v="urn:schemas-microsoft-com:vml" xmlns:pvml="urn:schemas-microsoft-com:office:powerpoint" xmlns:com="http://schemas.openxmlformats.org/drawingml/2006/compatibility" xmlns:p14="http://schemas.microsoft.com/office/powerpoint/2010/main" xmlns:p15="http://schemas.microsoft.com/office/powerpoint/2012/main" xmlns:ahyp="http://schemas.microsoft.com/office/drawing/2018/hyperlinkcolor">
+<p:sld xmlns:a="http://schemas.openxmlformats.org/drawingml/2006/main" xmlns:r="http://schemas.openxmlformats.org/officeDocument/2006/relationships" xmlns:p="http://schemas.openxmlformats.org/presentationml/2006/main">
   <p:cSld>
     <p:spTree>
       <p:nvGrpSpPr>
-        <p:cNvPr id="177" name="Shape 177"/>
+        <p:cNvPr id="1" name="Shape 177"/>
         <p:cNvGrpSpPr/>
         <p:nvPr/>
       </p:nvGrpSpPr>
@@ -9145,9 +9407,11 @@
       <p:sp>
         <p:nvSpPr>
           <p:cNvPr id="178" name="Google Shape;178;p32"/>
-          <p:cNvSpPr txBox="1"/>
+          <p:cNvSpPr txBox="1">
+            <a:spLocks noGrp="1"/>
+          </p:cNvSpPr>
           <p:nvPr>
-            <p:ph idx="1" type="body"/>
+            <p:ph type="body" idx="1"/>
           </p:nvPr>
         </p:nvSpPr>
         <p:spPr>
@@ -9160,12 +9424,12 @@
           </a:prstGeom>
         </p:spPr>
         <p:txBody>
-          <a:bodyPr anchorCtr="0" anchor="t" bIns="91425" lIns="91425" spcFirstLastPara="1" rIns="91425" wrap="square" tIns="91425">
+          <a:bodyPr spcFirstLastPara="1" wrap="square" lIns="91425" tIns="91425" rIns="91425" bIns="91425" anchor="t" anchorCtr="0">
             <a:normAutofit/>
           </a:bodyPr>
           <a:lstStyle/>
           <a:p>
-            <a:pPr indent="0" lvl="0" marL="0" rtl="0" algn="l">
+            <a:pPr marL="0" lvl="0" indent="0" algn="l" rtl="0">
               <a:spcBef>
                 <a:spcPts val="0"/>
               </a:spcBef>
@@ -9175,13 +9439,13 @@
               <a:buNone/>
             </a:pPr>
             <a:r>
-              <a:rPr b="1" lang="ko"/>
+              <a:rPr lang="ko" b="1"/>
               <a:t>달력 API를 이용한 프로그램 일정 확인</a:t>
             </a:r>
             <a:endParaRPr b="1"/>
           </a:p>
           <a:p>
-            <a:pPr indent="-323850" lvl="0" marL="457200" rtl="0" algn="l">
+            <a:pPr marL="457200" lvl="0" indent="-323850" algn="l" rtl="0">
               <a:spcBef>
                 <a:spcPts val="1200"/>
               </a:spcBef>
@@ -9198,7 +9462,7 @@
             <a:endParaRPr sz="1500"/>
           </a:p>
           <a:p>
-            <a:pPr indent="-323850" lvl="0" marL="457200" rtl="0" algn="l">
+            <a:pPr marL="457200" lvl="0" indent="-323850" algn="l" rtl="0">
               <a:spcBef>
                 <a:spcPts val="0"/>
               </a:spcBef>
@@ -9215,7 +9479,7 @@
             <a:endParaRPr sz="1500"/>
           </a:p>
           <a:p>
-            <a:pPr indent="-323850" lvl="0" marL="457200" rtl="0" algn="l">
+            <a:pPr marL="457200" lvl="0" indent="-323850" algn="l" rtl="0">
               <a:spcBef>
                 <a:spcPts val="0"/>
               </a:spcBef>
@@ -9270,11 +9534,11 @@
 </file>
 
 <file path=ppt/slides/slide21.xml><?xml version="1.0" encoding="utf-8"?>
-<p:sld xmlns:a="http://schemas.openxmlformats.org/drawingml/2006/main" xmlns:r="http://schemas.openxmlformats.org/officeDocument/2006/relationships" xmlns:mc="http://schemas.openxmlformats.org/markup-compatibility/2006" xmlns:mv="urn:schemas-microsoft-com:mac:vml" xmlns:p="http://schemas.openxmlformats.org/presentationml/2006/main" xmlns:c="http://schemas.openxmlformats.org/drawingml/2006/chart" xmlns:dgm="http://schemas.openxmlformats.org/drawingml/2006/diagram" xmlns:o="urn:schemas-microsoft-com:office:office" xmlns:v="urn:schemas-microsoft-com:vml" xmlns:pvml="urn:schemas-microsoft-com:office:powerpoint" xmlns:com="http://schemas.openxmlformats.org/drawingml/2006/compatibility" xmlns:p14="http://schemas.microsoft.com/office/powerpoint/2010/main" xmlns:p15="http://schemas.microsoft.com/office/powerpoint/2012/main" xmlns:ahyp="http://schemas.microsoft.com/office/drawing/2018/hyperlinkcolor">
+<p:sld xmlns:a="http://schemas.openxmlformats.org/drawingml/2006/main" xmlns:r="http://schemas.openxmlformats.org/officeDocument/2006/relationships" xmlns:p="http://schemas.openxmlformats.org/presentationml/2006/main">
   <p:cSld>
     <p:spTree>
       <p:nvGrpSpPr>
-        <p:cNvPr id="183" name="Shape 183"/>
+        <p:cNvPr id="1" name="Shape 183"/>
         <p:cNvGrpSpPr/>
         <p:nvPr/>
       </p:nvGrpSpPr>
@@ -9289,9 +9553,11 @@
       <p:sp>
         <p:nvSpPr>
           <p:cNvPr id="184" name="Google Shape;184;p33"/>
-          <p:cNvSpPr txBox="1"/>
+          <p:cNvSpPr txBox="1">
+            <a:spLocks noGrp="1"/>
+          </p:cNvSpPr>
           <p:nvPr>
-            <p:ph idx="1" type="body"/>
+            <p:ph type="body" idx="1"/>
           </p:nvPr>
         </p:nvSpPr>
         <p:spPr>
@@ -9304,12 +9570,12 @@
           </a:prstGeom>
         </p:spPr>
         <p:txBody>
-          <a:bodyPr anchorCtr="0" anchor="t" bIns="91425" lIns="91425" spcFirstLastPara="1" rIns="91425" wrap="square" tIns="91425">
+          <a:bodyPr spcFirstLastPara="1" wrap="square" lIns="91425" tIns="91425" rIns="91425" bIns="91425" anchor="t" anchorCtr="0">
             <a:normAutofit/>
           </a:bodyPr>
           <a:lstStyle/>
           <a:p>
-            <a:pPr indent="0" lvl="0" marL="0" rtl="0" algn="l">
+            <a:pPr marL="0" lvl="0" indent="0" algn="l" rtl="0">
               <a:spcBef>
                 <a:spcPts val="0"/>
               </a:spcBef>
@@ -9319,13 +9585,13 @@
               <a:buNone/>
             </a:pPr>
             <a:r>
-              <a:rPr b="1" lang="ko"/>
+              <a:rPr lang="ko" b="1"/>
               <a:t>                 감사합니다.</a:t>
             </a:r>
             <a:endParaRPr b="1"/>
           </a:p>
           <a:p>
-            <a:pPr indent="0" lvl="0" marL="0" rtl="0" algn="l">
+            <a:pPr marL="0" lvl="0" indent="0" algn="l" rtl="0">
               <a:spcBef>
                 <a:spcPts val="1200"/>
               </a:spcBef>
@@ -9407,11 +9673,11 @@
 </file>
 
 <file path=ppt/slides/slide3.xml><?xml version="1.0" encoding="utf-8"?>
-<p:sld xmlns:a="http://schemas.openxmlformats.org/drawingml/2006/main" xmlns:r="http://schemas.openxmlformats.org/officeDocument/2006/relationships" xmlns:mc="http://schemas.openxmlformats.org/markup-compatibility/2006" xmlns:mv="urn:schemas-microsoft-com:mac:vml" xmlns:p="http://schemas.openxmlformats.org/presentationml/2006/main" xmlns:c="http://schemas.openxmlformats.org/drawingml/2006/chart" xmlns:dgm="http://schemas.openxmlformats.org/drawingml/2006/diagram" xmlns:o="urn:schemas-microsoft-com:office:office" xmlns:v="urn:schemas-microsoft-com:vml" xmlns:pvml="urn:schemas-microsoft-com:office:powerpoint" xmlns:com="http://schemas.openxmlformats.org/drawingml/2006/compatibility" xmlns:p14="http://schemas.microsoft.com/office/powerpoint/2010/main" xmlns:p15="http://schemas.microsoft.com/office/powerpoint/2012/main" xmlns:ahyp="http://schemas.microsoft.com/office/drawing/2018/hyperlinkcolor">
+<p:sld xmlns:a="http://schemas.openxmlformats.org/drawingml/2006/main" xmlns:r="http://schemas.openxmlformats.org/officeDocument/2006/relationships" xmlns:p="http://schemas.openxmlformats.org/presentationml/2006/main">
   <p:cSld>
     <p:spTree>
       <p:nvGrpSpPr>
-        <p:cNvPr id="65" name="Shape 65"/>
+        <p:cNvPr id="1" name="Shape 65"/>
         <p:cNvGrpSpPr/>
         <p:nvPr/>
       </p:nvGrpSpPr>
@@ -9426,7 +9692,9 @@
       <p:sp>
         <p:nvSpPr>
           <p:cNvPr id="66" name="Google Shape;66;p15"/>
-          <p:cNvSpPr txBox="1"/>
+          <p:cNvSpPr txBox="1">
+            <a:spLocks noGrp="1"/>
+          </p:cNvSpPr>
           <p:nvPr>
             <p:ph type="title"/>
           </p:nvPr>
@@ -9441,12 +9709,12 @@
           </a:prstGeom>
         </p:spPr>
         <p:txBody>
-          <a:bodyPr anchorCtr="0" anchor="t" bIns="91425" lIns="91425" spcFirstLastPara="1" rIns="91425" wrap="square" tIns="91425">
+          <a:bodyPr spcFirstLastPara="1" wrap="square" lIns="91425" tIns="91425" rIns="91425" bIns="91425" anchor="t" anchorCtr="0">
             <a:normAutofit fontScale="90000"/>
           </a:bodyPr>
           <a:lstStyle/>
           <a:p>
-            <a:pPr indent="0" lvl="0" marL="0" rtl="0" algn="l">
+            <a:pPr marL="0" lvl="0" indent="0" algn="l" rtl="0">
               <a:spcBef>
                 <a:spcPts val="0"/>
               </a:spcBef>
@@ -9466,9 +9734,11 @@
       <p:sp>
         <p:nvSpPr>
           <p:cNvPr id="67" name="Google Shape;67;p15"/>
-          <p:cNvSpPr txBox="1"/>
+          <p:cNvSpPr txBox="1">
+            <a:spLocks noGrp="1"/>
+          </p:cNvSpPr>
           <p:nvPr>
-            <p:ph idx="1" type="body"/>
+            <p:ph type="body" idx="1"/>
           </p:nvPr>
         </p:nvSpPr>
         <p:spPr>
@@ -9481,12 +9751,12 @@
           </a:prstGeom>
         </p:spPr>
         <p:txBody>
-          <a:bodyPr anchorCtr="0" anchor="t" bIns="91425" lIns="91425" spcFirstLastPara="1" rIns="91425" wrap="square" tIns="91425">
+          <a:bodyPr spcFirstLastPara="1" wrap="square" lIns="91425" tIns="91425" rIns="91425" bIns="91425" anchor="t" anchorCtr="0">
             <a:normAutofit/>
           </a:bodyPr>
           <a:lstStyle/>
           <a:p>
-            <a:pPr indent="-342900" lvl="0" marL="457200" rtl="0" algn="l">
+            <a:pPr marL="457200" lvl="0" indent="-342900" algn="l" rtl="0">
               <a:spcBef>
                 <a:spcPts val="0"/>
               </a:spcBef>
@@ -9503,7 +9773,7 @@
             <a:endParaRPr/>
           </a:p>
           <a:p>
-            <a:pPr indent="-342900" lvl="0" marL="457200" rtl="0" algn="l">
+            <a:pPr marL="457200" lvl="0" indent="-342900" algn="l" rtl="0">
               <a:spcBef>
                 <a:spcPts val="0"/>
               </a:spcBef>
@@ -9520,7 +9790,7 @@
             <a:endParaRPr/>
           </a:p>
           <a:p>
-            <a:pPr indent="-342900" lvl="0" marL="457200" rtl="0" algn="l">
+            <a:pPr marL="457200" lvl="0" indent="-342900" algn="l" rtl="0">
               <a:spcBef>
                 <a:spcPts val="0"/>
               </a:spcBef>
@@ -9537,7 +9807,7 @@
             <a:endParaRPr/>
           </a:p>
           <a:p>
-            <a:pPr indent="-342900" lvl="0" marL="457200" rtl="0" algn="l">
+            <a:pPr marL="457200" lvl="0" indent="-342900" algn="l" rtl="0">
               <a:spcBef>
                 <a:spcPts val="0"/>
               </a:spcBef>
@@ -9554,7 +9824,7 @@
             <a:endParaRPr/>
           </a:p>
           <a:p>
-            <a:pPr indent="-342900" lvl="0" marL="457200" rtl="0" algn="l">
+            <a:pPr marL="457200" lvl="0" indent="-342900" algn="l" rtl="0">
               <a:spcBef>
                 <a:spcPts val="0"/>
               </a:spcBef>
@@ -9571,7 +9841,7 @@
             <a:endParaRPr/>
           </a:p>
           <a:p>
-            <a:pPr indent="-342900" lvl="0" marL="457200" rtl="0" algn="l">
+            <a:pPr marL="457200" lvl="0" indent="-342900" algn="l" rtl="0">
               <a:spcBef>
                 <a:spcPts val="0"/>
               </a:spcBef>
@@ -9588,7 +9858,7 @@
             <a:endParaRPr/>
           </a:p>
           <a:p>
-            <a:pPr indent="-342900" lvl="0" marL="457200" rtl="0" algn="l">
+            <a:pPr marL="457200" lvl="0" indent="-342900" algn="l" rtl="0">
               <a:spcBef>
                 <a:spcPts val="0"/>
               </a:spcBef>
@@ -9615,11 +9885,11 @@
 </file>
 
 <file path=ppt/slides/slide4.xml><?xml version="1.0" encoding="utf-8"?>
-<p:sld xmlns:a="http://schemas.openxmlformats.org/drawingml/2006/main" xmlns:r="http://schemas.openxmlformats.org/officeDocument/2006/relationships" xmlns:mc="http://schemas.openxmlformats.org/markup-compatibility/2006" xmlns:mv="urn:schemas-microsoft-com:mac:vml" xmlns:p="http://schemas.openxmlformats.org/presentationml/2006/main" xmlns:c="http://schemas.openxmlformats.org/drawingml/2006/chart" xmlns:dgm="http://schemas.openxmlformats.org/drawingml/2006/diagram" xmlns:o="urn:schemas-microsoft-com:office:office" xmlns:v="urn:schemas-microsoft-com:vml" xmlns:pvml="urn:schemas-microsoft-com:office:powerpoint" xmlns:com="http://schemas.openxmlformats.org/drawingml/2006/compatibility" xmlns:p14="http://schemas.microsoft.com/office/powerpoint/2010/main" xmlns:p15="http://schemas.microsoft.com/office/powerpoint/2012/main" xmlns:ahyp="http://schemas.microsoft.com/office/drawing/2018/hyperlinkcolor">
+<p:sld xmlns:a="http://schemas.openxmlformats.org/drawingml/2006/main" xmlns:r="http://schemas.openxmlformats.org/officeDocument/2006/relationships" xmlns:p="http://schemas.openxmlformats.org/presentationml/2006/main">
   <p:cSld>
     <p:spTree>
       <p:nvGrpSpPr>
-        <p:cNvPr id="71" name="Shape 71"/>
+        <p:cNvPr id="1" name="Shape 71"/>
         <p:cNvGrpSpPr/>
         <p:nvPr/>
       </p:nvGrpSpPr>
@@ -9634,7 +9904,9 @@
       <p:sp>
         <p:nvSpPr>
           <p:cNvPr id="72" name="Google Shape;72;p16"/>
-          <p:cNvSpPr txBox="1"/>
+          <p:cNvSpPr txBox="1">
+            <a:spLocks noGrp="1"/>
+          </p:cNvSpPr>
           <p:nvPr>
             <p:ph type="title"/>
           </p:nvPr>
@@ -9649,12 +9921,12 @@
           </a:prstGeom>
         </p:spPr>
         <p:txBody>
-          <a:bodyPr anchorCtr="0" anchor="t" bIns="91425" lIns="91425" spcFirstLastPara="1" rIns="91425" wrap="square" tIns="91425">
+          <a:bodyPr spcFirstLastPara="1" wrap="square" lIns="91425" tIns="91425" rIns="91425" bIns="91425" anchor="t" anchorCtr="0">
             <a:normAutofit fontScale="90000"/>
           </a:bodyPr>
           <a:lstStyle/>
           <a:p>
-            <a:pPr indent="0" lvl="0" marL="0" rtl="0" algn="l">
+            <a:pPr marL="0" lvl="0" indent="0" algn="l" rtl="0">
               <a:spcBef>
                 <a:spcPts val="0"/>
               </a:spcBef>
@@ -9665,11 +9937,7 @@
             </a:pPr>
             <a:r>
               <a:rPr lang="ko"/>
-              <a:t>DB </a:t>
-            </a:r>
-            <a:r>
-              <a:rPr lang="ko"/>
-              <a:t>설계</a:t>
+              <a:t>DB 설계</a:t>
             </a:r>
             <a:endParaRPr/>
           </a:p>
@@ -9678,9 +9946,11 @@
       <p:sp>
         <p:nvSpPr>
           <p:cNvPr id="73" name="Google Shape;73;p16"/>
-          <p:cNvSpPr txBox="1"/>
+          <p:cNvSpPr txBox="1">
+            <a:spLocks noGrp="1"/>
+          </p:cNvSpPr>
           <p:nvPr>
-            <p:ph idx="1" type="body"/>
+            <p:ph type="body" idx="1"/>
           </p:nvPr>
         </p:nvSpPr>
         <p:spPr>
@@ -9693,12 +9963,12 @@
           </a:prstGeom>
         </p:spPr>
         <p:txBody>
-          <a:bodyPr anchorCtr="0" anchor="t" bIns="91425" lIns="91425" spcFirstLastPara="1" rIns="91425" wrap="square" tIns="91425">
+          <a:bodyPr spcFirstLastPara="1" wrap="square" lIns="91425" tIns="91425" rIns="91425" bIns="91425" anchor="t" anchorCtr="0">
             <a:normAutofit/>
           </a:bodyPr>
           <a:lstStyle/>
           <a:p>
-            <a:pPr indent="0" lvl="0" marL="0" rtl="0" algn="l">
+            <a:pPr marL="0" lvl="0" indent="0" algn="l" rtl="0">
               <a:spcBef>
                 <a:spcPts val="0"/>
               </a:spcBef>
@@ -9707,9 +9977,6 @@
               </a:spcAft>
               <a:buNone/>
             </a:pPr>
-            <a:r>
-              <a:t/>
-            </a:r>
             <a:endParaRPr/>
           </a:p>
         </p:txBody>
@@ -9751,11 +10018,11 @@
 </file>
 
 <file path=ppt/slides/slide5.xml><?xml version="1.0" encoding="utf-8"?>
-<p:sld xmlns:a="http://schemas.openxmlformats.org/drawingml/2006/main" xmlns:r="http://schemas.openxmlformats.org/officeDocument/2006/relationships" xmlns:mc="http://schemas.openxmlformats.org/markup-compatibility/2006" xmlns:mv="urn:schemas-microsoft-com:mac:vml" xmlns:p="http://schemas.openxmlformats.org/presentationml/2006/main" xmlns:c="http://schemas.openxmlformats.org/drawingml/2006/chart" xmlns:dgm="http://schemas.openxmlformats.org/drawingml/2006/diagram" xmlns:o="urn:schemas-microsoft-com:office:office" xmlns:v="urn:schemas-microsoft-com:vml" xmlns:pvml="urn:schemas-microsoft-com:office:powerpoint" xmlns:com="http://schemas.openxmlformats.org/drawingml/2006/compatibility" xmlns:p14="http://schemas.microsoft.com/office/powerpoint/2010/main" xmlns:p15="http://schemas.microsoft.com/office/powerpoint/2012/main" xmlns:ahyp="http://schemas.microsoft.com/office/drawing/2018/hyperlinkcolor">
+<p:sld xmlns:a="http://schemas.openxmlformats.org/drawingml/2006/main" xmlns:r="http://schemas.openxmlformats.org/officeDocument/2006/relationships" xmlns:p="http://schemas.openxmlformats.org/presentationml/2006/main">
   <p:cSld>
     <p:spTree>
       <p:nvGrpSpPr>
-        <p:cNvPr id="78" name="Shape 78"/>
+        <p:cNvPr id="1" name="Shape 78"/>
         <p:cNvGrpSpPr/>
         <p:nvPr/>
       </p:nvGrpSpPr>
@@ -9770,7 +10037,9 @@
       <p:sp>
         <p:nvSpPr>
           <p:cNvPr id="79" name="Google Shape;79;p17"/>
-          <p:cNvSpPr txBox="1"/>
+          <p:cNvSpPr txBox="1">
+            <a:spLocks noGrp="1"/>
+          </p:cNvSpPr>
           <p:nvPr>
             <p:ph type="title"/>
           </p:nvPr>
@@ -9785,12 +10054,12 @@
           </a:prstGeom>
         </p:spPr>
         <p:txBody>
-          <a:bodyPr anchorCtr="0" anchor="t" bIns="91425" lIns="91425" spcFirstLastPara="1" rIns="91425" wrap="square" tIns="91425">
+          <a:bodyPr spcFirstLastPara="1" wrap="square" lIns="91425" tIns="91425" rIns="91425" bIns="91425" anchor="t" anchorCtr="0">
             <a:normAutofit fontScale="90000"/>
           </a:bodyPr>
           <a:lstStyle/>
           <a:p>
-            <a:pPr indent="0" lvl="0" marL="0" rtl="0" algn="l">
+            <a:pPr marL="0" lvl="0" indent="0" algn="l" rtl="0">
               <a:spcBef>
                 <a:spcPts val="0"/>
               </a:spcBef>
@@ -9810,9 +10079,11 @@
       <p:sp>
         <p:nvSpPr>
           <p:cNvPr id="80" name="Google Shape;80;p17"/>
-          <p:cNvSpPr txBox="1"/>
+          <p:cNvSpPr txBox="1">
+            <a:spLocks noGrp="1"/>
+          </p:cNvSpPr>
           <p:nvPr>
-            <p:ph idx="1" type="body"/>
+            <p:ph type="body" idx="1"/>
           </p:nvPr>
         </p:nvSpPr>
         <p:spPr>
@@ -9825,12 +10096,12 @@
           </a:prstGeom>
         </p:spPr>
         <p:txBody>
-          <a:bodyPr anchorCtr="0" anchor="t" bIns="91425" lIns="91425" spcFirstLastPara="1" rIns="91425" wrap="square" tIns="91425">
-            <a:normAutofit fontScale="85000" lnSpcReduction="10000"/>
+          <a:bodyPr spcFirstLastPara="1" wrap="square" lIns="91425" tIns="91425" rIns="91425" bIns="91425" anchor="t" anchorCtr="0">
+            <a:normAutofit fontScale="77500" lnSpcReduction="20000"/>
           </a:bodyPr>
           <a:lstStyle/>
           <a:p>
-            <a:pPr indent="0" lvl="0" marL="0" rtl="0" algn="l">
+            <a:pPr marL="0" lvl="0" indent="0" algn="l" rtl="0">
               <a:spcBef>
                 <a:spcPts val="0"/>
               </a:spcBef>
@@ -9841,16 +10112,12 @@
             </a:pPr>
             <a:r>
               <a:rPr lang="ko"/>
-              <a:t>Top </a:t>
-            </a:r>
-            <a:r>
-              <a:rPr lang="ko"/>
-              <a:t>툴바</a:t>
+              <a:t>Top 툴바</a:t>
             </a:r>
             <a:endParaRPr/>
           </a:p>
           <a:p>
-            <a:pPr indent="0" lvl="0" marL="0" rtl="0" algn="l">
+            <a:pPr marL="0" lvl="0" indent="0" algn="l" rtl="0">
               <a:spcBef>
                 <a:spcPts val="1200"/>
               </a:spcBef>
@@ -9898,9 +10165,11 @@
       <p:sp>
         <p:nvSpPr>
           <p:cNvPr id="82" name="Google Shape;82;p17"/>
-          <p:cNvSpPr txBox="1"/>
+          <p:cNvSpPr txBox="1">
+            <a:spLocks noGrp="1"/>
+          </p:cNvSpPr>
           <p:nvPr>
-            <p:ph idx="1" type="body"/>
+            <p:ph type="body" idx="1"/>
           </p:nvPr>
         </p:nvSpPr>
         <p:spPr>
@@ -9913,12 +10182,12 @@
           </a:prstGeom>
         </p:spPr>
         <p:txBody>
-          <a:bodyPr anchorCtr="0" anchor="t" bIns="91425" lIns="91425" spcFirstLastPara="1" rIns="91425" wrap="square" tIns="91425">
-            <a:normAutofit fontScale="92500" lnSpcReduction="20000"/>
+          <a:bodyPr spcFirstLastPara="1" wrap="square" lIns="91425" tIns="91425" rIns="91425" bIns="91425" anchor="t" anchorCtr="0">
+            <a:normAutofit fontScale="85000" lnSpcReduction="10000"/>
           </a:bodyPr>
           <a:lstStyle/>
           <a:p>
-            <a:pPr indent="0" lvl="0" marL="0" rtl="0" algn="l">
+            <a:pPr marL="0" lvl="0" indent="0" algn="l" rtl="0">
               <a:spcBef>
                 <a:spcPts val="0"/>
               </a:spcBef>
@@ -9929,16 +10198,12 @@
             </a:pPr>
             <a:r>
               <a:rPr lang="ko"/>
-              <a:t>Middle </a:t>
-            </a:r>
-            <a:r>
-              <a:rPr lang="ko"/>
-              <a:t>화면</a:t>
+              <a:t>Middle 화면</a:t>
             </a:r>
             <a:endParaRPr/>
           </a:p>
           <a:p>
-            <a:pPr indent="0" lvl="0" marL="0" rtl="0" algn="l">
+            <a:pPr marL="0" lvl="0" indent="0" algn="l" rtl="0">
               <a:spcBef>
                 <a:spcPts val="1200"/>
               </a:spcBef>
@@ -9970,14 +10235,14 @@
             <a:avLst/>
           </a:prstGeom>
           <a:noFill/>
-          <a:ln cap="flat" cmpd="sng" w="9525">
+          <a:ln w="9525" cap="flat" cmpd="sng">
             <a:solidFill>
               <a:schemeClr val="dk2"/>
             </a:solidFill>
             <a:prstDash val="solid"/>
             <a:round/>
-            <a:headEnd len="med" w="med" type="none"/>
-            <a:tailEnd len="med" w="med" type="triangle"/>
+            <a:headEnd type="none" w="med" len="med"/>
+            <a:tailEnd type="triangle" w="med" len="med"/>
           </a:ln>
         </p:spPr>
       </p:cxnSp>
@@ -9996,14 +10261,14 @@
             <a:avLst/>
           </a:prstGeom>
           <a:noFill/>
-          <a:ln cap="flat" cmpd="sng" w="9525">
+          <a:ln w="9525" cap="flat" cmpd="sng">
             <a:solidFill>
               <a:schemeClr val="dk2"/>
             </a:solidFill>
             <a:prstDash val="solid"/>
             <a:round/>
-            <a:headEnd len="med" w="med" type="none"/>
-            <a:tailEnd len="med" w="med" type="triangle"/>
+            <a:headEnd type="none" w="med" len="med"/>
+            <a:tailEnd type="triangle" w="med" len="med"/>
           </a:ln>
         </p:spPr>
       </p:cxnSp>
@@ -10016,11 +10281,11 @@
 </file>
 
 <file path=ppt/slides/slide6.xml><?xml version="1.0" encoding="utf-8"?>
-<p:sld xmlns:a="http://schemas.openxmlformats.org/drawingml/2006/main" xmlns:r="http://schemas.openxmlformats.org/officeDocument/2006/relationships" xmlns:mc="http://schemas.openxmlformats.org/markup-compatibility/2006" xmlns:mv="urn:schemas-microsoft-com:mac:vml" xmlns:p="http://schemas.openxmlformats.org/presentationml/2006/main" xmlns:c="http://schemas.openxmlformats.org/drawingml/2006/chart" xmlns:dgm="http://schemas.openxmlformats.org/drawingml/2006/diagram" xmlns:o="urn:schemas-microsoft-com:office:office" xmlns:v="urn:schemas-microsoft-com:vml" xmlns:pvml="urn:schemas-microsoft-com:office:powerpoint" xmlns:com="http://schemas.openxmlformats.org/drawingml/2006/compatibility" xmlns:p14="http://schemas.microsoft.com/office/powerpoint/2010/main" xmlns:p15="http://schemas.microsoft.com/office/powerpoint/2012/main" xmlns:ahyp="http://schemas.microsoft.com/office/drawing/2018/hyperlinkcolor">
+<p:sld xmlns:a="http://schemas.openxmlformats.org/drawingml/2006/main" xmlns:r="http://schemas.openxmlformats.org/officeDocument/2006/relationships" xmlns:p="http://schemas.openxmlformats.org/presentationml/2006/main">
   <p:cSld>
     <p:spTree>
       <p:nvGrpSpPr>
-        <p:cNvPr id="88" name="Shape 88"/>
+        <p:cNvPr id="1" name="Shape 88"/>
         <p:cNvGrpSpPr/>
         <p:nvPr/>
       </p:nvGrpSpPr>
@@ -10035,7 +10300,9 @@
       <p:sp>
         <p:nvSpPr>
           <p:cNvPr id="89" name="Google Shape;89;p18"/>
-          <p:cNvSpPr txBox="1"/>
+          <p:cNvSpPr txBox="1">
+            <a:spLocks noGrp="1"/>
+          </p:cNvSpPr>
           <p:nvPr>
             <p:ph type="title"/>
           </p:nvPr>
@@ -10050,12 +10317,12 @@
           </a:prstGeom>
         </p:spPr>
         <p:txBody>
-          <a:bodyPr anchorCtr="0" anchor="t" bIns="91425" lIns="91425" spcFirstLastPara="1" rIns="91425" wrap="square" tIns="91425">
+          <a:bodyPr spcFirstLastPara="1" wrap="square" lIns="91425" tIns="91425" rIns="91425" bIns="91425" anchor="t" anchorCtr="0">
             <a:normAutofit fontScale="90000"/>
           </a:bodyPr>
           <a:lstStyle/>
           <a:p>
-            <a:pPr indent="0" lvl="0" marL="0" rtl="0" algn="l">
+            <a:pPr marL="0" lvl="0" indent="0" algn="l" rtl="0">
               <a:spcBef>
                 <a:spcPts val="0"/>
               </a:spcBef>
@@ -10075,9 +10342,11 @@
       <p:sp>
         <p:nvSpPr>
           <p:cNvPr id="90" name="Google Shape;90;p18"/>
-          <p:cNvSpPr txBox="1"/>
+          <p:cNvSpPr txBox="1">
+            <a:spLocks noGrp="1"/>
+          </p:cNvSpPr>
           <p:nvPr>
-            <p:ph idx="1" type="body"/>
+            <p:ph type="body" idx="1"/>
           </p:nvPr>
         </p:nvSpPr>
         <p:spPr>
@@ -10090,12 +10359,12 @@
           </a:prstGeom>
         </p:spPr>
         <p:txBody>
-          <a:bodyPr anchorCtr="0" anchor="t" bIns="91425" lIns="91425" spcFirstLastPara="1" rIns="91425" wrap="square" tIns="91425">
-            <a:normAutofit/>
+          <a:bodyPr spcFirstLastPara="1" wrap="square" lIns="91425" tIns="91425" rIns="91425" bIns="91425" anchor="t" anchorCtr="0">
+            <a:normAutofit lnSpcReduction="10000"/>
           </a:bodyPr>
           <a:lstStyle/>
           <a:p>
-            <a:pPr indent="0" lvl="0" marL="0" rtl="0" algn="l">
+            <a:pPr marL="0" lvl="0" indent="0" algn="l" rtl="0">
               <a:spcBef>
                 <a:spcPts val="0"/>
               </a:spcBef>
@@ -10111,7 +10380,7 @@
             <a:endParaRPr/>
           </a:p>
           <a:p>
-            <a:pPr indent="0" lvl="0" marL="0" rtl="0" algn="l">
+            <a:pPr marL="0" lvl="0" indent="0" algn="l" rtl="0">
               <a:spcBef>
                 <a:spcPts val="1200"/>
               </a:spcBef>
@@ -10146,14 +10415,14 @@
             <a:avLst/>
           </a:prstGeom>
           <a:noFill/>
-          <a:ln cap="flat" cmpd="sng" w="9525">
+          <a:ln w="9525" cap="flat" cmpd="sng">
             <a:solidFill>
               <a:schemeClr val="dk2"/>
             </a:solidFill>
             <a:prstDash val="solid"/>
             <a:round/>
-            <a:headEnd len="med" w="med" type="none"/>
-            <a:tailEnd len="med" w="med" type="triangle"/>
+            <a:headEnd type="none" w="med" len="med"/>
+            <a:tailEnd type="triangle" w="med" len="med"/>
           </a:ln>
         </p:spPr>
       </p:cxnSp>
@@ -10194,11 +10463,11 @@
 </file>
 
 <file path=ppt/slides/slide7.xml><?xml version="1.0" encoding="utf-8"?>
-<p:sld xmlns:a="http://schemas.openxmlformats.org/drawingml/2006/main" xmlns:r="http://schemas.openxmlformats.org/officeDocument/2006/relationships" xmlns:mc="http://schemas.openxmlformats.org/markup-compatibility/2006" xmlns:mv="urn:schemas-microsoft-com:mac:vml" xmlns:p="http://schemas.openxmlformats.org/presentationml/2006/main" xmlns:c="http://schemas.openxmlformats.org/drawingml/2006/chart" xmlns:dgm="http://schemas.openxmlformats.org/drawingml/2006/diagram" xmlns:o="urn:schemas-microsoft-com:office:office" xmlns:v="urn:schemas-microsoft-com:vml" xmlns:pvml="urn:schemas-microsoft-com:office:powerpoint" xmlns:com="http://schemas.openxmlformats.org/drawingml/2006/compatibility" xmlns:p14="http://schemas.microsoft.com/office/powerpoint/2010/main" xmlns:p15="http://schemas.microsoft.com/office/powerpoint/2012/main" xmlns:ahyp="http://schemas.microsoft.com/office/drawing/2018/hyperlinkcolor">
+<p:sld xmlns:a="http://schemas.openxmlformats.org/drawingml/2006/main" xmlns:r="http://schemas.openxmlformats.org/officeDocument/2006/relationships" xmlns:p="http://schemas.openxmlformats.org/presentationml/2006/main">
   <p:cSld>
     <p:spTree>
       <p:nvGrpSpPr>
-        <p:cNvPr id="96" name="Shape 96"/>
+        <p:cNvPr id="1" name="Shape 96"/>
         <p:cNvGrpSpPr/>
         <p:nvPr/>
       </p:nvGrpSpPr>
@@ -10213,9 +10482,11 @@
       <p:sp>
         <p:nvSpPr>
           <p:cNvPr id="97" name="Google Shape;97;p19"/>
-          <p:cNvSpPr txBox="1"/>
+          <p:cNvSpPr txBox="1">
+            <a:spLocks noGrp="1"/>
+          </p:cNvSpPr>
           <p:nvPr>
-            <p:ph idx="1" type="body"/>
+            <p:ph type="body" idx="1"/>
           </p:nvPr>
         </p:nvSpPr>
         <p:spPr>
@@ -10228,12 +10499,12 @@
           </a:prstGeom>
         </p:spPr>
         <p:txBody>
-          <a:bodyPr anchorCtr="0" anchor="t" bIns="91425" lIns="91425" spcFirstLastPara="1" rIns="91425" wrap="square" tIns="91425">
-            <a:normAutofit lnSpcReduction="20000"/>
+          <a:bodyPr spcFirstLastPara="1" wrap="square" lIns="91425" tIns="91425" rIns="91425" bIns="91425" anchor="t" anchorCtr="0">
+            <a:normAutofit fontScale="62500" lnSpcReduction="20000"/>
           </a:bodyPr>
           <a:lstStyle/>
           <a:p>
-            <a:pPr indent="0" lvl="0" marL="0" rtl="0" algn="l">
+            <a:pPr marL="0" lvl="0" indent="0" algn="l" rtl="0">
               <a:spcBef>
                 <a:spcPts val="0"/>
               </a:spcBef>
@@ -10249,7 +10520,7 @@
             <a:endParaRPr/>
           </a:p>
           <a:p>
-            <a:pPr indent="0" lvl="0" marL="0" rtl="0" algn="l">
+            <a:pPr marL="0" lvl="0" indent="0" algn="l" rtl="0">
               <a:spcBef>
                 <a:spcPts val="1200"/>
               </a:spcBef>
@@ -10303,11 +10574,11 @@
 </file>
 
 <file path=ppt/slides/slide8.xml><?xml version="1.0" encoding="utf-8"?>
-<p:sld xmlns:a="http://schemas.openxmlformats.org/drawingml/2006/main" xmlns:r="http://schemas.openxmlformats.org/officeDocument/2006/relationships" xmlns:mc="http://schemas.openxmlformats.org/markup-compatibility/2006" xmlns:mv="urn:schemas-microsoft-com:mac:vml" xmlns:p="http://schemas.openxmlformats.org/presentationml/2006/main" xmlns:c="http://schemas.openxmlformats.org/drawingml/2006/chart" xmlns:dgm="http://schemas.openxmlformats.org/drawingml/2006/diagram" xmlns:o="urn:schemas-microsoft-com:office:office" xmlns:v="urn:schemas-microsoft-com:vml" xmlns:pvml="urn:schemas-microsoft-com:office:powerpoint" xmlns:com="http://schemas.openxmlformats.org/drawingml/2006/compatibility" xmlns:p14="http://schemas.microsoft.com/office/powerpoint/2010/main" xmlns:p15="http://schemas.microsoft.com/office/powerpoint/2012/main" xmlns:ahyp="http://schemas.microsoft.com/office/drawing/2018/hyperlinkcolor">
+<p:sld xmlns:a="http://schemas.openxmlformats.org/drawingml/2006/main" xmlns:r="http://schemas.openxmlformats.org/officeDocument/2006/relationships" xmlns:p="http://schemas.openxmlformats.org/presentationml/2006/main">
   <p:cSld>
     <p:spTree>
       <p:nvGrpSpPr>
-        <p:cNvPr id="102" name="Shape 102"/>
+        <p:cNvPr id="1" name="Shape 102"/>
         <p:cNvGrpSpPr/>
         <p:nvPr/>
       </p:nvGrpSpPr>
@@ -10322,7 +10593,9 @@
       <p:sp>
         <p:nvSpPr>
           <p:cNvPr id="103" name="Google Shape;103;p20"/>
-          <p:cNvSpPr txBox="1"/>
+          <p:cNvSpPr txBox="1">
+            <a:spLocks noGrp="1"/>
+          </p:cNvSpPr>
           <p:nvPr>
             <p:ph type="title"/>
           </p:nvPr>
@@ -10337,12 +10610,12 @@
           </a:prstGeom>
         </p:spPr>
         <p:txBody>
-          <a:bodyPr anchorCtr="0" anchor="t" bIns="91425" lIns="91425" spcFirstLastPara="1" rIns="91425" wrap="square" tIns="91425">
+          <a:bodyPr spcFirstLastPara="1" wrap="square" lIns="91425" tIns="91425" rIns="91425" bIns="91425" anchor="t" anchorCtr="0">
             <a:normAutofit fontScale="90000"/>
           </a:bodyPr>
           <a:lstStyle/>
           <a:p>
-            <a:pPr indent="0" lvl="0" marL="0" rtl="0" algn="l">
+            <a:pPr marL="0" lvl="0" indent="0" algn="l" rtl="0">
               <a:spcBef>
                 <a:spcPts val="0"/>
               </a:spcBef>
@@ -10362,9 +10635,11 @@
       <p:sp>
         <p:nvSpPr>
           <p:cNvPr id="104" name="Google Shape;104;p20"/>
-          <p:cNvSpPr txBox="1"/>
+          <p:cNvSpPr txBox="1">
+            <a:spLocks noGrp="1"/>
+          </p:cNvSpPr>
           <p:nvPr>
-            <p:ph idx="1" type="body"/>
+            <p:ph type="body" idx="1"/>
           </p:nvPr>
         </p:nvSpPr>
         <p:spPr>
@@ -10377,12 +10652,12 @@
           </a:prstGeom>
         </p:spPr>
         <p:txBody>
-          <a:bodyPr anchorCtr="0" anchor="t" bIns="91425" lIns="91425" spcFirstLastPara="1" rIns="91425" wrap="square" tIns="91425">
+          <a:bodyPr spcFirstLastPara="1" wrap="square" lIns="91425" tIns="91425" rIns="91425" bIns="91425" anchor="t" anchorCtr="0">
             <a:normAutofit/>
           </a:bodyPr>
           <a:lstStyle/>
           <a:p>
-            <a:pPr indent="0" lvl="0" marL="0" rtl="0" algn="l">
+            <a:pPr marL="0" lvl="0" indent="0" algn="l" rtl="0">
               <a:spcBef>
                 <a:spcPts val="0"/>
               </a:spcBef>
@@ -10398,7 +10673,7 @@
             <a:endParaRPr/>
           </a:p>
           <a:p>
-            <a:pPr indent="0" lvl="0" marL="0" rtl="0" algn="l">
+            <a:pPr marL="0" lvl="0" indent="0" algn="l" rtl="0">
               <a:spcBef>
                 <a:spcPts val="1200"/>
               </a:spcBef>
@@ -10414,7 +10689,7 @@
             <a:endParaRPr/>
           </a:p>
           <a:p>
-            <a:pPr indent="0" lvl="0" marL="0" rtl="0" algn="l">
+            <a:pPr marL="0" lvl="0" indent="0" algn="l" rtl="0">
               <a:spcBef>
                 <a:spcPts val="1200"/>
               </a:spcBef>
@@ -10430,7 +10705,7 @@
             <a:endParaRPr/>
           </a:p>
           <a:p>
-            <a:pPr indent="0" lvl="0" marL="0" rtl="0" algn="l">
+            <a:pPr marL="0" lvl="0" indent="0" algn="l" rtl="0">
               <a:spcBef>
                 <a:spcPts val="1200"/>
               </a:spcBef>
@@ -10441,11 +10716,7 @@
             </a:pPr>
             <a:r>
               <a:rPr lang="ko"/>
-              <a:t>사용한 오픈소스</a:t>
-            </a:r>
-            <a:r>
-              <a:rPr lang="ko"/>
-              <a:t> - Daum PostCode API, Kakao Maps API, Jquery 1.12.4, DateTimePicker, Fullcalendar, Swiper, JSON-simple-1.1.1</a:t>
+              <a:t>사용한 오픈소스 - Daum PostCode API, Kakao Maps API, Jquery 1.12.4, DateTimePicker, Fullcalendar, Swiper, JSON-simple-1.1.1</a:t>
             </a:r>
             <a:endParaRPr/>
           </a:p>
@@ -10488,11 +10759,11 @@
 </file>
 
 <file path=ppt/slides/slide9.xml><?xml version="1.0" encoding="utf-8"?>
-<p:sld xmlns:a="http://schemas.openxmlformats.org/drawingml/2006/main" xmlns:r="http://schemas.openxmlformats.org/officeDocument/2006/relationships" xmlns:mc="http://schemas.openxmlformats.org/markup-compatibility/2006" xmlns:mv="urn:schemas-microsoft-com:mac:vml" xmlns:p="http://schemas.openxmlformats.org/presentationml/2006/main" xmlns:c="http://schemas.openxmlformats.org/drawingml/2006/chart" xmlns:dgm="http://schemas.openxmlformats.org/drawingml/2006/diagram" xmlns:o="urn:schemas-microsoft-com:office:office" xmlns:v="urn:schemas-microsoft-com:vml" xmlns:pvml="urn:schemas-microsoft-com:office:powerpoint" xmlns:com="http://schemas.openxmlformats.org/drawingml/2006/compatibility" xmlns:p14="http://schemas.microsoft.com/office/powerpoint/2010/main" xmlns:p15="http://schemas.microsoft.com/office/powerpoint/2012/main" xmlns:ahyp="http://schemas.microsoft.com/office/drawing/2018/hyperlinkcolor">
+<p:sld xmlns:a="http://schemas.openxmlformats.org/drawingml/2006/main" xmlns:r="http://schemas.openxmlformats.org/officeDocument/2006/relationships" xmlns:p="http://schemas.openxmlformats.org/presentationml/2006/main">
   <p:cSld>
     <p:spTree>
       <p:nvGrpSpPr>
-        <p:cNvPr id="109" name="Shape 109"/>
+        <p:cNvPr id="1" name="Shape 109"/>
         <p:cNvGrpSpPr/>
         <p:nvPr/>
       </p:nvGrpSpPr>
@@ -10507,7 +10778,9 @@
       <p:sp>
         <p:nvSpPr>
           <p:cNvPr id="110" name="Google Shape;110;p21"/>
-          <p:cNvSpPr txBox="1"/>
+          <p:cNvSpPr txBox="1">
+            <a:spLocks noGrp="1"/>
+          </p:cNvSpPr>
           <p:nvPr>
             <p:ph type="title"/>
           </p:nvPr>
@@ -10522,12 +10795,12 @@
           </a:prstGeom>
         </p:spPr>
         <p:txBody>
-          <a:bodyPr anchorCtr="0" anchor="t" bIns="91425" lIns="91425" spcFirstLastPara="1" rIns="91425" wrap="square" tIns="91425">
+          <a:bodyPr spcFirstLastPara="1" wrap="square" lIns="91425" tIns="91425" rIns="91425" bIns="91425" anchor="t" anchorCtr="0">
             <a:normAutofit fontScale="90000"/>
           </a:bodyPr>
           <a:lstStyle/>
           <a:p>
-            <a:pPr indent="0" lvl="0" marL="0" rtl="0" algn="l">
+            <a:pPr marL="0" lvl="0" indent="0" algn="l" rtl="0">
               <a:spcBef>
                 <a:spcPts val="0"/>
               </a:spcBef>
@@ -10547,9 +10820,11 @@
       <p:sp>
         <p:nvSpPr>
           <p:cNvPr id="111" name="Google Shape;111;p21"/>
-          <p:cNvSpPr txBox="1"/>
+          <p:cNvSpPr txBox="1">
+            <a:spLocks noGrp="1"/>
+          </p:cNvSpPr>
           <p:nvPr>
-            <p:ph idx="1" type="body"/>
+            <p:ph type="body" idx="1"/>
           </p:nvPr>
         </p:nvSpPr>
         <p:spPr>
@@ -10562,12 +10837,12 @@
           </a:prstGeom>
         </p:spPr>
         <p:txBody>
-          <a:bodyPr anchorCtr="0" anchor="t" bIns="91425" lIns="91425" spcFirstLastPara="1" rIns="91425" wrap="square" tIns="91425">
+          <a:bodyPr spcFirstLastPara="1" wrap="square" lIns="91425" tIns="91425" rIns="91425" bIns="91425" anchor="t" anchorCtr="0">
             <a:normAutofit/>
           </a:bodyPr>
           <a:lstStyle/>
           <a:p>
-            <a:pPr indent="-342900" lvl="0" marL="457200" rtl="0" algn="l">
+            <a:pPr marL="457200" lvl="0" indent="-342900" algn="l" rtl="0">
               <a:spcBef>
                 <a:spcPts val="0"/>
               </a:spcBef>
@@ -10584,7 +10859,7 @@
             <a:endParaRPr/>
           </a:p>
           <a:p>
-            <a:pPr indent="-342900" lvl="0" marL="457200" rtl="0" algn="l">
+            <a:pPr marL="457200" lvl="0" indent="-342900" algn="l" rtl="0">
               <a:spcBef>
                 <a:spcPts val="0"/>
               </a:spcBef>
@@ -10601,7 +10876,7 @@
             <a:endParaRPr/>
           </a:p>
           <a:p>
-            <a:pPr indent="-342900" lvl="0" marL="457200" rtl="0" algn="l">
+            <a:pPr marL="457200" lvl="0" indent="-342900" algn="l" rtl="0">
               <a:spcBef>
                 <a:spcPts val="0"/>
               </a:spcBef>
@@ -10618,7 +10893,7 @@
             <a:endParaRPr/>
           </a:p>
           <a:p>
-            <a:pPr indent="-342900" lvl="0" marL="457200" rtl="0" algn="l">
+            <a:pPr marL="457200" lvl="0" indent="-342900" algn="l" rtl="0">
               <a:spcBef>
                 <a:spcPts val="0"/>
               </a:spcBef>
@@ -10635,7 +10910,7 @@
             <a:endParaRPr/>
           </a:p>
           <a:p>
-            <a:pPr indent="-342900" lvl="0" marL="457200" rtl="0" algn="l">
+            <a:pPr marL="457200" lvl="0" indent="-342900" algn="l" rtl="0">
               <a:spcBef>
                 <a:spcPts val="0"/>
               </a:spcBef>
@@ -10652,7 +10927,7 @@
             <a:endParaRPr/>
           </a:p>
           <a:p>
-            <a:pPr indent="0" lvl="0" marL="0" rtl="0" algn="l">
+            <a:pPr marL="0" lvl="0" indent="0" algn="l" rtl="0">
               <a:spcBef>
                 <a:spcPts val="1200"/>
               </a:spcBef>
@@ -10661,9 +10936,6 @@
               </a:spcAft>
               <a:buNone/>
             </a:pPr>
-            <a:r>
-              <a:t/>
-            </a:r>
             <a:endParaRPr/>
           </a:p>
         </p:txBody>
@@ -10677,7 +10949,7 @@
 </file>
 
 <file path=ppt/theme/theme1.xml><?xml version="1.0" encoding="utf-8"?>
-<a:theme xmlns:a="http://schemas.openxmlformats.org/drawingml/2006/main" xmlns:r="http://schemas.openxmlformats.org/officeDocument/2006/relationships" name="Simple Light">
+<a:theme xmlns:a="http://schemas.openxmlformats.org/drawingml/2006/main" name="Simple Light">
   <a:themeElements>
     <a:clrScheme name="Simple Light">
       <a:dk1>
@@ -10952,11 +11224,13 @@
       </a:bgFillStyleLst>
     </a:fmtScheme>
   </a:themeElements>
+  <a:objectDefaults/>
+  <a:extraClrSchemeLst/>
 </a:theme>
 </file>
 
 <file path=ppt/theme/theme2.xml><?xml version="1.0" encoding="utf-8"?>
-<a:theme xmlns:a="http://schemas.openxmlformats.org/drawingml/2006/main" xmlns:r="http://schemas.openxmlformats.org/officeDocument/2006/relationships">
+<a:theme xmlns:a="http://schemas.openxmlformats.org/drawingml/2006/main">
   <a:themeElements>
     <a:clrScheme name="Default">
       <a:dk1>
@@ -11231,5 +11505,7 @@
       </a:bgFillStyleLst>
     </a:fmtScheme>
   </a:themeElements>
+  <a:objectDefaults/>
+  <a:extraClrSchemeLst/>
 </a:theme>
 </file>
--- a/SPACE GYM PROJECT.pptx
+++ b/SPACE GYM PROJECT.pptx
@@ -10667,14 +10667,69 @@
               <a:buNone/>
             </a:pPr>
             <a:r>
-              <a:rPr lang="ko"/>
-              <a:t>IDE - Eclipse 2019-12, Visual Studio Code, Intellij</a:t>
+              <a:rPr lang="ko" dirty="0"/>
+              <a:t>IDE </a:t>
             </a:r>
-            <a:endParaRPr/>
+            <a:r>
+              <a:rPr lang="en-US" altLang="ko" dirty="0" smtClean="0"/>
+              <a:t>–</a:t>
+            </a:r>
+            <a:r>
+              <a:rPr lang="ko" dirty="0" smtClean="0"/>
+              <a:t> </a:t>
+            </a:r>
+            <a:r>
+              <a:rPr lang="en-US" altLang="ko" dirty="0" smtClean="0"/>
+              <a:t>Java (11.0.23)</a:t>
+            </a:r>
+            <a:endParaRPr lang="en-US" altLang="ko" dirty="0" smtClean="0"/>
           </a:p>
           <a:p>
             <a:pPr marL="0" lvl="0" indent="0" algn="l" rtl="0">
               <a:spcBef>
+                <a:spcPts val="0"/>
+              </a:spcBef>
+              <a:spcAft>
+                <a:spcPts val="0"/>
+              </a:spcAft>
+              <a:buNone/>
+            </a:pPr>
+            <a:r>
+              <a:rPr lang="ko" dirty="0" smtClean="0"/>
+              <a:t>SQL </a:t>
+            </a:r>
+            <a:r>
+              <a:rPr lang="en-US" altLang="ko" dirty="0" smtClean="0"/>
+              <a:t>–</a:t>
+            </a:r>
+            <a:r>
+              <a:rPr lang="ko" dirty="0" smtClean="0"/>
+              <a:t> </a:t>
+            </a:r>
+            <a:r>
+              <a:rPr lang="en-US" altLang="ko" dirty="0" smtClean="0"/>
+              <a:t>Oracle Database 21c Express Edition </a:t>
+            </a:r>
+          </a:p>
+          <a:p>
+            <a:pPr marL="0" lvl="0" indent="0" algn="l" rtl="0">
+              <a:spcBef>
+                <a:spcPts val="0"/>
+              </a:spcBef>
+              <a:spcAft>
+                <a:spcPts val="0"/>
+              </a:spcAft>
+              <a:buNone/>
+            </a:pPr>
+            <a:r>
+              <a:rPr lang="en-US" altLang="ko" dirty="0" smtClean="0"/>
+              <a:t>Release 21.0.0.0</a:t>
+            </a:r>
+            <a:endParaRPr dirty="0"/>
+          </a:p>
+          <a:p>
+            <a:pPr marL="0" lvl="0" indent="0" algn="l" rtl="0">
+              <a:spcBef>
                 <a:spcPts val="1200"/>
               </a:spcBef>
               <a:spcAft>
@@ -10683,10 +10738,14 @@
               <a:buNone/>
             </a:pPr>
             <a:r>
-              <a:rPr lang="ko"/>
-              <a:t>SQL - Oracle Database, SQLDeveloper</a:t>
+              <a:rPr lang="ko" dirty="0"/>
+              <a:t>Server - Apache Tomcat </a:t>
             </a:r>
-            <a:endParaRPr/>
+            <a:r>
+              <a:rPr lang="ko" dirty="0" smtClean="0"/>
+              <a:t>9.0.96</a:t>
+            </a:r>
+            <a:endParaRPr dirty="0"/>
           </a:p>
           <a:p>
             <a:pPr marL="0" lvl="0" indent="0" algn="l" rtl="0">
@@ -10694,31 +10753,31 @@
                 <a:spcPts val="1200"/>
               </a:spcBef>
               <a:spcAft>
-                <a:spcPts val="0"/>
+                <a:spcPts val="1200"/>
+              </a:spcAft>
+              <a:buNone/>
+            </a:pPr>
+            <a:endParaRPr lang="en-US" altLang="ko" smtClean="0"/>
+          </a:p>
+          <a:p>
+            <a:pPr marL="0" lvl="0" indent="0" algn="l" rtl="0">
+              <a:spcBef>
+                <a:spcPts val="1200"/>
+              </a:spcBef>
+              <a:spcAft>
+                <a:spcPts val="1200"/>
               </a:spcAft>
               <a:buNone/>
             </a:pPr>
             <a:r>
-              <a:rPr lang="ko"/>
-              <a:t>Server - Apache Tomcat 9.0.96, SmartTomcat (Intellij)</a:t>
+              <a:rPr lang="ko" smtClean="0"/>
+              <a:t>사용한 </a:t>
             </a:r>
-            <a:endParaRPr/>
-          </a:p>
-          <a:p>
-            <a:pPr marL="0" lvl="0" indent="0" algn="l" rtl="0">
-              <a:spcBef>
-                <a:spcPts val="1200"/>
-              </a:spcBef>
-              <a:spcAft>
-                <a:spcPts val="1200"/>
-              </a:spcAft>
-              <a:buNone/>
-            </a:pPr>
             <a:r>
-              <a:rPr lang="ko"/>
-              <a:t>사용한 오픈소스 - Daum PostCode API, Kakao Maps API, Jquery 1.12.4, DateTimePicker, Fullcalendar, Swiper, JSON-simple-1.1.1</a:t>
+              <a:rPr lang="ko" dirty="0"/>
+              <a:t>오픈소스 - Daum PostCode API, Kakao Maps API, Jquery 1.12.4, DateTimePicker, Fullcalendar, Swiper, JSON-simple-1.1.1</a:t>
             </a:r>
-            <a:endParaRPr/>
+            <a:endParaRPr dirty="0"/>
           </a:p>
         </p:txBody>
       </p:sp>
